--- a/Sumber/Ilustrasi Interpolation.pptx
+++ b/Sumber/Ilustrasi Interpolation.pptx
@@ -104,6 +104,11 @@
       </a:defRPr>
     </a:lvl9pPr>
   </p:defaultTextStyle>
+  <p:extLst>
+    <p:ext uri="{EFAFB233-063F-42B5-8137-9DF3F51BA10A}">
+      <p15:sldGuideLst xmlns:p15="http://schemas.microsoft.com/office/powerpoint/2012/main"/>
+    </p:ext>
+  </p:extLst>
 </p:presentation>
 </file>
 
@@ -3464,7 +3469,7 @@
                   <a:schemeClr val="tx1"/>
                 </a:solidFill>
               </a:rPr>
-              <a:t>ms4B</a:t>
+              <a:t>ms12B</a:t>
             </a:r>
             <a:endParaRPr lang="en-ID" dirty="0">
               <a:solidFill>
@@ -3530,7 +3535,7 @@
                   <a:schemeClr val="tx1"/>
                 </a:solidFill>
               </a:rPr>
-              <a:t>ms5A</a:t>
+              <a:t>ms3A</a:t>
             </a:r>
             <a:endParaRPr lang="en-ID" dirty="0">
               <a:solidFill>
@@ -3596,7 +3601,7 @@
                   <a:schemeClr val="tx1"/>
                 </a:solidFill>
               </a:rPr>
-              <a:t>ms10P</a:t>
+              <a:t>ms42P</a:t>
             </a:r>
             <a:endParaRPr lang="en-ID" dirty="0">
               <a:solidFill>
@@ -3662,7 +3667,7 @@
                   <a:schemeClr val="tx1"/>
                 </a:solidFill>
               </a:rPr>
-              <a:t>ms12N</a:t>
+              <a:t>ms5N</a:t>
             </a:r>
             <a:endParaRPr lang="en-ID" dirty="0">
               <a:solidFill>

--- a/Sumber/Ilustrasi Interpolation.pptx
+++ b/Sumber/Ilustrasi Interpolation.pptx
@@ -6,6 +6,9 @@
   </p:sldMasterIdLst>
   <p:sldIdLst>
     <p:sldId id="256" r:id="rId2"/>
+    <p:sldId id="257" r:id="rId3"/>
+    <p:sldId id="258" r:id="rId4"/>
+    <p:sldId id="259" r:id="rId5"/>
   </p:sldIdLst>
   <p:sldSz cx="12192000" cy="6858000"/>
   <p:notesSz cx="6858000" cy="9144000"/>
@@ -261,7 +264,7 @@
           <a:p>
             <a:fld id="{9EE5EA56-A330-426E-AC38-F4E58E12A29F}" type="datetimeFigureOut">
               <a:rPr lang="en-ID" smtClean="0"/>
-              <a:t>01/04/2022</a:t>
+              <a:t>02/04/2022</a:t>
             </a:fld>
             <a:endParaRPr lang="en-ID"/>
           </a:p>
@@ -461,7 +464,7 @@
           <a:p>
             <a:fld id="{9EE5EA56-A330-426E-AC38-F4E58E12A29F}" type="datetimeFigureOut">
               <a:rPr lang="en-ID" smtClean="0"/>
-              <a:t>01/04/2022</a:t>
+              <a:t>02/04/2022</a:t>
             </a:fld>
             <a:endParaRPr lang="en-ID"/>
           </a:p>
@@ -671,7 +674,7 @@
           <a:p>
             <a:fld id="{9EE5EA56-A330-426E-AC38-F4E58E12A29F}" type="datetimeFigureOut">
               <a:rPr lang="en-ID" smtClean="0"/>
-              <a:t>01/04/2022</a:t>
+              <a:t>02/04/2022</a:t>
             </a:fld>
             <a:endParaRPr lang="en-ID"/>
           </a:p>
@@ -871,7 +874,7 @@
           <a:p>
             <a:fld id="{9EE5EA56-A330-426E-AC38-F4E58E12A29F}" type="datetimeFigureOut">
               <a:rPr lang="en-ID" smtClean="0"/>
-              <a:t>01/04/2022</a:t>
+              <a:t>02/04/2022</a:t>
             </a:fld>
             <a:endParaRPr lang="en-ID"/>
           </a:p>
@@ -1147,7 +1150,7 @@
           <a:p>
             <a:fld id="{9EE5EA56-A330-426E-AC38-F4E58E12A29F}" type="datetimeFigureOut">
               <a:rPr lang="en-ID" smtClean="0"/>
-              <a:t>01/04/2022</a:t>
+              <a:t>02/04/2022</a:t>
             </a:fld>
             <a:endParaRPr lang="en-ID"/>
           </a:p>
@@ -1415,7 +1418,7 @@
           <a:p>
             <a:fld id="{9EE5EA56-A330-426E-AC38-F4E58E12A29F}" type="datetimeFigureOut">
               <a:rPr lang="en-ID" smtClean="0"/>
-              <a:t>01/04/2022</a:t>
+              <a:t>02/04/2022</a:t>
             </a:fld>
             <a:endParaRPr lang="en-ID"/>
           </a:p>
@@ -1830,7 +1833,7 @@
           <a:p>
             <a:fld id="{9EE5EA56-A330-426E-AC38-F4E58E12A29F}" type="datetimeFigureOut">
               <a:rPr lang="en-ID" smtClean="0"/>
-              <a:t>01/04/2022</a:t>
+              <a:t>02/04/2022</a:t>
             </a:fld>
             <a:endParaRPr lang="en-ID"/>
           </a:p>
@@ -1972,7 +1975,7 @@
           <a:p>
             <a:fld id="{9EE5EA56-A330-426E-AC38-F4E58E12A29F}" type="datetimeFigureOut">
               <a:rPr lang="en-ID" smtClean="0"/>
-              <a:t>01/04/2022</a:t>
+              <a:t>02/04/2022</a:t>
             </a:fld>
             <a:endParaRPr lang="en-ID"/>
           </a:p>
@@ -2085,7 +2088,7 @@
           <a:p>
             <a:fld id="{9EE5EA56-A330-426E-AC38-F4E58E12A29F}" type="datetimeFigureOut">
               <a:rPr lang="en-ID" smtClean="0"/>
-              <a:t>01/04/2022</a:t>
+              <a:t>02/04/2022</a:t>
             </a:fld>
             <a:endParaRPr lang="en-ID"/>
           </a:p>
@@ -2398,7 +2401,7 @@
           <a:p>
             <a:fld id="{9EE5EA56-A330-426E-AC38-F4E58E12A29F}" type="datetimeFigureOut">
               <a:rPr lang="en-ID" smtClean="0"/>
-              <a:t>01/04/2022</a:t>
+              <a:t>02/04/2022</a:t>
             </a:fld>
             <a:endParaRPr lang="en-ID"/>
           </a:p>
@@ -2687,7 +2690,7 @@
           <a:p>
             <a:fld id="{9EE5EA56-A330-426E-AC38-F4E58E12A29F}" type="datetimeFigureOut">
               <a:rPr lang="en-ID" smtClean="0"/>
-              <a:t>01/04/2022</a:t>
+              <a:t>02/04/2022</a:t>
             </a:fld>
             <a:endParaRPr lang="en-ID"/>
           </a:p>
@@ -2930,7 +2933,7 @@
           <a:p>
             <a:fld id="{9EE5EA56-A330-426E-AC38-F4E58E12A29F}" type="datetimeFigureOut">
               <a:rPr lang="en-ID" smtClean="0"/>
-              <a:t>01/04/2022</a:t>
+              <a:t>02/04/2022</a:t>
             </a:fld>
             <a:endParaRPr lang="en-ID"/>
           </a:p>
@@ -3349,10 +3352,10 @@
       </p:grpSpPr>
       <p:sp>
         <p:nvSpPr>
-          <p:cNvPr id="4" name="Rectangle 3">
-            <a:extLst>
-              <a:ext uri="{FF2B5EF4-FFF2-40B4-BE49-F238E27FC236}">
-                <a16:creationId xmlns:a16="http://schemas.microsoft.com/office/drawing/2014/main" id="{624EE7B0-CDF8-4A7F-B644-F93411E35BFF}"/>
+          <p:cNvPr id="20" name="Arrow: Down 19">
+            <a:extLst>
+              <a:ext uri="{FF2B5EF4-FFF2-40B4-BE49-F238E27FC236}">
+                <a16:creationId xmlns:a16="http://schemas.microsoft.com/office/drawing/2014/main" id="{C4B64378-06E7-4E96-816E-8D2656480CAC}"/>
               </a:ext>
             </a:extLst>
           </p:cNvPr>
@@ -3360,998 +3363,8 @@
           <p:nvPr/>
         </p:nvSpPr>
         <p:spPr>
-          <a:xfrm>
-            <a:off x="653143" y="1142999"/>
-            <a:ext cx="859972" cy="707571"/>
-          </a:xfrm>
-          <a:prstGeom prst="rect">
-            <a:avLst/>
-          </a:prstGeom>
-          <a:solidFill>
-            <a:schemeClr val="bg1"/>
-          </a:solidFill>
-          <a:ln w="38100">
-            <a:solidFill>
-              <a:schemeClr val="tx1"/>
-            </a:solidFill>
-          </a:ln>
-        </p:spPr>
-        <p:style>
-          <a:lnRef idx="2">
-            <a:schemeClr val="accent1">
-              <a:shade val="50000"/>
-            </a:schemeClr>
-          </a:lnRef>
-          <a:fillRef idx="1">
-            <a:schemeClr val="accent1"/>
-          </a:fillRef>
-          <a:effectRef idx="0">
-            <a:schemeClr val="accent1"/>
-          </a:effectRef>
-          <a:fontRef idx="minor">
-            <a:schemeClr val="lt1"/>
-          </a:fontRef>
-        </p:style>
-        <p:txBody>
-          <a:bodyPr rtlCol="0" anchor="ctr"/>
-          <a:lstStyle/>
-          <a:p>
-            <a:pPr algn="ctr"/>
-            <a:r>
-              <a:rPr lang="en-US" dirty="0">
-                <a:solidFill>
-                  <a:schemeClr val="tx1"/>
-                </a:solidFill>
-              </a:rPr>
-              <a:t>ms1P</a:t>
-            </a:r>
-            <a:endParaRPr lang="en-ID" dirty="0">
-              <a:solidFill>
-                <a:schemeClr val="tx1"/>
-              </a:solidFill>
-            </a:endParaRPr>
-          </a:p>
-        </p:txBody>
-      </p:sp>
-      <p:sp>
-        <p:nvSpPr>
-          <p:cNvPr id="6" name="Rectangle 5">
-            <a:extLst>
-              <a:ext uri="{FF2B5EF4-FFF2-40B4-BE49-F238E27FC236}">
-                <a16:creationId xmlns:a16="http://schemas.microsoft.com/office/drawing/2014/main" id="{AC282D63-8CD3-4AF2-A2FE-179C49F80973}"/>
-              </a:ext>
-            </a:extLst>
-          </p:cNvPr>
-          <p:cNvSpPr/>
-          <p:nvPr/>
-        </p:nvSpPr>
-        <p:spPr>
-          <a:xfrm>
-            <a:off x="1632857" y="1143000"/>
-            <a:ext cx="859972" cy="707571"/>
-          </a:xfrm>
-          <a:prstGeom prst="rect">
-            <a:avLst/>
-          </a:prstGeom>
-          <a:solidFill>
-            <a:schemeClr val="bg1"/>
-          </a:solidFill>
-          <a:ln w="38100">
-            <a:solidFill>
-              <a:schemeClr val="tx1"/>
-            </a:solidFill>
-          </a:ln>
-        </p:spPr>
-        <p:style>
-          <a:lnRef idx="2">
-            <a:schemeClr val="accent1">
-              <a:shade val="50000"/>
-            </a:schemeClr>
-          </a:lnRef>
-          <a:fillRef idx="1">
-            <a:schemeClr val="accent1"/>
-          </a:fillRef>
-          <a:effectRef idx="0">
-            <a:schemeClr val="accent1"/>
-          </a:effectRef>
-          <a:fontRef idx="minor">
-            <a:schemeClr val="lt1"/>
-          </a:fontRef>
-        </p:style>
-        <p:txBody>
-          <a:bodyPr rtlCol="0" anchor="ctr"/>
-          <a:lstStyle/>
-          <a:p>
-            <a:pPr algn="ctr"/>
-            <a:r>
-              <a:rPr lang="en-US" dirty="0">
-                <a:solidFill>
-                  <a:schemeClr val="tx1"/>
-                </a:solidFill>
-              </a:rPr>
-              <a:t>ms12B</a:t>
-            </a:r>
-            <a:endParaRPr lang="en-ID" dirty="0">
-              <a:solidFill>
-                <a:schemeClr val="tx1"/>
-              </a:solidFill>
-            </a:endParaRPr>
-          </a:p>
-        </p:txBody>
-      </p:sp>
-      <p:sp>
-        <p:nvSpPr>
-          <p:cNvPr id="7" name="Rectangle 6">
-            <a:extLst>
-              <a:ext uri="{FF2B5EF4-FFF2-40B4-BE49-F238E27FC236}">
-                <a16:creationId xmlns:a16="http://schemas.microsoft.com/office/drawing/2014/main" id="{6595264A-4896-42B2-88B9-2EB77CAEDAC9}"/>
-              </a:ext>
-            </a:extLst>
-          </p:cNvPr>
-          <p:cNvSpPr/>
-          <p:nvPr/>
-        </p:nvSpPr>
-        <p:spPr>
-          <a:xfrm>
-            <a:off x="2612571" y="1142998"/>
-            <a:ext cx="859972" cy="707571"/>
-          </a:xfrm>
-          <a:prstGeom prst="rect">
-            <a:avLst/>
-          </a:prstGeom>
-          <a:solidFill>
-            <a:schemeClr val="bg1"/>
-          </a:solidFill>
-          <a:ln w="38100">
-            <a:solidFill>
-              <a:schemeClr val="tx1"/>
-            </a:solidFill>
-          </a:ln>
-        </p:spPr>
-        <p:style>
-          <a:lnRef idx="2">
-            <a:schemeClr val="accent1">
-              <a:shade val="50000"/>
-            </a:schemeClr>
-          </a:lnRef>
-          <a:fillRef idx="1">
-            <a:schemeClr val="accent1"/>
-          </a:fillRef>
-          <a:effectRef idx="0">
-            <a:schemeClr val="accent1"/>
-          </a:effectRef>
-          <a:fontRef idx="minor">
-            <a:schemeClr val="lt1"/>
-          </a:fontRef>
-        </p:style>
-        <p:txBody>
-          <a:bodyPr rtlCol="0" anchor="ctr"/>
-          <a:lstStyle/>
-          <a:p>
-            <a:pPr algn="ctr"/>
-            <a:r>
-              <a:rPr lang="en-US" dirty="0">
-                <a:solidFill>
-                  <a:schemeClr val="tx1"/>
-                </a:solidFill>
-              </a:rPr>
-              <a:t>ms3A</a:t>
-            </a:r>
-            <a:endParaRPr lang="en-ID" dirty="0">
-              <a:solidFill>
-                <a:schemeClr val="tx1"/>
-              </a:solidFill>
-            </a:endParaRPr>
-          </a:p>
-        </p:txBody>
-      </p:sp>
-      <p:sp>
-        <p:nvSpPr>
-          <p:cNvPr id="8" name="Rectangle 7">
-            <a:extLst>
-              <a:ext uri="{FF2B5EF4-FFF2-40B4-BE49-F238E27FC236}">
-                <a16:creationId xmlns:a16="http://schemas.microsoft.com/office/drawing/2014/main" id="{B18BCC30-165D-4A02-A653-1A0ADAA3B324}"/>
-              </a:ext>
-            </a:extLst>
-          </p:cNvPr>
-          <p:cNvSpPr/>
-          <p:nvPr/>
-        </p:nvSpPr>
-        <p:spPr>
-          <a:xfrm>
-            <a:off x="3592285" y="1142998"/>
-            <a:ext cx="859972" cy="707571"/>
-          </a:xfrm>
-          <a:prstGeom prst="rect">
-            <a:avLst/>
-          </a:prstGeom>
-          <a:solidFill>
-            <a:schemeClr val="bg1"/>
-          </a:solidFill>
-          <a:ln w="38100">
-            <a:solidFill>
-              <a:schemeClr val="tx1"/>
-            </a:solidFill>
-          </a:ln>
-        </p:spPr>
-        <p:style>
-          <a:lnRef idx="2">
-            <a:schemeClr val="accent1">
-              <a:shade val="50000"/>
-            </a:schemeClr>
-          </a:lnRef>
-          <a:fillRef idx="1">
-            <a:schemeClr val="accent1"/>
-          </a:fillRef>
-          <a:effectRef idx="0">
-            <a:schemeClr val="accent1"/>
-          </a:effectRef>
-          <a:fontRef idx="minor">
-            <a:schemeClr val="lt1"/>
-          </a:fontRef>
-        </p:style>
-        <p:txBody>
-          <a:bodyPr rtlCol="0" anchor="ctr"/>
-          <a:lstStyle/>
-          <a:p>
-            <a:pPr algn="ctr"/>
-            <a:r>
-              <a:rPr lang="en-US" dirty="0">
-                <a:solidFill>
-                  <a:schemeClr val="tx1"/>
-                </a:solidFill>
-              </a:rPr>
-              <a:t>ms42P</a:t>
-            </a:r>
-            <a:endParaRPr lang="en-ID" dirty="0">
-              <a:solidFill>
-                <a:schemeClr val="tx1"/>
-              </a:solidFill>
-            </a:endParaRPr>
-          </a:p>
-        </p:txBody>
-      </p:sp>
-      <p:sp>
-        <p:nvSpPr>
-          <p:cNvPr id="9" name="Rectangle 8">
-            <a:extLst>
-              <a:ext uri="{FF2B5EF4-FFF2-40B4-BE49-F238E27FC236}">
-                <a16:creationId xmlns:a16="http://schemas.microsoft.com/office/drawing/2014/main" id="{9E8C8258-4483-4FB6-A686-0D466303F1FB}"/>
-              </a:ext>
-            </a:extLst>
-          </p:cNvPr>
-          <p:cNvSpPr/>
-          <p:nvPr/>
-        </p:nvSpPr>
-        <p:spPr>
-          <a:xfrm>
-            <a:off x="4571999" y="1142998"/>
-            <a:ext cx="859972" cy="707571"/>
-          </a:xfrm>
-          <a:prstGeom prst="rect">
-            <a:avLst/>
-          </a:prstGeom>
-          <a:solidFill>
-            <a:schemeClr val="bg1"/>
-          </a:solidFill>
-          <a:ln w="38100">
-            <a:solidFill>
-              <a:schemeClr val="tx1"/>
-            </a:solidFill>
-          </a:ln>
-        </p:spPr>
-        <p:style>
-          <a:lnRef idx="2">
-            <a:schemeClr val="accent1">
-              <a:shade val="50000"/>
-            </a:schemeClr>
-          </a:lnRef>
-          <a:fillRef idx="1">
-            <a:schemeClr val="accent1"/>
-          </a:fillRef>
-          <a:effectRef idx="0">
-            <a:schemeClr val="accent1"/>
-          </a:effectRef>
-          <a:fontRef idx="minor">
-            <a:schemeClr val="lt1"/>
-          </a:fontRef>
-        </p:style>
-        <p:txBody>
-          <a:bodyPr rtlCol="0" anchor="ctr"/>
-          <a:lstStyle/>
-          <a:p>
-            <a:pPr algn="ctr"/>
-            <a:r>
-              <a:rPr lang="en-US" dirty="0">
-                <a:solidFill>
-                  <a:schemeClr val="tx1"/>
-                </a:solidFill>
-              </a:rPr>
-              <a:t>ms5N</a:t>
-            </a:r>
-            <a:endParaRPr lang="en-ID" dirty="0">
-              <a:solidFill>
-                <a:schemeClr val="tx1"/>
-              </a:solidFill>
-            </a:endParaRPr>
-          </a:p>
-        </p:txBody>
-      </p:sp>
-      <p:sp>
-        <p:nvSpPr>
-          <p:cNvPr id="10" name="Rectangle 9">
-            <a:extLst>
-              <a:ext uri="{FF2B5EF4-FFF2-40B4-BE49-F238E27FC236}">
-                <a16:creationId xmlns:a16="http://schemas.microsoft.com/office/drawing/2014/main" id="{1433DCB1-06F7-489F-AA48-9BA12F2BF6F0}"/>
-              </a:ext>
-            </a:extLst>
-          </p:cNvPr>
-          <p:cNvSpPr/>
-          <p:nvPr/>
-        </p:nvSpPr>
-        <p:spPr>
-          <a:xfrm>
-            <a:off x="653143" y="3075215"/>
-            <a:ext cx="859972" cy="707571"/>
-          </a:xfrm>
-          <a:prstGeom prst="rect">
-            <a:avLst/>
-          </a:prstGeom>
-          <a:solidFill>
-            <a:schemeClr val="bg1"/>
-          </a:solidFill>
-          <a:ln w="38100">
-            <a:solidFill>
-              <a:schemeClr val="tx1"/>
-            </a:solidFill>
-          </a:ln>
-        </p:spPr>
-        <p:style>
-          <a:lnRef idx="2">
-            <a:schemeClr val="accent1">
-              <a:shade val="50000"/>
-            </a:schemeClr>
-          </a:lnRef>
-          <a:fillRef idx="1">
-            <a:schemeClr val="accent1"/>
-          </a:fillRef>
-          <a:effectRef idx="0">
-            <a:schemeClr val="accent1"/>
-          </a:effectRef>
-          <a:fontRef idx="minor">
-            <a:schemeClr val="lt1"/>
-          </a:fontRef>
-        </p:style>
-        <p:txBody>
-          <a:bodyPr rtlCol="0" anchor="ctr"/>
-          <a:lstStyle/>
-          <a:p>
-            <a:pPr algn="ctr"/>
-            <a:r>
-              <a:rPr lang="en-US" dirty="0">
-                <a:solidFill>
-                  <a:schemeClr val="tx1"/>
-                </a:solidFill>
-              </a:rPr>
-              <a:t>ms1P</a:t>
-            </a:r>
-            <a:endParaRPr lang="en-ID" dirty="0">
-              <a:solidFill>
-                <a:schemeClr val="tx1"/>
-              </a:solidFill>
-            </a:endParaRPr>
-          </a:p>
-        </p:txBody>
-      </p:sp>
-      <p:sp>
-        <p:nvSpPr>
-          <p:cNvPr id="11" name="Rectangle 10">
-            <a:extLst>
-              <a:ext uri="{FF2B5EF4-FFF2-40B4-BE49-F238E27FC236}">
-                <a16:creationId xmlns:a16="http://schemas.microsoft.com/office/drawing/2014/main" id="{E2D09379-AB29-4B19-A752-A1766484C41C}"/>
-              </a:ext>
-            </a:extLst>
-          </p:cNvPr>
-          <p:cNvSpPr/>
-          <p:nvPr/>
-        </p:nvSpPr>
-        <p:spPr>
-          <a:xfrm>
-            <a:off x="1632857" y="3075216"/>
-            <a:ext cx="859972" cy="707571"/>
-          </a:xfrm>
-          <a:prstGeom prst="rect">
-            <a:avLst/>
-          </a:prstGeom>
-          <a:solidFill>
-            <a:schemeClr val="bg1"/>
-          </a:solidFill>
-          <a:ln w="38100">
-            <a:solidFill>
-              <a:schemeClr val="tx1"/>
-            </a:solidFill>
-          </a:ln>
-        </p:spPr>
-        <p:style>
-          <a:lnRef idx="2">
-            <a:schemeClr val="accent1">
-              <a:shade val="50000"/>
-            </a:schemeClr>
-          </a:lnRef>
-          <a:fillRef idx="1">
-            <a:schemeClr val="accent1"/>
-          </a:fillRef>
-          <a:effectRef idx="0">
-            <a:schemeClr val="accent1"/>
-          </a:effectRef>
-          <a:fontRef idx="minor">
-            <a:schemeClr val="lt1"/>
-          </a:fontRef>
-        </p:style>
-        <p:txBody>
-          <a:bodyPr rtlCol="0" anchor="ctr"/>
-          <a:lstStyle/>
-          <a:p>
-            <a:pPr algn="ctr"/>
-            <a:r>
-              <a:rPr lang="en-US" dirty="0">
-                <a:solidFill>
-                  <a:schemeClr val="tx1"/>
-                </a:solidFill>
-              </a:rPr>
-              <a:t>ms4B</a:t>
-            </a:r>
-            <a:endParaRPr lang="en-ID" dirty="0">
-              <a:solidFill>
-                <a:schemeClr val="tx1"/>
-              </a:solidFill>
-            </a:endParaRPr>
-          </a:p>
-        </p:txBody>
-      </p:sp>
-      <p:sp>
-        <p:nvSpPr>
-          <p:cNvPr id="12" name="Rectangle 11">
-            <a:extLst>
-              <a:ext uri="{FF2B5EF4-FFF2-40B4-BE49-F238E27FC236}">
-                <a16:creationId xmlns:a16="http://schemas.microsoft.com/office/drawing/2014/main" id="{6D24F696-275A-407E-8E78-24DCD42498B1}"/>
-              </a:ext>
-            </a:extLst>
-          </p:cNvPr>
-          <p:cNvSpPr/>
-          <p:nvPr/>
-        </p:nvSpPr>
-        <p:spPr>
-          <a:xfrm>
-            <a:off x="2612571" y="3075214"/>
-            <a:ext cx="859972" cy="707571"/>
-          </a:xfrm>
-          <a:prstGeom prst="rect">
-            <a:avLst/>
-          </a:prstGeom>
-          <a:solidFill>
-            <a:schemeClr val="bg1"/>
-          </a:solidFill>
-          <a:ln w="38100">
-            <a:solidFill>
-              <a:schemeClr val="tx1"/>
-            </a:solidFill>
-          </a:ln>
-        </p:spPr>
-        <p:style>
-          <a:lnRef idx="2">
-            <a:schemeClr val="accent1">
-              <a:shade val="50000"/>
-            </a:schemeClr>
-          </a:lnRef>
-          <a:fillRef idx="1">
-            <a:schemeClr val="accent1"/>
-          </a:fillRef>
-          <a:effectRef idx="0">
-            <a:schemeClr val="accent1"/>
-          </a:effectRef>
-          <a:fontRef idx="minor">
-            <a:schemeClr val="lt1"/>
-          </a:fontRef>
-        </p:style>
-        <p:txBody>
-          <a:bodyPr rtlCol="0" anchor="ctr"/>
-          <a:lstStyle/>
-          <a:p>
-            <a:pPr algn="ctr"/>
-            <a:r>
-              <a:rPr lang="en-US" dirty="0">
-                <a:solidFill>
-                  <a:schemeClr val="tx1"/>
-                </a:solidFill>
-              </a:rPr>
-              <a:t>ms5A</a:t>
-            </a:r>
-            <a:endParaRPr lang="en-ID" dirty="0">
-              <a:solidFill>
-                <a:schemeClr val="tx1"/>
-              </a:solidFill>
-            </a:endParaRPr>
-          </a:p>
-        </p:txBody>
-      </p:sp>
-      <p:sp>
-        <p:nvSpPr>
-          <p:cNvPr id="13" name="Rectangle 12">
-            <a:extLst>
-              <a:ext uri="{FF2B5EF4-FFF2-40B4-BE49-F238E27FC236}">
-                <a16:creationId xmlns:a16="http://schemas.microsoft.com/office/drawing/2014/main" id="{3837007E-B5AD-4CC9-A98B-DAC894198F2E}"/>
-              </a:ext>
-            </a:extLst>
-          </p:cNvPr>
-          <p:cNvSpPr/>
-          <p:nvPr/>
-        </p:nvSpPr>
-        <p:spPr>
-          <a:xfrm>
-            <a:off x="3592285" y="3075214"/>
-            <a:ext cx="859972" cy="707571"/>
-          </a:xfrm>
-          <a:prstGeom prst="rect">
-            <a:avLst/>
-          </a:prstGeom>
-          <a:solidFill>
-            <a:schemeClr val="bg1"/>
-          </a:solidFill>
-          <a:ln w="38100">
-            <a:solidFill>
-              <a:schemeClr val="tx1"/>
-            </a:solidFill>
-          </a:ln>
-        </p:spPr>
-        <p:style>
-          <a:lnRef idx="2">
-            <a:schemeClr val="accent1">
-              <a:shade val="50000"/>
-            </a:schemeClr>
-          </a:lnRef>
-          <a:fillRef idx="1">
-            <a:schemeClr val="accent1"/>
-          </a:fillRef>
-          <a:effectRef idx="0">
-            <a:schemeClr val="accent1"/>
-          </a:effectRef>
-          <a:fontRef idx="minor">
-            <a:schemeClr val="lt1"/>
-          </a:fontRef>
-        </p:style>
-        <p:txBody>
-          <a:bodyPr rtlCol="0" anchor="ctr"/>
-          <a:lstStyle/>
-          <a:p>
-            <a:pPr algn="ctr"/>
-            <a:r>
-              <a:rPr lang="en-US" dirty="0">
-                <a:solidFill>
-                  <a:schemeClr val="tx1"/>
-                </a:solidFill>
-              </a:rPr>
-              <a:t>ms10P</a:t>
-            </a:r>
-            <a:endParaRPr lang="en-ID" dirty="0">
-              <a:solidFill>
-                <a:schemeClr val="tx1"/>
-              </a:solidFill>
-            </a:endParaRPr>
-          </a:p>
-        </p:txBody>
-      </p:sp>
-      <p:sp>
-        <p:nvSpPr>
-          <p:cNvPr id="14" name="Rectangle 13">
-            <a:extLst>
-              <a:ext uri="{FF2B5EF4-FFF2-40B4-BE49-F238E27FC236}">
-                <a16:creationId xmlns:a16="http://schemas.microsoft.com/office/drawing/2014/main" id="{4A2B2F25-EA3C-417C-ACEC-E7A3F04CC3CA}"/>
-              </a:ext>
-            </a:extLst>
-          </p:cNvPr>
-          <p:cNvSpPr/>
-          <p:nvPr/>
-        </p:nvSpPr>
-        <p:spPr>
-          <a:xfrm>
-            <a:off x="4571999" y="3075214"/>
-            <a:ext cx="859972" cy="707571"/>
-          </a:xfrm>
-          <a:prstGeom prst="rect">
-            <a:avLst/>
-          </a:prstGeom>
-          <a:solidFill>
-            <a:schemeClr val="bg1"/>
-          </a:solidFill>
-          <a:ln w="38100">
-            <a:solidFill>
-              <a:schemeClr val="tx1"/>
-            </a:solidFill>
-          </a:ln>
-        </p:spPr>
-        <p:style>
-          <a:lnRef idx="2">
-            <a:schemeClr val="accent1">
-              <a:shade val="50000"/>
-            </a:schemeClr>
-          </a:lnRef>
-          <a:fillRef idx="1">
-            <a:schemeClr val="accent1"/>
-          </a:fillRef>
-          <a:effectRef idx="0">
-            <a:schemeClr val="accent1"/>
-          </a:effectRef>
-          <a:fontRef idx="minor">
-            <a:schemeClr val="lt1"/>
-          </a:fontRef>
-        </p:style>
-        <p:txBody>
-          <a:bodyPr rtlCol="0" anchor="ctr"/>
-          <a:lstStyle/>
-          <a:p>
-            <a:pPr algn="ctr"/>
-            <a:r>
-              <a:rPr lang="en-US" dirty="0">
-                <a:solidFill>
-                  <a:schemeClr val="tx1"/>
-                </a:solidFill>
-              </a:rPr>
-              <a:t>ms12N</a:t>
-            </a:r>
-            <a:endParaRPr lang="en-ID" dirty="0">
-              <a:solidFill>
-                <a:schemeClr val="tx1"/>
-              </a:solidFill>
-            </a:endParaRPr>
-          </a:p>
-        </p:txBody>
-      </p:sp>
-      <p:sp>
-        <p:nvSpPr>
-          <p:cNvPr id="15" name="Rectangle 14">
-            <a:extLst>
-              <a:ext uri="{FF2B5EF4-FFF2-40B4-BE49-F238E27FC236}">
-                <a16:creationId xmlns:a16="http://schemas.microsoft.com/office/drawing/2014/main" id="{470B461B-2C1C-4531-A461-BF4AE7B3F24B}"/>
-              </a:ext>
-            </a:extLst>
-          </p:cNvPr>
-          <p:cNvSpPr/>
-          <p:nvPr/>
-        </p:nvSpPr>
-        <p:spPr>
-          <a:xfrm>
-            <a:off x="653143" y="4653645"/>
-            <a:ext cx="859972" cy="707571"/>
-          </a:xfrm>
-          <a:prstGeom prst="rect">
-            <a:avLst/>
-          </a:prstGeom>
-          <a:solidFill>
-            <a:schemeClr val="bg1"/>
-          </a:solidFill>
-          <a:ln w="38100">
-            <a:solidFill>
-              <a:schemeClr val="tx1"/>
-            </a:solidFill>
-          </a:ln>
-        </p:spPr>
-        <p:style>
-          <a:lnRef idx="2">
-            <a:schemeClr val="accent1">
-              <a:shade val="50000"/>
-            </a:schemeClr>
-          </a:lnRef>
-          <a:fillRef idx="1">
-            <a:schemeClr val="accent1"/>
-          </a:fillRef>
-          <a:effectRef idx="0">
-            <a:schemeClr val="accent1"/>
-          </a:effectRef>
-          <a:fontRef idx="minor">
-            <a:schemeClr val="lt1"/>
-          </a:fontRef>
-        </p:style>
-        <p:txBody>
-          <a:bodyPr rtlCol="0" anchor="ctr"/>
-          <a:lstStyle/>
-          <a:p>
-            <a:pPr algn="ctr"/>
-            <a:r>
-              <a:rPr lang="en-US" dirty="0">
-                <a:solidFill>
-                  <a:schemeClr val="tx1"/>
-                </a:solidFill>
-              </a:rPr>
-              <a:t>353</a:t>
-            </a:r>
-            <a:endParaRPr lang="en-ID" dirty="0">
-              <a:solidFill>
-                <a:schemeClr val="tx1"/>
-              </a:solidFill>
-            </a:endParaRPr>
-          </a:p>
-        </p:txBody>
-      </p:sp>
-      <p:sp>
-        <p:nvSpPr>
-          <p:cNvPr id="16" name="Rectangle 15">
-            <a:extLst>
-              <a:ext uri="{FF2B5EF4-FFF2-40B4-BE49-F238E27FC236}">
-                <a16:creationId xmlns:a16="http://schemas.microsoft.com/office/drawing/2014/main" id="{A39143FB-6A6A-4CE2-BF05-D3F8BBA857CA}"/>
-              </a:ext>
-            </a:extLst>
-          </p:cNvPr>
-          <p:cNvSpPr/>
-          <p:nvPr/>
-        </p:nvSpPr>
-        <p:spPr>
-          <a:xfrm>
-            <a:off x="1632857" y="4653646"/>
-            <a:ext cx="859972" cy="707571"/>
-          </a:xfrm>
-          <a:prstGeom prst="rect">
-            <a:avLst/>
-          </a:prstGeom>
-          <a:solidFill>
-            <a:schemeClr val="bg1"/>
-          </a:solidFill>
-          <a:ln w="38100">
-            <a:solidFill>
-              <a:schemeClr val="tx1"/>
-            </a:solidFill>
-          </a:ln>
-        </p:spPr>
-        <p:style>
-          <a:lnRef idx="2">
-            <a:schemeClr val="accent1">
-              <a:shade val="50000"/>
-            </a:schemeClr>
-          </a:lnRef>
-          <a:fillRef idx="1">
-            <a:schemeClr val="accent1"/>
-          </a:fillRef>
-          <a:effectRef idx="0">
-            <a:schemeClr val="accent1"/>
-          </a:effectRef>
-          <a:fontRef idx="minor">
-            <a:schemeClr val="lt1"/>
-          </a:fontRef>
-        </p:style>
-        <p:txBody>
-          <a:bodyPr rtlCol="0" anchor="ctr"/>
-          <a:lstStyle/>
-          <a:p>
-            <a:pPr algn="ctr"/>
-            <a:r>
-              <a:rPr lang="en-US" dirty="0">
-                <a:solidFill>
-                  <a:schemeClr val="tx1"/>
-                </a:solidFill>
-              </a:rPr>
-              <a:t>342</a:t>
-            </a:r>
-            <a:endParaRPr lang="en-ID" dirty="0">
-              <a:solidFill>
-                <a:schemeClr val="tx1"/>
-              </a:solidFill>
-            </a:endParaRPr>
-          </a:p>
-        </p:txBody>
-      </p:sp>
-      <p:sp>
-        <p:nvSpPr>
-          <p:cNvPr id="17" name="Rectangle 16">
-            <a:extLst>
-              <a:ext uri="{FF2B5EF4-FFF2-40B4-BE49-F238E27FC236}">
-                <a16:creationId xmlns:a16="http://schemas.microsoft.com/office/drawing/2014/main" id="{FF61178F-EFBF-4C72-8F00-758092B83736}"/>
-              </a:ext>
-            </a:extLst>
-          </p:cNvPr>
-          <p:cNvSpPr/>
-          <p:nvPr/>
-        </p:nvSpPr>
-        <p:spPr>
-          <a:xfrm>
-            <a:off x="2612571" y="4653644"/>
-            <a:ext cx="859972" cy="707571"/>
-          </a:xfrm>
-          <a:prstGeom prst="rect">
-            <a:avLst/>
-          </a:prstGeom>
-          <a:solidFill>
-            <a:schemeClr val="bg1"/>
-          </a:solidFill>
-          <a:ln w="38100">
-            <a:solidFill>
-              <a:schemeClr val="tx1"/>
-            </a:solidFill>
-          </a:ln>
-        </p:spPr>
-        <p:style>
-          <a:lnRef idx="2">
-            <a:schemeClr val="accent1">
-              <a:shade val="50000"/>
-            </a:schemeClr>
-          </a:lnRef>
-          <a:fillRef idx="1">
-            <a:schemeClr val="accent1"/>
-          </a:fillRef>
-          <a:effectRef idx="0">
-            <a:schemeClr val="accent1"/>
-          </a:effectRef>
-          <a:fontRef idx="minor">
-            <a:schemeClr val="lt1"/>
-          </a:fontRef>
-        </p:style>
-        <p:txBody>
-          <a:bodyPr rtlCol="0" anchor="ctr"/>
-          <a:lstStyle/>
-          <a:p>
-            <a:pPr algn="ctr"/>
-            <a:r>
-              <a:rPr lang="en-US" dirty="0">
-                <a:solidFill>
-                  <a:schemeClr val="tx1"/>
-                </a:solidFill>
-              </a:rPr>
-              <a:t>342</a:t>
-            </a:r>
-            <a:endParaRPr lang="en-ID" dirty="0">
-              <a:solidFill>
-                <a:schemeClr val="tx1"/>
-              </a:solidFill>
-            </a:endParaRPr>
-          </a:p>
-        </p:txBody>
-      </p:sp>
-      <p:sp>
-        <p:nvSpPr>
-          <p:cNvPr id="18" name="Rectangle 17">
-            <a:extLst>
-              <a:ext uri="{FF2B5EF4-FFF2-40B4-BE49-F238E27FC236}">
-                <a16:creationId xmlns:a16="http://schemas.microsoft.com/office/drawing/2014/main" id="{5D19D9A6-9A7E-4DAD-BB4B-06A25EF7558F}"/>
-              </a:ext>
-            </a:extLst>
-          </p:cNvPr>
-          <p:cNvSpPr/>
-          <p:nvPr/>
-        </p:nvSpPr>
-        <p:spPr>
-          <a:xfrm>
-            <a:off x="3592285" y="4653644"/>
-            <a:ext cx="859972" cy="707571"/>
-          </a:xfrm>
-          <a:prstGeom prst="rect">
-            <a:avLst/>
-          </a:prstGeom>
-          <a:solidFill>
-            <a:schemeClr val="bg1"/>
-          </a:solidFill>
-          <a:ln w="38100">
-            <a:solidFill>
-              <a:schemeClr val="tx1"/>
-            </a:solidFill>
-          </a:ln>
-        </p:spPr>
-        <p:style>
-          <a:lnRef idx="2">
-            <a:schemeClr val="accent1">
-              <a:shade val="50000"/>
-            </a:schemeClr>
-          </a:lnRef>
-          <a:fillRef idx="1">
-            <a:schemeClr val="accent1"/>
-          </a:fillRef>
-          <a:effectRef idx="0">
-            <a:schemeClr val="accent1"/>
-          </a:effectRef>
-          <a:fontRef idx="minor">
-            <a:schemeClr val="lt1"/>
-          </a:fontRef>
-        </p:style>
-        <p:txBody>
-          <a:bodyPr rtlCol="0" anchor="ctr"/>
-          <a:lstStyle/>
-          <a:p>
-            <a:pPr algn="ctr"/>
-            <a:r>
-              <a:rPr lang="en-US" dirty="0">
-                <a:solidFill>
-                  <a:schemeClr val="tx1"/>
-                </a:solidFill>
-              </a:rPr>
-              <a:t>401</a:t>
-            </a:r>
-            <a:endParaRPr lang="en-ID" dirty="0">
-              <a:solidFill>
-                <a:schemeClr val="tx1"/>
-              </a:solidFill>
-            </a:endParaRPr>
-          </a:p>
-        </p:txBody>
-      </p:sp>
-      <p:sp>
-        <p:nvSpPr>
-          <p:cNvPr id="19" name="Rectangle 18">
-            <a:extLst>
-              <a:ext uri="{FF2B5EF4-FFF2-40B4-BE49-F238E27FC236}">
-                <a16:creationId xmlns:a16="http://schemas.microsoft.com/office/drawing/2014/main" id="{F8945A1D-FC55-4D64-A616-76E17313D130}"/>
-              </a:ext>
-            </a:extLst>
-          </p:cNvPr>
-          <p:cNvSpPr/>
-          <p:nvPr/>
-        </p:nvSpPr>
-        <p:spPr>
-          <a:xfrm>
-            <a:off x="4571999" y="4653644"/>
-            <a:ext cx="859972" cy="707571"/>
-          </a:xfrm>
-          <a:prstGeom prst="rect">
-            <a:avLst/>
-          </a:prstGeom>
-          <a:solidFill>
-            <a:schemeClr val="bg1"/>
-          </a:solidFill>
-          <a:ln w="38100">
-            <a:solidFill>
-              <a:schemeClr val="tx1"/>
-            </a:solidFill>
-          </a:ln>
-        </p:spPr>
-        <p:style>
-          <a:lnRef idx="2">
-            <a:schemeClr val="accent1">
-              <a:shade val="50000"/>
-            </a:schemeClr>
-          </a:lnRef>
-          <a:fillRef idx="1">
-            <a:schemeClr val="accent1"/>
-          </a:fillRef>
-          <a:effectRef idx="0">
-            <a:schemeClr val="accent1"/>
-          </a:effectRef>
-          <a:fontRef idx="minor">
-            <a:schemeClr val="lt1"/>
-          </a:fontRef>
-        </p:style>
-        <p:txBody>
-          <a:bodyPr rtlCol="0" anchor="ctr"/>
-          <a:lstStyle/>
-          <a:p>
-            <a:pPr algn="ctr"/>
-            <a:r>
-              <a:rPr lang="en-US" dirty="0">
-                <a:solidFill>
-                  <a:schemeClr val="tx1"/>
-                </a:solidFill>
-              </a:rPr>
-              <a:t>401</a:t>
-            </a:r>
-            <a:endParaRPr lang="en-ID" dirty="0">
-              <a:solidFill>
-                <a:schemeClr val="tx1"/>
-              </a:solidFill>
-            </a:endParaRPr>
-          </a:p>
-        </p:txBody>
-      </p:sp>
-      <p:sp>
-        <p:nvSpPr>
-          <p:cNvPr id="20" name="Arrow: Down 19">
-            <a:extLst>
-              <a:ext uri="{FF2B5EF4-FFF2-40B4-BE49-F238E27FC236}">
-                <a16:creationId xmlns:a16="http://schemas.microsoft.com/office/drawing/2014/main" id="{C4B64378-06E7-4E96-816E-8D2656480CAC}"/>
-              </a:ext>
-            </a:extLst>
-          </p:cNvPr>
-          <p:cNvSpPr/>
-          <p:nvPr/>
-        </p:nvSpPr>
-        <p:spPr>
-          <a:xfrm>
-            <a:off x="890624" y="3989559"/>
+          <a:xfrm flipV="1">
+            <a:off x="1043072" y="3424176"/>
             <a:ext cx="385010" cy="423512"/>
           </a:xfrm>
           <a:prstGeom prst="downArrow">
@@ -4407,8 +3420,8 @@
           <p:nvPr/>
         </p:nvSpPr>
         <p:spPr>
-          <a:xfrm>
-            <a:off x="1870338" y="4006460"/>
+          <a:xfrm flipV="1">
+            <a:off x="2465042" y="3423711"/>
             <a:ext cx="385010" cy="423512"/>
           </a:xfrm>
           <a:prstGeom prst="downArrow">
@@ -4464,8 +3477,8 @@
           <p:nvPr/>
         </p:nvSpPr>
         <p:spPr>
-          <a:xfrm>
-            <a:off x="2850052" y="4006458"/>
+          <a:xfrm flipV="1">
+            <a:off x="3909406" y="3423711"/>
             <a:ext cx="385010" cy="423512"/>
           </a:xfrm>
           <a:prstGeom prst="downArrow">
@@ -4521,8 +3534,8 @@
           <p:nvPr/>
         </p:nvSpPr>
         <p:spPr>
-          <a:xfrm>
-            <a:off x="3829766" y="4006458"/>
+          <a:xfrm flipV="1">
+            <a:off x="5353770" y="3423711"/>
             <a:ext cx="385010" cy="423512"/>
           </a:xfrm>
           <a:prstGeom prst="downArrow">
@@ -4578,8 +3591,8 @@
           <p:nvPr/>
         </p:nvSpPr>
         <p:spPr>
-          <a:xfrm>
-            <a:off x="4809480" y="3989559"/>
+          <a:xfrm flipV="1">
+            <a:off x="6692682" y="3424177"/>
             <a:ext cx="385010" cy="423512"/>
           </a:xfrm>
           <a:prstGeom prst="downArrow">
@@ -4624,10 +3637,10 @@
       </p:sp>
       <p:sp>
         <p:nvSpPr>
-          <p:cNvPr id="25" name="Rectangle 24">
-            <a:extLst>
-              <a:ext uri="{FF2B5EF4-FFF2-40B4-BE49-F238E27FC236}">
-                <a16:creationId xmlns:a16="http://schemas.microsoft.com/office/drawing/2014/main" id="{17FC5CD8-D8CF-470F-845F-58CB3DA89D71}"/>
+          <p:cNvPr id="45" name="Rectangle 44">
+            <a:extLst>
+              <a:ext uri="{FF2B5EF4-FFF2-40B4-BE49-F238E27FC236}">
+                <a16:creationId xmlns:a16="http://schemas.microsoft.com/office/drawing/2014/main" id="{D6417185-5710-4291-8CB5-0D9781C9FEED}"/>
               </a:ext>
             </a:extLst>
           </p:cNvPr>
@@ -4636,7 +3649,7 @@
         </p:nvSpPr>
         <p:spPr>
           <a:xfrm>
-            <a:off x="6096000" y="1142997"/>
+            <a:off x="805591" y="2476034"/>
             <a:ext cx="859972" cy="707571"/>
           </a:xfrm>
           <a:prstGeom prst="rect">
@@ -4690,10 +3703,10 @@
       </p:sp>
       <p:sp>
         <p:nvSpPr>
-          <p:cNvPr id="26" name="Rectangle 25">
-            <a:extLst>
-              <a:ext uri="{FF2B5EF4-FFF2-40B4-BE49-F238E27FC236}">
-                <a16:creationId xmlns:a16="http://schemas.microsoft.com/office/drawing/2014/main" id="{F517355B-3C1B-40C5-B6A3-832B4EC5AEDF}"/>
+          <p:cNvPr id="46" name="Rectangle 45">
+            <a:extLst>
+              <a:ext uri="{FF2B5EF4-FFF2-40B4-BE49-F238E27FC236}">
+                <a16:creationId xmlns:a16="http://schemas.microsoft.com/office/drawing/2014/main" id="{4CEB0F78-6B0B-4331-A82A-6E28CAAAED46}"/>
               </a:ext>
             </a:extLst>
           </p:cNvPr>
@@ -4702,7 +3715,7 @@
         </p:nvSpPr>
         <p:spPr>
           <a:xfrm>
-            <a:off x="7075714" y="1142998"/>
+            <a:off x="2227561" y="2458669"/>
             <a:ext cx="859972" cy="707571"/>
           </a:xfrm>
           <a:prstGeom prst="rect">
@@ -4744,7 +3757,7 @@
                   <a:schemeClr val="tx1"/>
                 </a:solidFill>
               </a:rPr>
-              <a:t>ms4B</a:t>
+              <a:t>ms12B</a:t>
             </a:r>
             <a:endParaRPr lang="en-ID" dirty="0">
               <a:solidFill>
@@ -4756,10 +3769,10 @@
       </p:sp>
       <p:sp>
         <p:nvSpPr>
-          <p:cNvPr id="27" name="Rectangle 26">
-            <a:extLst>
-              <a:ext uri="{FF2B5EF4-FFF2-40B4-BE49-F238E27FC236}">
-                <a16:creationId xmlns:a16="http://schemas.microsoft.com/office/drawing/2014/main" id="{A28FFA0F-C76C-44DB-9BBC-01784D4F73C3}"/>
+          <p:cNvPr id="47" name="Rectangle 46">
+            <a:extLst>
+              <a:ext uri="{FF2B5EF4-FFF2-40B4-BE49-F238E27FC236}">
+                <a16:creationId xmlns:a16="http://schemas.microsoft.com/office/drawing/2014/main" id="{00CF4C78-9C6D-470F-B40D-DAB3AE3C1172}"/>
               </a:ext>
             </a:extLst>
           </p:cNvPr>
@@ -4768,7 +3781,7 @@
         </p:nvSpPr>
         <p:spPr>
           <a:xfrm>
-            <a:off x="8055428" y="1142996"/>
+            <a:off x="3671925" y="2458669"/>
             <a:ext cx="859972" cy="707571"/>
           </a:xfrm>
           <a:prstGeom prst="rect">
@@ -4810,7 +3823,7 @@
                   <a:schemeClr val="tx1"/>
                 </a:solidFill>
               </a:rPr>
-              <a:t>ms5A</a:t>
+              <a:t>ms3A</a:t>
             </a:r>
             <a:endParaRPr lang="en-ID" dirty="0">
               <a:solidFill>
@@ -4822,10 +3835,10 @@
       </p:sp>
       <p:sp>
         <p:nvSpPr>
-          <p:cNvPr id="28" name="Rectangle 27">
-            <a:extLst>
-              <a:ext uri="{FF2B5EF4-FFF2-40B4-BE49-F238E27FC236}">
-                <a16:creationId xmlns:a16="http://schemas.microsoft.com/office/drawing/2014/main" id="{640C5D41-E5C7-44C7-8AEA-6ACCBFCA32BC}"/>
+          <p:cNvPr id="48" name="Rectangle 47">
+            <a:extLst>
+              <a:ext uri="{FF2B5EF4-FFF2-40B4-BE49-F238E27FC236}">
+                <a16:creationId xmlns:a16="http://schemas.microsoft.com/office/drawing/2014/main" id="{48AE3495-0760-4FA7-B107-5AED76AE9517}"/>
               </a:ext>
             </a:extLst>
           </p:cNvPr>
@@ -4834,7 +3847,7 @@
         </p:nvSpPr>
         <p:spPr>
           <a:xfrm>
-            <a:off x="9035142" y="1142996"/>
+            <a:off x="5116289" y="2458669"/>
             <a:ext cx="859972" cy="707571"/>
           </a:xfrm>
           <a:prstGeom prst="rect">
@@ -4876,7 +3889,7 @@
                   <a:schemeClr val="tx1"/>
                 </a:solidFill>
               </a:rPr>
-              <a:t>ms10P</a:t>
+              <a:t>ms44P</a:t>
             </a:r>
             <a:endParaRPr lang="en-ID" dirty="0">
               <a:solidFill>
@@ -4888,10 +3901,10 @@
       </p:sp>
       <p:sp>
         <p:nvSpPr>
-          <p:cNvPr id="29" name="Rectangle 28">
-            <a:extLst>
-              <a:ext uri="{FF2B5EF4-FFF2-40B4-BE49-F238E27FC236}">
-                <a16:creationId xmlns:a16="http://schemas.microsoft.com/office/drawing/2014/main" id="{753E9EC9-8194-426F-B3A4-38F155869844}"/>
+          <p:cNvPr id="49" name="Rectangle 48">
+            <a:extLst>
+              <a:ext uri="{FF2B5EF4-FFF2-40B4-BE49-F238E27FC236}">
+                <a16:creationId xmlns:a16="http://schemas.microsoft.com/office/drawing/2014/main" id="{73AB096B-C228-4AF0-A861-035334413134}"/>
               </a:ext>
             </a:extLst>
           </p:cNvPr>
@@ -4900,8 +3913,74 @@
         </p:nvSpPr>
         <p:spPr>
           <a:xfrm>
-            <a:off x="10014856" y="1142996"/>
+            <a:off x="6455201" y="2476034"/>
             <a:ext cx="859972" cy="707571"/>
+          </a:xfrm>
+          <a:prstGeom prst="rect">
+            <a:avLst/>
+          </a:prstGeom>
+          <a:solidFill>
+            <a:schemeClr val="bg1"/>
+          </a:solidFill>
+          <a:ln w="38100">
+            <a:solidFill>
+              <a:srgbClr val="00B050"/>
+            </a:solidFill>
+          </a:ln>
+        </p:spPr>
+        <p:style>
+          <a:lnRef idx="2">
+            <a:schemeClr val="accent1">
+              <a:shade val="50000"/>
+            </a:schemeClr>
+          </a:lnRef>
+          <a:fillRef idx="1">
+            <a:schemeClr val="accent1"/>
+          </a:fillRef>
+          <a:effectRef idx="0">
+            <a:schemeClr val="accent1"/>
+          </a:effectRef>
+          <a:fontRef idx="minor">
+            <a:schemeClr val="lt1"/>
+          </a:fontRef>
+        </p:style>
+        <p:txBody>
+          <a:bodyPr rtlCol="0" anchor="ctr"/>
+          <a:lstStyle/>
+          <a:p>
+            <a:pPr algn="ctr"/>
+            <a:r>
+              <a:rPr lang="en-US" dirty="0">
+                <a:solidFill>
+                  <a:schemeClr val="tx1"/>
+                </a:solidFill>
+              </a:rPr>
+              <a:t>ms5N</a:t>
+            </a:r>
+            <a:endParaRPr lang="en-ID" dirty="0">
+              <a:solidFill>
+                <a:schemeClr val="tx1"/>
+              </a:solidFill>
+            </a:endParaRPr>
+          </a:p>
+        </p:txBody>
+      </p:sp>
+      <p:sp>
+        <p:nvSpPr>
+          <p:cNvPr id="50" name="Rectangle 49">
+            <a:extLst>
+              <a:ext uri="{FF2B5EF4-FFF2-40B4-BE49-F238E27FC236}">
+                <a16:creationId xmlns:a16="http://schemas.microsoft.com/office/drawing/2014/main" id="{DD83307D-329F-4E26-943B-71B38C219944}"/>
+              </a:ext>
+            </a:extLst>
+          </p:cNvPr>
+          <p:cNvSpPr/>
+          <p:nvPr/>
+        </p:nvSpPr>
+        <p:spPr>
+          <a:xfrm>
+            <a:off x="685849" y="4088260"/>
+            <a:ext cx="1140996" cy="707571"/>
           </a:xfrm>
           <a:prstGeom prst="rect">
             <a:avLst/>
@@ -4942,7 +4021,134 @@
                   <a:schemeClr val="tx1"/>
                 </a:solidFill>
               </a:rPr>
-              <a:t>ms12N</a:t>
+              <a:t>[109, 115, 49, 80]</a:t>
+            </a:r>
+          </a:p>
+        </p:txBody>
+      </p:sp>
+      <p:sp>
+        <p:nvSpPr>
+          <p:cNvPr id="51" name="Rectangle 50">
+            <a:extLst>
+              <a:ext uri="{FF2B5EF4-FFF2-40B4-BE49-F238E27FC236}">
+                <a16:creationId xmlns:a16="http://schemas.microsoft.com/office/drawing/2014/main" id="{0852B06C-556E-4F3C-AC87-61F9B57D0CE1}"/>
+              </a:ext>
+            </a:extLst>
+          </p:cNvPr>
+          <p:cNvSpPr/>
+          <p:nvPr/>
+        </p:nvSpPr>
+        <p:spPr>
+          <a:xfrm>
+            <a:off x="2062842" y="4088260"/>
+            <a:ext cx="1140995" cy="707571"/>
+          </a:xfrm>
+          <a:prstGeom prst="rect">
+            <a:avLst/>
+          </a:prstGeom>
+          <a:solidFill>
+            <a:schemeClr val="bg1"/>
+          </a:solidFill>
+          <a:ln w="38100">
+            <a:solidFill>
+              <a:schemeClr val="tx1"/>
+            </a:solidFill>
+          </a:ln>
+        </p:spPr>
+        <p:style>
+          <a:lnRef idx="2">
+            <a:schemeClr val="accent1">
+              <a:shade val="50000"/>
+            </a:schemeClr>
+          </a:lnRef>
+          <a:fillRef idx="1">
+            <a:schemeClr val="accent1"/>
+          </a:fillRef>
+          <a:effectRef idx="0">
+            <a:schemeClr val="accent1"/>
+          </a:effectRef>
+          <a:fontRef idx="minor">
+            <a:schemeClr val="lt1"/>
+          </a:fontRef>
+        </p:style>
+        <p:txBody>
+          <a:bodyPr rtlCol="0" anchor="ctr"/>
+          <a:lstStyle/>
+          <a:p>
+            <a:pPr algn="ctr"/>
+            <a:r>
+              <a:rPr lang="en-US" sz="1600" dirty="0">
+                <a:solidFill>
+                  <a:schemeClr val="tx1"/>
+                </a:solidFill>
+              </a:rPr>
+              <a:t>[109, 115, 49, 50, 66]</a:t>
+            </a:r>
+            <a:endParaRPr lang="en-ID" sz="1600" dirty="0">
+              <a:solidFill>
+                <a:schemeClr val="tx1"/>
+              </a:solidFill>
+            </a:endParaRPr>
+          </a:p>
+        </p:txBody>
+      </p:sp>
+      <p:sp>
+        <p:nvSpPr>
+          <p:cNvPr id="52" name="Rectangle 51">
+            <a:extLst>
+              <a:ext uri="{FF2B5EF4-FFF2-40B4-BE49-F238E27FC236}">
+                <a16:creationId xmlns:a16="http://schemas.microsoft.com/office/drawing/2014/main" id="{404FB478-FBF2-4A75-8E4A-E84F3A727BC2}"/>
+              </a:ext>
+            </a:extLst>
+          </p:cNvPr>
+          <p:cNvSpPr/>
+          <p:nvPr/>
+        </p:nvSpPr>
+        <p:spPr>
+          <a:xfrm>
+            <a:off x="3472542" y="4070895"/>
+            <a:ext cx="1140995" cy="707571"/>
+          </a:xfrm>
+          <a:prstGeom prst="rect">
+            <a:avLst/>
+          </a:prstGeom>
+          <a:solidFill>
+            <a:schemeClr val="bg1"/>
+          </a:solidFill>
+          <a:ln w="38100">
+            <a:solidFill>
+              <a:schemeClr val="tx1"/>
+            </a:solidFill>
+          </a:ln>
+        </p:spPr>
+        <p:style>
+          <a:lnRef idx="2">
+            <a:schemeClr val="accent1">
+              <a:shade val="50000"/>
+            </a:schemeClr>
+          </a:lnRef>
+          <a:fillRef idx="1">
+            <a:schemeClr val="accent1"/>
+          </a:fillRef>
+          <a:effectRef idx="0">
+            <a:schemeClr val="accent1"/>
+          </a:effectRef>
+          <a:fontRef idx="minor">
+            <a:schemeClr val="lt1"/>
+          </a:fontRef>
+        </p:style>
+        <p:txBody>
+          <a:bodyPr rtlCol="0" anchor="ctr"/>
+          <a:lstStyle/>
+          <a:p>
+            <a:pPr algn="ctr"/>
+            <a:r>
+              <a:rPr lang="en-US" dirty="0">
+                <a:solidFill>
+                  <a:schemeClr val="tx1"/>
+                </a:solidFill>
+              </a:rPr>
+              <a:t>[109, 115, 51, 65]</a:t>
             </a:r>
             <a:endParaRPr lang="en-ID" dirty="0">
               <a:solidFill>
@@ -4952,10 +4158,3504 @@
           </a:p>
         </p:txBody>
       </p:sp>
+      <p:sp>
+        <p:nvSpPr>
+          <p:cNvPr id="53" name="Rectangle 52">
+            <a:extLst>
+              <a:ext uri="{FF2B5EF4-FFF2-40B4-BE49-F238E27FC236}">
+                <a16:creationId xmlns:a16="http://schemas.microsoft.com/office/drawing/2014/main" id="{D83F23F0-2CF3-4F33-A9CB-82221AD35221}"/>
+              </a:ext>
+            </a:extLst>
+          </p:cNvPr>
+          <p:cNvSpPr/>
+          <p:nvPr/>
+        </p:nvSpPr>
+        <p:spPr>
+          <a:xfrm>
+            <a:off x="4916905" y="4070895"/>
+            <a:ext cx="1140994" cy="707571"/>
+          </a:xfrm>
+          <a:prstGeom prst="rect">
+            <a:avLst/>
+          </a:prstGeom>
+          <a:solidFill>
+            <a:schemeClr val="bg1"/>
+          </a:solidFill>
+          <a:ln w="38100">
+            <a:solidFill>
+              <a:schemeClr val="tx1"/>
+            </a:solidFill>
+          </a:ln>
+        </p:spPr>
+        <p:style>
+          <a:lnRef idx="2">
+            <a:schemeClr val="accent1">
+              <a:shade val="50000"/>
+            </a:schemeClr>
+          </a:lnRef>
+          <a:fillRef idx="1">
+            <a:schemeClr val="accent1"/>
+          </a:fillRef>
+          <a:effectRef idx="0">
+            <a:schemeClr val="accent1"/>
+          </a:effectRef>
+          <a:fontRef idx="minor">
+            <a:schemeClr val="lt1"/>
+          </a:fontRef>
+        </p:style>
+        <p:txBody>
+          <a:bodyPr rtlCol="0" anchor="ctr"/>
+          <a:lstStyle/>
+          <a:p>
+            <a:pPr algn="ctr"/>
+            <a:r>
+              <a:rPr lang="en-US" sz="1600" dirty="0">
+                <a:solidFill>
+                  <a:schemeClr val="tx1"/>
+                </a:solidFill>
+              </a:rPr>
+              <a:t>[109, 115, 52, 52, 80]</a:t>
+            </a:r>
+            <a:endParaRPr lang="en-ID" sz="1600" dirty="0">
+              <a:solidFill>
+                <a:schemeClr val="tx1"/>
+              </a:solidFill>
+            </a:endParaRPr>
+          </a:p>
+        </p:txBody>
+      </p:sp>
+      <p:sp>
+        <p:nvSpPr>
+          <p:cNvPr id="54" name="Rectangle 53">
+            <a:extLst>
+              <a:ext uri="{FF2B5EF4-FFF2-40B4-BE49-F238E27FC236}">
+                <a16:creationId xmlns:a16="http://schemas.microsoft.com/office/drawing/2014/main" id="{94E5AEB2-B933-42F2-8B64-498F9F49C841}"/>
+              </a:ext>
+            </a:extLst>
+          </p:cNvPr>
+          <p:cNvSpPr/>
+          <p:nvPr/>
+        </p:nvSpPr>
+        <p:spPr>
+          <a:xfrm>
+            <a:off x="6259234" y="4070895"/>
+            <a:ext cx="1140994" cy="707571"/>
+          </a:xfrm>
+          <a:prstGeom prst="rect">
+            <a:avLst/>
+          </a:prstGeom>
+          <a:solidFill>
+            <a:schemeClr val="bg1"/>
+          </a:solidFill>
+          <a:ln w="38100">
+            <a:solidFill>
+              <a:srgbClr val="00B050"/>
+            </a:solidFill>
+          </a:ln>
+        </p:spPr>
+        <p:style>
+          <a:lnRef idx="2">
+            <a:schemeClr val="accent1">
+              <a:shade val="50000"/>
+            </a:schemeClr>
+          </a:lnRef>
+          <a:fillRef idx="1">
+            <a:schemeClr val="accent1"/>
+          </a:fillRef>
+          <a:effectRef idx="0">
+            <a:schemeClr val="accent1"/>
+          </a:effectRef>
+          <a:fontRef idx="minor">
+            <a:schemeClr val="lt1"/>
+          </a:fontRef>
+        </p:style>
+        <p:txBody>
+          <a:bodyPr rtlCol="0" anchor="ctr"/>
+          <a:lstStyle/>
+          <a:p>
+            <a:pPr algn="ctr"/>
+            <a:r>
+              <a:rPr lang="en-US" dirty="0">
+                <a:solidFill>
+                  <a:schemeClr val="tx1"/>
+                </a:solidFill>
+              </a:rPr>
+              <a:t>[109, 115, 53, 78]</a:t>
+            </a:r>
+            <a:endParaRPr lang="en-ID" dirty="0">
+              <a:solidFill>
+                <a:schemeClr val="tx1"/>
+              </a:solidFill>
+            </a:endParaRPr>
+          </a:p>
+        </p:txBody>
+      </p:sp>
+      <p:sp>
+        <p:nvSpPr>
+          <p:cNvPr id="5" name="Rectangle 4">
+            <a:extLst>
+              <a:ext uri="{FF2B5EF4-FFF2-40B4-BE49-F238E27FC236}">
+                <a16:creationId xmlns:a16="http://schemas.microsoft.com/office/drawing/2014/main" id="{F00F777B-86B4-46F7-A9D7-3670725639FC}"/>
+              </a:ext>
+            </a:extLst>
+          </p:cNvPr>
+          <p:cNvSpPr/>
+          <p:nvPr/>
+        </p:nvSpPr>
+        <p:spPr>
+          <a:xfrm>
+            <a:off x="8848653" y="1109257"/>
+            <a:ext cx="2231572" cy="1088573"/>
+          </a:xfrm>
+          <a:prstGeom prst="rect">
+            <a:avLst/>
+          </a:prstGeom>
+        </p:spPr>
+        <p:style>
+          <a:lnRef idx="2">
+            <a:schemeClr val="accent1">
+              <a:shade val="50000"/>
+            </a:schemeClr>
+          </a:lnRef>
+          <a:fillRef idx="1">
+            <a:schemeClr val="accent1"/>
+          </a:fillRef>
+          <a:effectRef idx="0">
+            <a:schemeClr val="accent1"/>
+          </a:effectRef>
+          <a:fontRef idx="minor">
+            <a:schemeClr val="lt1"/>
+          </a:fontRef>
+        </p:style>
+        <p:txBody>
+          <a:bodyPr rtlCol="0" anchor="ctr"/>
+          <a:lstStyle/>
+          <a:p>
+            <a:pPr algn="ctr"/>
+            <a:r>
+              <a:rPr lang="en-US" dirty="0"/>
+              <a:t>Data </a:t>
+            </a:r>
+            <a:r>
+              <a:rPr lang="en-US" dirty="0" err="1"/>
+              <a:t>awal</a:t>
+            </a:r>
+            <a:endParaRPr lang="en-ID" dirty="0"/>
+          </a:p>
+        </p:txBody>
+      </p:sp>
+      <p:sp>
+        <p:nvSpPr>
+          <p:cNvPr id="55" name="Rectangle 54">
+            <a:extLst>
+              <a:ext uri="{FF2B5EF4-FFF2-40B4-BE49-F238E27FC236}">
+                <a16:creationId xmlns:a16="http://schemas.microsoft.com/office/drawing/2014/main" id="{5FF2746E-B220-449A-8138-159E1D6DC346}"/>
+              </a:ext>
+            </a:extLst>
+          </p:cNvPr>
+          <p:cNvSpPr/>
+          <p:nvPr/>
+        </p:nvSpPr>
+        <p:spPr>
+          <a:xfrm>
+            <a:off x="8090090" y="3866971"/>
+            <a:ext cx="2231572" cy="1088573"/>
+          </a:xfrm>
+          <a:prstGeom prst="rect">
+            <a:avLst/>
+          </a:prstGeom>
+        </p:spPr>
+        <p:style>
+          <a:lnRef idx="2">
+            <a:schemeClr val="accent1">
+              <a:shade val="50000"/>
+            </a:schemeClr>
+          </a:lnRef>
+          <a:fillRef idx="1">
+            <a:schemeClr val="accent1"/>
+          </a:fillRef>
+          <a:effectRef idx="0">
+            <a:schemeClr val="accent1"/>
+          </a:effectRef>
+          <a:fontRef idx="minor">
+            <a:schemeClr val="lt1"/>
+          </a:fontRef>
+        </p:style>
+        <p:txBody>
+          <a:bodyPr rtlCol="0" anchor="ctr"/>
+          <a:lstStyle/>
+          <a:p>
+            <a:pPr algn="ctr"/>
+            <a:r>
+              <a:rPr lang="en-US" dirty="0" err="1"/>
+              <a:t>Diubah</a:t>
+            </a:r>
+            <a:r>
+              <a:rPr lang="en-US" dirty="0"/>
+              <a:t> </a:t>
+            </a:r>
+            <a:r>
+              <a:rPr lang="en-US" dirty="0" err="1"/>
+              <a:t>ke</a:t>
+            </a:r>
+            <a:r>
+              <a:rPr lang="en-US" dirty="0"/>
+              <a:t> ascii</a:t>
+            </a:r>
+            <a:endParaRPr lang="en-ID" dirty="0"/>
+          </a:p>
+        </p:txBody>
+      </p:sp>
+      <p:sp>
+        <p:nvSpPr>
+          <p:cNvPr id="61" name="Arrow: Down 60">
+            <a:extLst>
+              <a:ext uri="{FF2B5EF4-FFF2-40B4-BE49-F238E27FC236}">
+                <a16:creationId xmlns:a16="http://schemas.microsoft.com/office/drawing/2014/main" id="{B0C5CDDF-B8EB-4AC6-B776-4EA1373B2250}"/>
+              </a:ext>
+            </a:extLst>
+          </p:cNvPr>
+          <p:cNvSpPr/>
+          <p:nvPr/>
+        </p:nvSpPr>
+        <p:spPr>
+          <a:xfrm flipV="1">
+            <a:off x="1043072" y="5019502"/>
+            <a:ext cx="385010" cy="423512"/>
+          </a:xfrm>
+          <a:prstGeom prst="downArrow">
+            <a:avLst/>
+          </a:prstGeom>
+          <a:solidFill>
+            <a:schemeClr val="bg1"/>
+          </a:solidFill>
+          <a:ln w="28575">
+            <a:solidFill>
+              <a:schemeClr val="tx1">
+                <a:lumMod val="95000"/>
+                <a:lumOff val="5000"/>
+              </a:schemeClr>
+            </a:solidFill>
+          </a:ln>
+        </p:spPr>
+        <p:style>
+          <a:lnRef idx="2">
+            <a:schemeClr val="accent1">
+              <a:shade val="50000"/>
+            </a:schemeClr>
+          </a:lnRef>
+          <a:fillRef idx="1">
+            <a:schemeClr val="accent1"/>
+          </a:fillRef>
+          <a:effectRef idx="0">
+            <a:schemeClr val="accent1"/>
+          </a:effectRef>
+          <a:fontRef idx="minor">
+            <a:schemeClr val="lt1"/>
+          </a:fontRef>
+        </p:style>
+        <p:txBody>
+          <a:bodyPr rtlCol="0" anchor="ctr"/>
+          <a:lstStyle/>
+          <a:p>
+            <a:pPr algn="ctr"/>
+            <a:endParaRPr lang="en-ID"/>
+          </a:p>
+        </p:txBody>
+      </p:sp>
+      <p:sp>
+        <p:nvSpPr>
+          <p:cNvPr id="62" name="Arrow: Down 61">
+            <a:extLst>
+              <a:ext uri="{FF2B5EF4-FFF2-40B4-BE49-F238E27FC236}">
+                <a16:creationId xmlns:a16="http://schemas.microsoft.com/office/drawing/2014/main" id="{3F23A047-57DA-4088-9688-F3E55FE8D885}"/>
+              </a:ext>
+            </a:extLst>
+          </p:cNvPr>
+          <p:cNvSpPr/>
+          <p:nvPr/>
+        </p:nvSpPr>
+        <p:spPr>
+          <a:xfrm flipV="1">
+            <a:off x="2465042" y="5019037"/>
+            <a:ext cx="385010" cy="423512"/>
+          </a:xfrm>
+          <a:prstGeom prst="downArrow">
+            <a:avLst/>
+          </a:prstGeom>
+          <a:solidFill>
+            <a:schemeClr val="bg1"/>
+          </a:solidFill>
+          <a:ln w="28575">
+            <a:solidFill>
+              <a:schemeClr val="tx1">
+                <a:lumMod val="95000"/>
+                <a:lumOff val="5000"/>
+              </a:schemeClr>
+            </a:solidFill>
+          </a:ln>
+        </p:spPr>
+        <p:style>
+          <a:lnRef idx="2">
+            <a:schemeClr val="accent1">
+              <a:shade val="50000"/>
+            </a:schemeClr>
+          </a:lnRef>
+          <a:fillRef idx="1">
+            <a:schemeClr val="accent1"/>
+          </a:fillRef>
+          <a:effectRef idx="0">
+            <a:schemeClr val="accent1"/>
+          </a:effectRef>
+          <a:fontRef idx="minor">
+            <a:schemeClr val="lt1"/>
+          </a:fontRef>
+        </p:style>
+        <p:txBody>
+          <a:bodyPr rtlCol="0" anchor="ctr"/>
+          <a:lstStyle/>
+          <a:p>
+            <a:pPr algn="ctr"/>
+            <a:endParaRPr lang="en-ID"/>
+          </a:p>
+        </p:txBody>
+      </p:sp>
+      <p:sp>
+        <p:nvSpPr>
+          <p:cNvPr id="63" name="Arrow: Down 62">
+            <a:extLst>
+              <a:ext uri="{FF2B5EF4-FFF2-40B4-BE49-F238E27FC236}">
+                <a16:creationId xmlns:a16="http://schemas.microsoft.com/office/drawing/2014/main" id="{2CF9BE5D-ED8E-4FF5-96CD-09F1FF4CBA2D}"/>
+              </a:ext>
+            </a:extLst>
+          </p:cNvPr>
+          <p:cNvSpPr/>
+          <p:nvPr/>
+        </p:nvSpPr>
+        <p:spPr>
+          <a:xfrm flipV="1">
+            <a:off x="3909406" y="5019037"/>
+            <a:ext cx="385010" cy="423512"/>
+          </a:xfrm>
+          <a:prstGeom prst="downArrow">
+            <a:avLst/>
+          </a:prstGeom>
+          <a:solidFill>
+            <a:schemeClr val="bg1"/>
+          </a:solidFill>
+          <a:ln w="28575">
+            <a:solidFill>
+              <a:schemeClr val="tx1">
+                <a:lumMod val="95000"/>
+                <a:lumOff val="5000"/>
+              </a:schemeClr>
+            </a:solidFill>
+          </a:ln>
+        </p:spPr>
+        <p:style>
+          <a:lnRef idx="2">
+            <a:schemeClr val="accent1">
+              <a:shade val="50000"/>
+            </a:schemeClr>
+          </a:lnRef>
+          <a:fillRef idx="1">
+            <a:schemeClr val="accent1"/>
+          </a:fillRef>
+          <a:effectRef idx="0">
+            <a:schemeClr val="accent1"/>
+          </a:effectRef>
+          <a:fontRef idx="minor">
+            <a:schemeClr val="lt1"/>
+          </a:fontRef>
+        </p:style>
+        <p:txBody>
+          <a:bodyPr rtlCol="0" anchor="ctr"/>
+          <a:lstStyle/>
+          <a:p>
+            <a:pPr algn="ctr"/>
+            <a:endParaRPr lang="en-ID"/>
+          </a:p>
+        </p:txBody>
+      </p:sp>
+      <p:sp>
+        <p:nvSpPr>
+          <p:cNvPr id="64" name="Arrow: Down 63">
+            <a:extLst>
+              <a:ext uri="{FF2B5EF4-FFF2-40B4-BE49-F238E27FC236}">
+                <a16:creationId xmlns:a16="http://schemas.microsoft.com/office/drawing/2014/main" id="{6EC4642D-1F57-4056-AABF-325B854859E8}"/>
+              </a:ext>
+            </a:extLst>
+          </p:cNvPr>
+          <p:cNvSpPr/>
+          <p:nvPr/>
+        </p:nvSpPr>
+        <p:spPr>
+          <a:xfrm flipV="1">
+            <a:off x="5353770" y="5019037"/>
+            <a:ext cx="385010" cy="423512"/>
+          </a:xfrm>
+          <a:prstGeom prst="downArrow">
+            <a:avLst/>
+          </a:prstGeom>
+          <a:solidFill>
+            <a:schemeClr val="bg1"/>
+          </a:solidFill>
+          <a:ln w="28575">
+            <a:solidFill>
+              <a:schemeClr val="tx1">
+                <a:lumMod val="95000"/>
+                <a:lumOff val="5000"/>
+              </a:schemeClr>
+            </a:solidFill>
+          </a:ln>
+        </p:spPr>
+        <p:style>
+          <a:lnRef idx="2">
+            <a:schemeClr val="accent1">
+              <a:shade val="50000"/>
+            </a:schemeClr>
+          </a:lnRef>
+          <a:fillRef idx="1">
+            <a:schemeClr val="accent1"/>
+          </a:fillRef>
+          <a:effectRef idx="0">
+            <a:schemeClr val="accent1"/>
+          </a:effectRef>
+          <a:fontRef idx="minor">
+            <a:schemeClr val="lt1"/>
+          </a:fontRef>
+        </p:style>
+        <p:txBody>
+          <a:bodyPr rtlCol="0" anchor="ctr"/>
+          <a:lstStyle/>
+          <a:p>
+            <a:pPr algn="ctr"/>
+            <a:endParaRPr lang="en-ID"/>
+          </a:p>
+        </p:txBody>
+      </p:sp>
+      <p:sp>
+        <p:nvSpPr>
+          <p:cNvPr id="65" name="Arrow: Down 64">
+            <a:extLst>
+              <a:ext uri="{FF2B5EF4-FFF2-40B4-BE49-F238E27FC236}">
+                <a16:creationId xmlns:a16="http://schemas.microsoft.com/office/drawing/2014/main" id="{83B218C8-FAFC-4A88-81E0-A19F307E0A38}"/>
+              </a:ext>
+            </a:extLst>
+          </p:cNvPr>
+          <p:cNvSpPr/>
+          <p:nvPr/>
+        </p:nvSpPr>
+        <p:spPr>
+          <a:xfrm flipV="1">
+            <a:off x="6692682" y="5019503"/>
+            <a:ext cx="385010" cy="423512"/>
+          </a:xfrm>
+          <a:prstGeom prst="downArrow">
+            <a:avLst/>
+          </a:prstGeom>
+          <a:solidFill>
+            <a:schemeClr val="bg1"/>
+          </a:solidFill>
+          <a:ln w="28575">
+            <a:solidFill>
+              <a:schemeClr val="tx1">
+                <a:lumMod val="95000"/>
+                <a:lumOff val="5000"/>
+              </a:schemeClr>
+            </a:solidFill>
+          </a:ln>
+        </p:spPr>
+        <p:style>
+          <a:lnRef idx="2">
+            <a:schemeClr val="accent1">
+              <a:shade val="50000"/>
+            </a:schemeClr>
+          </a:lnRef>
+          <a:fillRef idx="1">
+            <a:schemeClr val="accent1"/>
+          </a:fillRef>
+          <a:effectRef idx="0">
+            <a:schemeClr val="accent1"/>
+          </a:effectRef>
+          <a:fontRef idx="minor">
+            <a:schemeClr val="lt1"/>
+          </a:fontRef>
+        </p:style>
+        <p:txBody>
+          <a:bodyPr rtlCol="0" anchor="ctr"/>
+          <a:lstStyle/>
+          <a:p>
+            <a:pPr algn="ctr"/>
+            <a:endParaRPr lang="en-ID"/>
+          </a:p>
+        </p:txBody>
+      </p:sp>
+      <p:sp>
+        <p:nvSpPr>
+          <p:cNvPr id="66" name="Rectangle 65">
+            <a:extLst>
+              <a:ext uri="{FF2B5EF4-FFF2-40B4-BE49-F238E27FC236}">
+                <a16:creationId xmlns:a16="http://schemas.microsoft.com/office/drawing/2014/main" id="{B931AC59-EB58-4E21-8A79-867CF2C7F3CF}"/>
+              </a:ext>
+            </a:extLst>
+          </p:cNvPr>
+          <p:cNvSpPr/>
+          <p:nvPr/>
+        </p:nvSpPr>
+        <p:spPr>
+          <a:xfrm>
+            <a:off x="805591" y="5683586"/>
+            <a:ext cx="859972" cy="707571"/>
+          </a:xfrm>
+          <a:prstGeom prst="rect">
+            <a:avLst/>
+          </a:prstGeom>
+          <a:solidFill>
+            <a:schemeClr val="bg1"/>
+          </a:solidFill>
+          <a:ln w="38100">
+            <a:solidFill>
+              <a:schemeClr val="tx1"/>
+            </a:solidFill>
+          </a:ln>
+        </p:spPr>
+        <p:style>
+          <a:lnRef idx="2">
+            <a:schemeClr val="accent1">
+              <a:shade val="50000"/>
+            </a:schemeClr>
+          </a:lnRef>
+          <a:fillRef idx="1">
+            <a:schemeClr val="accent1"/>
+          </a:fillRef>
+          <a:effectRef idx="0">
+            <a:schemeClr val="accent1"/>
+          </a:effectRef>
+          <a:fontRef idx="minor">
+            <a:schemeClr val="lt1"/>
+          </a:fontRef>
+        </p:style>
+        <p:txBody>
+          <a:bodyPr rtlCol="0" anchor="ctr"/>
+          <a:lstStyle/>
+          <a:p>
+            <a:pPr algn="ctr"/>
+            <a:r>
+              <a:rPr lang="en-US" dirty="0">
+                <a:solidFill>
+                  <a:schemeClr val="tx1"/>
+                </a:solidFill>
+              </a:rPr>
+              <a:t>353</a:t>
+            </a:r>
+            <a:endParaRPr lang="en-ID" dirty="0">
+              <a:solidFill>
+                <a:schemeClr val="tx1"/>
+              </a:solidFill>
+            </a:endParaRPr>
+          </a:p>
+        </p:txBody>
+      </p:sp>
+      <p:sp>
+        <p:nvSpPr>
+          <p:cNvPr id="67" name="Rectangle 66">
+            <a:extLst>
+              <a:ext uri="{FF2B5EF4-FFF2-40B4-BE49-F238E27FC236}">
+                <a16:creationId xmlns:a16="http://schemas.microsoft.com/office/drawing/2014/main" id="{C534C4E0-46B3-4023-9402-4DD116ED079B}"/>
+              </a:ext>
+            </a:extLst>
+          </p:cNvPr>
+          <p:cNvSpPr/>
+          <p:nvPr/>
+        </p:nvSpPr>
+        <p:spPr>
+          <a:xfrm>
+            <a:off x="2227561" y="5666221"/>
+            <a:ext cx="859972" cy="707571"/>
+          </a:xfrm>
+          <a:prstGeom prst="rect">
+            <a:avLst/>
+          </a:prstGeom>
+          <a:solidFill>
+            <a:schemeClr val="bg1"/>
+          </a:solidFill>
+          <a:ln w="38100">
+            <a:solidFill>
+              <a:schemeClr val="tx1"/>
+            </a:solidFill>
+          </a:ln>
+        </p:spPr>
+        <p:style>
+          <a:lnRef idx="2">
+            <a:schemeClr val="accent1">
+              <a:shade val="50000"/>
+            </a:schemeClr>
+          </a:lnRef>
+          <a:fillRef idx="1">
+            <a:schemeClr val="accent1"/>
+          </a:fillRef>
+          <a:effectRef idx="0">
+            <a:schemeClr val="accent1"/>
+          </a:effectRef>
+          <a:fontRef idx="minor">
+            <a:schemeClr val="lt1"/>
+          </a:fontRef>
+        </p:style>
+        <p:txBody>
+          <a:bodyPr rtlCol="0" anchor="ctr"/>
+          <a:lstStyle/>
+          <a:p>
+            <a:pPr algn="ctr"/>
+            <a:r>
+              <a:rPr lang="en-US" dirty="0">
+                <a:solidFill>
+                  <a:schemeClr val="tx1"/>
+                </a:solidFill>
+              </a:rPr>
+              <a:t>389</a:t>
+            </a:r>
+            <a:endParaRPr lang="en-ID" dirty="0">
+              <a:solidFill>
+                <a:schemeClr val="tx1"/>
+              </a:solidFill>
+            </a:endParaRPr>
+          </a:p>
+        </p:txBody>
+      </p:sp>
+      <p:sp>
+        <p:nvSpPr>
+          <p:cNvPr id="68" name="Rectangle 67">
+            <a:extLst>
+              <a:ext uri="{FF2B5EF4-FFF2-40B4-BE49-F238E27FC236}">
+                <a16:creationId xmlns:a16="http://schemas.microsoft.com/office/drawing/2014/main" id="{96829EBC-4D44-4D8B-A1A6-B4BC1CE0EA0A}"/>
+              </a:ext>
+            </a:extLst>
+          </p:cNvPr>
+          <p:cNvSpPr/>
+          <p:nvPr/>
+        </p:nvSpPr>
+        <p:spPr>
+          <a:xfrm>
+            <a:off x="3671925" y="5666221"/>
+            <a:ext cx="859972" cy="707571"/>
+          </a:xfrm>
+          <a:prstGeom prst="rect">
+            <a:avLst/>
+          </a:prstGeom>
+          <a:solidFill>
+            <a:schemeClr val="bg1"/>
+          </a:solidFill>
+          <a:ln w="38100">
+            <a:solidFill>
+              <a:schemeClr val="tx1"/>
+            </a:solidFill>
+          </a:ln>
+        </p:spPr>
+        <p:style>
+          <a:lnRef idx="2">
+            <a:schemeClr val="accent1">
+              <a:shade val="50000"/>
+            </a:schemeClr>
+          </a:lnRef>
+          <a:fillRef idx="1">
+            <a:schemeClr val="accent1"/>
+          </a:fillRef>
+          <a:effectRef idx="0">
+            <a:schemeClr val="accent1"/>
+          </a:effectRef>
+          <a:fontRef idx="minor">
+            <a:schemeClr val="lt1"/>
+          </a:fontRef>
+        </p:style>
+        <p:txBody>
+          <a:bodyPr rtlCol="0" anchor="ctr"/>
+          <a:lstStyle/>
+          <a:p>
+            <a:pPr algn="ctr"/>
+            <a:r>
+              <a:rPr lang="en-US" dirty="0">
+                <a:solidFill>
+                  <a:schemeClr val="tx1"/>
+                </a:solidFill>
+              </a:rPr>
+              <a:t>340</a:t>
+            </a:r>
+            <a:endParaRPr lang="en-ID" dirty="0">
+              <a:solidFill>
+                <a:schemeClr val="tx1"/>
+              </a:solidFill>
+            </a:endParaRPr>
+          </a:p>
+        </p:txBody>
+      </p:sp>
+      <p:sp>
+        <p:nvSpPr>
+          <p:cNvPr id="69" name="Rectangle 68">
+            <a:extLst>
+              <a:ext uri="{FF2B5EF4-FFF2-40B4-BE49-F238E27FC236}">
+                <a16:creationId xmlns:a16="http://schemas.microsoft.com/office/drawing/2014/main" id="{AAF643F8-F430-41E4-BC06-FBECB26F86F3}"/>
+              </a:ext>
+            </a:extLst>
+          </p:cNvPr>
+          <p:cNvSpPr/>
+          <p:nvPr/>
+        </p:nvSpPr>
+        <p:spPr>
+          <a:xfrm>
+            <a:off x="5116289" y="5666221"/>
+            <a:ext cx="859972" cy="707571"/>
+          </a:xfrm>
+          <a:prstGeom prst="rect">
+            <a:avLst/>
+          </a:prstGeom>
+          <a:solidFill>
+            <a:schemeClr val="bg1"/>
+          </a:solidFill>
+          <a:ln w="38100">
+            <a:solidFill>
+              <a:schemeClr val="tx1"/>
+            </a:solidFill>
+          </a:ln>
+        </p:spPr>
+        <p:style>
+          <a:lnRef idx="2">
+            <a:schemeClr val="accent1">
+              <a:shade val="50000"/>
+            </a:schemeClr>
+          </a:lnRef>
+          <a:fillRef idx="1">
+            <a:schemeClr val="accent1"/>
+          </a:fillRef>
+          <a:effectRef idx="0">
+            <a:schemeClr val="accent1"/>
+          </a:effectRef>
+          <a:fontRef idx="minor">
+            <a:schemeClr val="lt1"/>
+          </a:fontRef>
+        </p:style>
+        <p:txBody>
+          <a:bodyPr rtlCol="0" anchor="ctr"/>
+          <a:lstStyle/>
+          <a:p>
+            <a:pPr algn="ctr"/>
+            <a:r>
+              <a:rPr lang="en-US" dirty="0">
+                <a:solidFill>
+                  <a:schemeClr val="tx1"/>
+                </a:solidFill>
+              </a:rPr>
+              <a:t>408</a:t>
+            </a:r>
+            <a:endParaRPr lang="en-ID" dirty="0">
+              <a:solidFill>
+                <a:schemeClr val="tx1"/>
+              </a:solidFill>
+            </a:endParaRPr>
+          </a:p>
+        </p:txBody>
+      </p:sp>
+      <p:sp>
+        <p:nvSpPr>
+          <p:cNvPr id="70" name="Rectangle 69">
+            <a:extLst>
+              <a:ext uri="{FF2B5EF4-FFF2-40B4-BE49-F238E27FC236}">
+                <a16:creationId xmlns:a16="http://schemas.microsoft.com/office/drawing/2014/main" id="{9D7B92DF-F827-4E79-9AB0-546913174FC9}"/>
+              </a:ext>
+            </a:extLst>
+          </p:cNvPr>
+          <p:cNvSpPr/>
+          <p:nvPr/>
+        </p:nvSpPr>
+        <p:spPr>
+          <a:xfrm>
+            <a:off x="6455201" y="5683586"/>
+            <a:ext cx="859972" cy="707571"/>
+          </a:xfrm>
+          <a:prstGeom prst="rect">
+            <a:avLst/>
+          </a:prstGeom>
+          <a:solidFill>
+            <a:schemeClr val="bg1"/>
+          </a:solidFill>
+          <a:ln w="38100">
+            <a:solidFill>
+              <a:srgbClr val="00B050"/>
+            </a:solidFill>
+          </a:ln>
+        </p:spPr>
+        <p:style>
+          <a:lnRef idx="2">
+            <a:schemeClr val="accent1">
+              <a:shade val="50000"/>
+            </a:schemeClr>
+          </a:lnRef>
+          <a:fillRef idx="1">
+            <a:schemeClr val="accent1"/>
+          </a:fillRef>
+          <a:effectRef idx="0">
+            <a:schemeClr val="accent1"/>
+          </a:effectRef>
+          <a:fontRef idx="minor">
+            <a:schemeClr val="lt1"/>
+          </a:fontRef>
+        </p:style>
+        <p:txBody>
+          <a:bodyPr rtlCol="0" anchor="ctr"/>
+          <a:lstStyle/>
+          <a:p>
+            <a:pPr algn="ctr"/>
+            <a:r>
+              <a:rPr lang="en-US" dirty="0">
+                <a:solidFill>
+                  <a:schemeClr val="tx1"/>
+                </a:solidFill>
+              </a:rPr>
+              <a:t>355</a:t>
+            </a:r>
+            <a:endParaRPr lang="en-ID" dirty="0">
+              <a:solidFill>
+                <a:schemeClr val="tx1"/>
+              </a:solidFill>
+            </a:endParaRPr>
+          </a:p>
+        </p:txBody>
+      </p:sp>
+      <p:sp>
+        <p:nvSpPr>
+          <p:cNvPr id="71" name="Rectangle 70">
+            <a:extLst>
+              <a:ext uri="{FF2B5EF4-FFF2-40B4-BE49-F238E27FC236}">
+                <a16:creationId xmlns:a16="http://schemas.microsoft.com/office/drawing/2014/main" id="{BE20C4CA-0E95-438A-9329-7FBEB1199DA0}"/>
+              </a:ext>
+            </a:extLst>
+          </p:cNvPr>
+          <p:cNvSpPr/>
+          <p:nvPr/>
+        </p:nvSpPr>
+        <p:spPr>
+          <a:xfrm>
+            <a:off x="805591" y="760136"/>
+            <a:ext cx="859972" cy="707571"/>
+          </a:xfrm>
+          <a:prstGeom prst="rect">
+            <a:avLst/>
+          </a:prstGeom>
+          <a:solidFill>
+            <a:schemeClr val="bg1"/>
+          </a:solidFill>
+          <a:ln w="38100">
+            <a:solidFill>
+              <a:schemeClr val="tx1"/>
+            </a:solidFill>
+          </a:ln>
+        </p:spPr>
+        <p:style>
+          <a:lnRef idx="2">
+            <a:schemeClr val="accent1">
+              <a:shade val="50000"/>
+            </a:schemeClr>
+          </a:lnRef>
+          <a:fillRef idx="1">
+            <a:schemeClr val="accent1"/>
+          </a:fillRef>
+          <a:effectRef idx="0">
+            <a:schemeClr val="accent1"/>
+          </a:effectRef>
+          <a:fontRef idx="minor">
+            <a:schemeClr val="lt1"/>
+          </a:fontRef>
+        </p:style>
+        <p:txBody>
+          <a:bodyPr rtlCol="0" anchor="ctr"/>
+          <a:lstStyle/>
+          <a:p>
+            <a:pPr algn="ctr"/>
+            <a:r>
+              <a:rPr lang="en-US" dirty="0">
+                <a:solidFill>
+                  <a:schemeClr val="tx1"/>
+                </a:solidFill>
+              </a:rPr>
+              <a:t>ms1P</a:t>
+            </a:r>
+            <a:endParaRPr lang="en-ID" dirty="0">
+              <a:solidFill>
+                <a:schemeClr val="tx1"/>
+              </a:solidFill>
+            </a:endParaRPr>
+          </a:p>
+        </p:txBody>
+      </p:sp>
+      <p:sp>
+        <p:nvSpPr>
+          <p:cNvPr id="72" name="Rectangle 71">
+            <a:extLst>
+              <a:ext uri="{FF2B5EF4-FFF2-40B4-BE49-F238E27FC236}">
+                <a16:creationId xmlns:a16="http://schemas.microsoft.com/office/drawing/2014/main" id="{15C4C82B-F9AA-4BBA-A98A-7B857B1E5E30}"/>
+              </a:ext>
+            </a:extLst>
+          </p:cNvPr>
+          <p:cNvSpPr/>
+          <p:nvPr/>
+        </p:nvSpPr>
+        <p:spPr>
+          <a:xfrm>
+            <a:off x="2227561" y="742771"/>
+            <a:ext cx="859972" cy="707571"/>
+          </a:xfrm>
+          <a:prstGeom prst="rect">
+            <a:avLst/>
+          </a:prstGeom>
+          <a:solidFill>
+            <a:schemeClr val="bg1"/>
+          </a:solidFill>
+          <a:ln w="38100">
+            <a:solidFill>
+              <a:schemeClr val="tx1"/>
+            </a:solidFill>
+          </a:ln>
+        </p:spPr>
+        <p:style>
+          <a:lnRef idx="2">
+            <a:schemeClr val="accent1">
+              <a:shade val="50000"/>
+            </a:schemeClr>
+          </a:lnRef>
+          <a:fillRef idx="1">
+            <a:schemeClr val="accent1"/>
+          </a:fillRef>
+          <a:effectRef idx="0">
+            <a:schemeClr val="accent1"/>
+          </a:effectRef>
+          <a:fontRef idx="minor">
+            <a:schemeClr val="lt1"/>
+          </a:fontRef>
+        </p:style>
+        <p:txBody>
+          <a:bodyPr rtlCol="0" anchor="ctr"/>
+          <a:lstStyle/>
+          <a:p>
+            <a:pPr algn="ctr"/>
+            <a:r>
+              <a:rPr lang="en-US" dirty="0">
+                <a:solidFill>
+                  <a:schemeClr val="tx1"/>
+                </a:solidFill>
+              </a:rPr>
+              <a:t>ms12B</a:t>
+            </a:r>
+            <a:endParaRPr lang="en-ID" dirty="0">
+              <a:solidFill>
+                <a:schemeClr val="tx1"/>
+              </a:solidFill>
+            </a:endParaRPr>
+          </a:p>
+        </p:txBody>
+      </p:sp>
+      <p:sp>
+        <p:nvSpPr>
+          <p:cNvPr id="73" name="Rectangle 72">
+            <a:extLst>
+              <a:ext uri="{FF2B5EF4-FFF2-40B4-BE49-F238E27FC236}">
+                <a16:creationId xmlns:a16="http://schemas.microsoft.com/office/drawing/2014/main" id="{BB0B4AC1-8E8C-496F-AA53-DEF9E35918D8}"/>
+              </a:ext>
+            </a:extLst>
+          </p:cNvPr>
+          <p:cNvSpPr/>
+          <p:nvPr/>
+        </p:nvSpPr>
+        <p:spPr>
+          <a:xfrm>
+            <a:off x="3671925" y="742771"/>
+            <a:ext cx="859972" cy="707571"/>
+          </a:xfrm>
+          <a:prstGeom prst="rect">
+            <a:avLst/>
+          </a:prstGeom>
+          <a:solidFill>
+            <a:schemeClr val="bg1"/>
+          </a:solidFill>
+          <a:ln w="38100">
+            <a:solidFill>
+              <a:schemeClr val="tx1"/>
+            </a:solidFill>
+          </a:ln>
+        </p:spPr>
+        <p:style>
+          <a:lnRef idx="2">
+            <a:schemeClr val="accent1">
+              <a:shade val="50000"/>
+            </a:schemeClr>
+          </a:lnRef>
+          <a:fillRef idx="1">
+            <a:schemeClr val="accent1"/>
+          </a:fillRef>
+          <a:effectRef idx="0">
+            <a:schemeClr val="accent1"/>
+          </a:effectRef>
+          <a:fontRef idx="minor">
+            <a:schemeClr val="lt1"/>
+          </a:fontRef>
+        </p:style>
+        <p:txBody>
+          <a:bodyPr rtlCol="0" anchor="ctr"/>
+          <a:lstStyle/>
+          <a:p>
+            <a:pPr algn="ctr"/>
+            <a:r>
+              <a:rPr lang="en-US" dirty="0">
+                <a:solidFill>
+                  <a:schemeClr val="tx1"/>
+                </a:solidFill>
+              </a:rPr>
+              <a:t>ms3A</a:t>
+            </a:r>
+            <a:endParaRPr lang="en-ID" dirty="0">
+              <a:solidFill>
+                <a:schemeClr val="tx1"/>
+              </a:solidFill>
+            </a:endParaRPr>
+          </a:p>
+        </p:txBody>
+      </p:sp>
+      <p:sp>
+        <p:nvSpPr>
+          <p:cNvPr id="74" name="Rectangle 73">
+            <a:extLst>
+              <a:ext uri="{FF2B5EF4-FFF2-40B4-BE49-F238E27FC236}">
+                <a16:creationId xmlns:a16="http://schemas.microsoft.com/office/drawing/2014/main" id="{DEF59E7E-E911-451A-A65C-7FCC63174E97}"/>
+              </a:ext>
+            </a:extLst>
+          </p:cNvPr>
+          <p:cNvSpPr/>
+          <p:nvPr/>
+        </p:nvSpPr>
+        <p:spPr>
+          <a:xfrm>
+            <a:off x="5116289" y="742771"/>
+            <a:ext cx="859972" cy="707571"/>
+          </a:xfrm>
+          <a:prstGeom prst="rect">
+            <a:avLst/>
+          </a:prstGeom>
+          <a:solidFill>
+            <a:schemeClr val="bg1"/>
+          </a:solidFill>
+          <a:ln w="38100">
+            <a:solidFill>
+              <a:schemeClr val="tx1"/>
+            </a:solidFill>
+          </a:ln>
+        </p:spPr>
+        <p:style>
+          <a:lnRef idx="2">
+            <a:schemeClr val="accent1">
+              <a:shade val="50000"/>
+            </a:schemeClr>
+          </a:lnRef>
+          <a:fillRef idx="1">
+            <a:schemeClr val="accent1"/>
+          </a:fillRef>
+          <a:effectRef idx="0">
+            <a:schemeClr val="accent1"/>
+          </a:effectRef>
+          <a:fontRef idx="minor">
+            <a:schemeClr val="lt1"/>
+          </a:fontRef>
+        </p:style>
+        <p:txBody>
+          <a:bodyPr rtlCol="0" anchor="ctr"/>
+          <a:lstStyle/>
+          <a:p>
+            <a:pPr algn="ctr"/>
+            <a:r>
+              <a:rPr lang="en-US" dirty="0">
+                <a:solidFill>
+                  <a:schemeClr val="tx1"/>
+                </a:solidFill>
+              </a:rPr>
+              <a:t>ms44P</a:t>
+            </a:r>
+            <a:endParaRPr lang="en-ID" dirty="0">
+              <a:solidFill>
+                <a:schemeClr val="tx1"/>
+              </a:solidFill>
+            </a:endParaRPr>
+          </a:p>
+        </p:txBody>
+      </p:sp>
+      <p:sp>
+        <p:nvSpPr>
+          <p:cNvPr id="75" name="Rectangle 74">
+            <a:extLst>
+              <a:ext uri="{FF2B5EF4-FFF2-40B4-BE49-F238E27FC236}">
+                <a16:creationId xmlns:a16="http://schemas.microsoft.com/office/drawing/2014/main" id="{8CD0ECE6-4C33-4E58-AE33-82720E6B9F4E}"/>
+              </a:ext>
+            </a:extLst>
+          </p:cNvPr>
+          <p:cNvSpPr/>
+          <p:nvPr/>
+        </p:nvSpPr>
+        <p:spPr>
+          <a:xfrm>
+            <a:off x="6455201" y="760136"/>
+            <a:ext cx="859972" cy="707571"/>
+          </a:xfrm>
+          <a:prstGeom prst="rect">
+            <a:avLst/>
+          </a:prstGeom>
+          <a:solidFill>
+            <a:schemeClr val="bg1"/>
+          </a:solidFill>
+          <a:ln w="38100">
+            <a:solidFill>
+              <a:schemeClr val="tx1"/>
+            </a:solidFill>
+          </a:ln>
+        </p:spPr>
+        <p:style>
+          <a:lnRef idx="2">
+            <a:schemeClr val="accent1">
+              <a:shade val="50000"/>
+            </a:schemeClr>
+          </a:lnRef>
+          <a:fillRef idx="1">
+            <a:schemeClr val="accent1"/>
+          </a:fillRef>
+          <a:effectRef idx="0">
+            <a:schemeClr val="accent1"/>
+          </a:effectRef>
+          <a:fontRef idx="minor">
+            <a:schemeClr val="lt1"/>
+          </a:fontRef>
+        </p:style>
+        <p:txBody>
+          <a:bodyPr rtlCol="0" anchor="ctr"/>
+          <a:lstStyle/>
+          <a:p>
+            <a:pPr algn="ctr"/>
+            <a:r>
+              <a:rPr lang="en-US" dirty="0">
+                <a:solidFill>
+                  <a:schemeClr val="tx1"/>
+                </a:solidFill>
+              </a:rPr>
+              <a:t>ms5N</a:t>
+            </a:r>
+            <a:endParaRPr lang="en-ID" dirty="0">
+              <a:solidFill>
+                <a:schemeClr val="tx1"/>
+              </a:solidFill>
+            </a:endParaRPr>
+          </a:p>
+        </p:txBody>
+      </p:sp>
     </p:spTree>
     <p:extLst>
       <p:ext uri="{BB962C8B-B14F-4D97-AF65-F5344CB8AC3E}">
         <p14:creationId xmlns:p14="http://schemas.microsoft.com/office/powerpoint/2010/main" val="903506154"/>
+      </p:ext>
+    </p:extLst>
+  </p:cSld>
+  <p:clrMapOvr>
+    <a:masterClrMapping/>
+  </p:clrMapOvr>
+</p:sld>
+</file>
+
+<file path=ppt/slides/slide2.xml><?xml version="1.0" encoding="utf-8"?>
+<p:sld xmlns:a="http://schemas.openxmlformats.org/drawingml/2006/main" xmlns:r="http://schemas.openxmlformats.org/officeDocument/2006/relationships" xmlns:p="http://schemas.openxmlformats.org/presentationml/2006/main">
+  <p:cSld>
+    <p:spTree>
+      <p:nvGrpSpPr>
+        <p:cNvPr id="1" name=""/>
+        <p:cNvGrpSpPr/>
+        <p:nvPr/>
+      </p:nvGrpSpPr>
+      <p:grpSpPr>
+        <a:xfrm>
+          <a:off x="0" y="0"/>
+          <a:ext cx="0" cy="0"/>
+          <a:chOff x="0" y="0"/>
+          <a:chExt cx="0" cy="0"/>
+        </a:xfrm>
+      </p:grpSpPr>
+      <p:sp>
+        <p:nvSpPr>
+          <p:cNvPr id="22" name="Arrow: Down 21">
+            <a:extLst>
+              <a:ext uri="{FF2B5EF4-FFF2-40B4-BE49-F238E27FC236}">
+                <a16:creationId xmlns:a16="http://schemas.microsoft.com/office/drawing/2014/main" id="{D54AAAA7-1494-464C-8AC9-BBF825B216FB}"/>
+              </a:ext>
+            </a:extLst>
+          </p:cNvPr>
+          <p:cNvSpPr/>
+          <p:nvPr/>
+        </p:nvSpPr>
+        <p:spPr>
+          <a:xfrm>
+            <a:off x="3710024" y="1971681"/>
+            <a:ext cx="385010" cy="423512"/>
+          </a:xfrm>
+          <a:prstGeom prst="downArrow">
+            <a:avLst/>
+          </a:prstGeom>
+          <a:solidFill>
+            <a:schemeClr val="bg1"/>
+          </a:solidFill>
+          <a:ln w="28575">
+            <a:solidFill>
+              <a:schemeClr val="tx1">
+                <a:lumMod val="95000"/>
+                <a:lumOff val="5000"/>
+              </a:schemeClr>
+            </a:solidFill>
+          </a:ln>
+        </p:spPr>
+        <p:style>
+          <a:lnRef idx="2">
+            <a:schemeClr val="accent1">
+              <a:shade val="50000"/>
+            </a:schemeClr>
+          </a:lnRef>
+          <a:fillRef idx="1">
+            <a:schemeClr val="accent1"/>
+          </a:fillRef>
+          <a:effectRef idx="0">
+            <a:schemeClr val="accent1"/>
+          </a:effectRef>
+          <a:fontRef idx="minor">
+            <a:schemeClr val="lt1"/>
+          </a:fontRef>
+        </p:style>
+        <p:txBody>
+          <a:bodyPr rtlCol="0" anchor="ctr"/>
+          <a:lstStyle/>
+          <a:p>
+            <a:pPr algn="ctr"/>
+            <a:endParaRPr lang="en-ID"/>
+          </a:p>
+        </p:txBody>
+      </p:sp>
+      <p:sp>
+        <p:nvSpPr>
+          <p:cNvPr id="5" name="Rectangle 4">
+            <a:extLst>
+              <a:ext uri="{FF2B5EF4-FFF2-40B4-BE49-F238E27FC236}">
+                <a16:creationId xmlns:a16="http://schemas.microsoft.com/office/drawing/2014/main" id="{F00F777B-86B4-46F7-A9D7-3670725639FC}"/>
+              </a:ext>
+            </a:extLst>
+          </p:cNvPr>
+          <p:cNvSpPr/>
+          <p:nvPr/>
+        </p:nvSpPr>
+        <p:spPr>
+          <a:xfrm>
+            <a:off x="2979248" y="4679252"/>
+            <a:ext cx="2231572" cy="1088573"/>
+          </a:xfrm>
+          <a:prstGeom prst="rect">
+            <a:avLst/>
+          </a:prstGeom>
+        </p:spPr>
+        <p:style>
+          <a:lnRef idx="2">
+            <a:schemeClr val="accent1">
+              <a:shade val="50000"/>
+            </a:schemeClr>
+          </a:lnRef>
+          <a:fillRef idx="1">
+            <a:schemeClr val="accent1"/>
+          </a:fillRef>
+          <a:effectRef idx="0">
+            <a:schemeClr val="accent1"/>
+          </a:effectRef>
+          <a:fontRef idx="minor">
+            <a:schemeClr val="lt1"/>
+          </a:fontRef>
+        </p:style>
+        <p:txBody>
+          <a:bodyPr rtlCol="0" anchor="ctr"/>
+          <a:lstStyle/>
+          <a:p>
+            <a:pPr algn="ctr"/>
+            <a:r>
+              <a:rPr lang="en-US" dirty="0"/>
+              <a:t>Data </a:t>
+            </a:r>
+            <a:r>
+              <a:rPr lang="en-US" dirty="0" err="1"/>
+              <a:t>awal</a:t>
+            </a:r>
+            <a:endParaRPr lang="en-ID" dirty="0"/>
+          </a:p>
+        </p:txBody>
+      </p:sp>
+      <p:sp>
+        <p:nvSpPr>
+          <p:cNvPr id="55" name="Rectangle 54">
+            <a:extLst>
+              <a:ext uri="{FF2B5EF4-FFF2-40B4-BE49-F238E27FC236}">
+                <a16:creationId xmlns:a16="http://schemas.microsoft.com/office/drawing/2014/main" id="{5FF2746E-B220-449A-8138-159E1D6DC346}"/>
+              </a:ext>
+            </a:extLst>
+          </p:cNvPr>
+          <p:cNvSpPr/>
+          <p:nvPr/>
+        </p:nvSpPr>
+        <p:spPr>
+          <a:xfrm>
+            <a:off x="7462702" y="1655089"/>
+            <a:ext cx="2231572" cy="1088573"/>
+          </a:xfrm>
+          <a:prstGeom prst="rect">
+            <a:avLst/>
+          </a:prstGeom>
+        </p:spPr>
+        <p:style>
+          <a:lnRef idx="2">
+            <a:schemeClr val="accent1">
+              <a:shade val="50000"/>
+            </a:schemeClr>
+          </a:lnRef>
+          <a:fillRef idx="1">
+            <a:schemeClr val="accent1"/>
+          </a:fillRef>
+          <a:effectRef idx="0">
+            <a:schemeClr val="accent1"/>
+          </a:effectRef>
+          <a:fontRef idx="minor">
+            <a:schemeClr val="lt1"/>
+          </a:fontRef>
+        </p:style>
+        <p:txBody>
+          <a:bodyPr rtlCol="0" anchor="ctr"/>
+          <a:lstStyle/>
+          <a:p>
+            <a:pPr algn="ctr"/>
+            <a:r>
+              <a:rPr lang="en-US" dirty="0"/>
+              <a:t>Insertion sort</a:t>
+            </a:r>
+            <a:endParaRPr lang="en-ID" dirty="0"/>
+          </a:p>
+        </p:txBody>
+      </p:sp>
+      <p:sp>
+        <p:nvSpPr>
+          <p:cNvPr id="30" name="Rectangle 29">
+            <a:extLst>
+              <a:ext uri="{FF2B5EF4-FFF2-40B4-BE49-F238E27FC236}">
+                <a16:creationId xmlns:a16="http://schemas.microsoft.com/office/drawing/2014/main" id="{A2E7543D-8050-45B4-827D-262F48820788}"/>
+              </a:ext>
+            </a:extLst>
+          </p:cNvPr>
+          <p:cNvSpPr/>
+          <p:nvPr/>
+        </p:nvSpPr>
+        <p:spPr>
+          <a:xfrm>
+            <a:off x="606209" y="964883"/>
+            <a:ext cx="859972" cy="707571"/>
+          </a:xfrm>
+          <a:prstGeom prst="rect">
+            <a:avLst/>
+          </a:prstGeom>
+          <a:solidFill>
+            <a:schemeClr val="bg1"/>
+          </a:solidFill>
+          <a:ln w="38100">
+            <a:solidFill>
+              <a:schemeClr val="tx1"/>
+            </a:solidFill>
+          </a:ln>
+        </p:spPr>
+        <p:style>
+          <a:lnRef idx="2">
+            <a:schemeClr val="accent1">
+              <a:shade val="50000"/>
+            </a:schemeClr>
+          </a:lnRef>
+          <a:fillRef idx="1">
+            <a:schemeClr val="accent1"/>
+          </a:fillRef>
+          <a:effectRef idx="0">
+            <a:schemeClr val="accent1"/>
+          </a:effectRef>
+          <a:fontRef idx="minor">
+            <a:schemeClr val="lt1"/>
+          </a:fontRef>
+        </p:style>
+        <p:txBody>
+          <a:bodyPr rtlCol="0" anchor="ctr"/>
+          <a:lstStyle/>
+          <a:p>
+            <a:pPr algn="ctr"/>
+            <a:r>
+              <a:rPr lang="en-US" dirty="0">
+                <a:solidFill>
+                  <a:schemeClr val="tx1"/>
+                </a:solidFill>
+              </a:rPr>
+              <a:t>353</a:t>
+            </a:r>
+            <a:endParaRPr lang="en-ID" dirty="0">
+              <a:solidFill>
+                <a:schemeClr val="tx1"/>
+              </a:solidFill>
+            </a:endParaRPr>
+          </a:p>
+        </p:txBody>
+      </p:sp>
+      <p:sp>
+        <p:nvSpPr>
+          <p:cNvPr id="31" name="Rectangle 30">
+            <a:extLst>
+              <a:ext uri="{FF2B5EF4-FFF2-40B4-BE49-F238E27FC236}">
+                <a16:creationId xmlns:a16="http://schemas.microsoft.com/office/drawing/2014/main" id="{CEF56F53-6204-487E-8B42-0204F2AB395C}"/>
+              </a:ext>
+            </a:extLst>
+          </p:cNvPr>
+          <p:cNvSpPr/>
+          <p:nvPr/>
+        </p:nvSpPr>
+        <p:spPr>
+          <a:xfrm>
+            <a:off x="2028179" y="947518"/>
+            <a:ext cx="859972" cy="707571"/>
+          </a:xfrm>
+          <a:prstGeom prst="rect">
+            <a:avLst/>
+          </a:prstGeom>
+          <a:solidFill>
+            <a:schemeClr val="bg1"/>
+          </a:solidFill>
+          <a:ln w="38100">
+            <a:solidFill>
+              <a:schemeClr val="tx1"/>
+            </a:solidFill>
+          </a:ln>
+        </p:spPr>
+        <p:style>
+          <a:lnRef idx="2">
+            <a:schemeClr val="accent1">
+              <a:shade val="50000"/>
+            </a:schemeClr>
+          </a:lnRef>
+          <a:fillRef idx="1">
+            <a:schemeClr val="accent1"/>
+          </a:fillRef>
+          <a:effectRef idx="0">
+            <a:schemeClr val="accent1"/>
+          </a:effectRef>
+          <a:fontRef idx="minor">
+            <a:schemeClr val="lt1"/>
+          </a:fontRef>
+        </p:style>
+        <p:txBody>
+          <a:bodyPr rtlCol="0" anchor="ctr"/>
+          <a:lstStyle/>
+          <a:p>
+            <a:pPr algn="ctr"/>
+            <a:r>
+              <a:rPr lang="en-US" dirty="0">
+                <a:solidFill>
+                  <a:schemeClr val="tx1"/>
+                </a:solidFill>
+              </a:rPr>
+              <a:t>389</a:t>
+            </a:r>
+            <a:endParaRPr lang="en-ID" dirty="0">
+              <a:solidFill>
+                <a:schemeClr val="tx1"/>
+              </a:solidFill>
+            </a:endParaRPr>
+          </a:p>
+        </p:txBody>
+      </p:sp>
+      <p:sp>
+        <p:nvSpPr>
+          <p:cNvPr id="32" name="Rectangle 31">
+            <a:extLst>
+              <a:ext uri="{FF2B5EF4-FFF2-40B4-BE49-F238E27FC236}">
+                <a16:creationId xmlns:a16="http://schemas.microsoft.com/office/drawing/2014/main" id="{A2BE2AAB-55C5-45C6-BA7F-F600D5EBE3E7}"/>
+              </a:ext>
+            </a:extLst>
+          </p:cNvPr>
+          <p:cNvSpPr/>
+          <p:nvPr/>
+        </p:nvSpPr>
+        <p:spPr>
+          <a:xfrm>
+            <a:off x="3472543" y="947518"/>
+            <a:ext cx="859972" cy="707571"/>
+          </a:xfrm>
+          <a:prstGeom prst="rect">
+            <a:avLst/>
+          </a:prstGeom>
+          <a:solidFill>
+            <a:schemeClr val="bg1"/>
+          </a:solidFill>
+          <a:ln w="38100">
+            <a:solidFill>
+              <a:schemeClr val="tx1"/>
+            </a:solidFill>
+          </a:ln>
+        </p:spPr>
+        <p:style>
+          <a:lnRef idx="2">
+            <a:schemeClr val="accent1">
+              <a:shade val="50000"/>
+            </a:schemeClr>
+          </a:lnRef>
+          <a:fillRef idx="1">
+            <a:schemeClr val="accent1"/>
+          </a:fillRef>
+          <a:effectRef idx="0">
+            <a:schemeClr val="accent1"/>
+          </a:effectRef>
+          <a:fontRef idx="minor">
+            <a:schemeClr val="lt1"/>
+          </a:fontRef>
+        </p:style>
+        <p:txBody>
+          <a:bodyPr rtlCol="0" anchor="ctr"/>
+          <a:lstStyle/>
+          <a:p>
+            <a:pPr algn="ctr"/>
+            <a:r>
+              <a:rPr lang="en-US" dirty="0">
+                <a:solidFill>
+                  <a:schemeClr val="tx1"/>
+                </a:solidFill>
+              </a:rPr>
+              <a:t>340</a:t>
+            </a:r>
+            <a:endParaRPr lang="en-ID" dirty="0">
+              <a:solidFill>
+                <a:schemeClr val="tx1"/>
+              </a:solidFill>
+            </a:endParaRPr>
+          </a:p>
+        </p:txBody>
+      </p:sp>
+      <p:sp>
+        <p:nvSpPr>
+          <p:cNvPr id="33" name="Rectangle 32">
+            <a:extLst>
+              <a:ext uri="{FF2B5EF4-FFF2-40B4-BE49-F238E27FC236}">
+                <a16:creationId xmlns:a16="http://schemas.microsoft.com/office/drawing/2014/main" id="{EFA4B470-36E4-4E4F-87AA-5E8159A83258}"/>
+              </a:ext>
+            </a:extLst>
+          </p:cNvPr>
+          <p:cNvSpPr/>
+          <p:nvPr/>
+        </p:nvSpPr>
+        <p:spPr>
+          <a:xfrm>
+            <a:off x="4916907" y="947518"/>
+            <a:ext cx="859972" cy="707571"/>
+          </a:xfrm>
+          <a:prstGeom prst="rect">
+            <a:avLst/>
+          </a:prstGeom>
+          <a:solidFill>
+            <a:schemeClr val="bg1"/>
+          </a:solidFill>
+          <a:ln w="38100">
+            <a:solidFill>
+              <a:schemeClr val="tx1"/>
+            </a:solidFill>
+          </a:ln>
+        </p:spPr>
+        <p:style>
+          <a:lnRef idx="2">
+            <a:schemeClr val="accent1">
+              <a:shade val="50000"/>
+            </a:schemeClr>
+          </a:lnRef>
+          <a:fillRef idx="1">
+            <a:schemeClr val="accent1"/>
+          </a:fillRef>
+          <a:effectRef idx="0">
+            <a:schemeClr val="accent1"/>
+          </a:effectRef>
+          <a:fontRef idx="minor">
+            <a:schemeClr val="lt1"/>
+          </a:fontRef>
+        </p:style>
+        <p:txBody>
+          <a:bodyPr rtlCol="0" anchor="ctr"/>
+          <a:lstStyle/>
+          <a:p>
+            <a:pPr algn="ctr"/>
+            <a:r>
+              <a:rPr lang="en-US" dirty="0">
+                <a:solidFill>
+                  <a:schemeClr val="tx1"/>
+                </a:solidFill>
+              </a:rPr>
+              <a:t>408</a:t>
+            </a:r>
+            <a:endParaRPr lang="en-ID" dirty="0">
+              <a:solidFill>
+                <a:schemeClr val="tx1"/>
+              </a:solidFill>
+            </a:endParaRPr>
+          </a:p>
+        </p:txBody>
+      </p:sp>
+      <p:sp>
+        <p:nvSpPr>
+          <p:cNvPr id="34" name="Rectangle 33">
+            <a:extLst>
+              <a:ext uri="{FF2B5EF4-FFF2-40B4-BE49-F238E27FC236}">
+                <a16:creationId xmlns:a16="http://schemas.microsoft.com/office/drawing/2014/main" id="{579BA626-5A24-47A4-80D5-F4E086AE80E3}"/>
+              </a:ext>
+            </a:extLst>
+          </p:cNvPr>
+          <p:cNvSpPr/>
+          <p:nvPr/>
+        </p:nvSpPr>
+        <p:spPr>
+          <a:xfrm>
+            <a:off x="6255819" y="964883"/>
+            <a:ext cx="859972" cy="707571"/>
+          </a:xfrm>
+          <a:prstGeom prst="rect">
+            <a:avLst/>
+          </a:prstGeom>
+          <a:solidFill>
+            <a:schemeClr val="bg1"/>
+          </a:solidFill>
+          <a:ln w="38100">
+            <a:solidFill>
+              <a:schemeClr val="tx1"/>
+            </a:solidFill>
+          </a:ln>
+        </p:spPr>
+        <p:style>
+          <a:lnRef idx="2">
+            <a:schemeClr val="accent1">
+              <a:shade val="50000"/>
+            </a:schemeClr>
+          </a:lnRef>
+          <a:fillRef idx="1">
+            <a:schemeClr val="accent1"/>
+          </a:fillRef>
+          <a:effectRef idx="0">
+            <a:schemeClr val="accent1"/>
+          </a:effectRef>
+          <a:fontRef idx="minor">
+            <a:schemeClr val="lt1"/>
+          </a:fontRef>
+        </p:style>
+        <p:txBody>
+          <a:bodyPr rtlCol="0" anchor="ctr"/>
+          <a:lstStyle/>
+          <a:p>
+            <a:pPr algn="ctr"/>
+            <a:r>
+              <a:rPr lang="en-US" dirty="0">
+                <a:solidFill>
+                  <a:schemeClr val="tx1"/>
+                </a:solidFill>
+              </a:rPr>
+              <a:t>355</a:t>
+            </a:r>
+            <a:endParaRPr lang="en-ID" dirty="0">
+              <a:solidFill>
+                <a:schemeClr val="tx1"/>
+              </a:solidFill>
+            </a:endParaRPr>
+          </a:p>
+        </p:txBody>
+      </p:sp>
+      <p:sp>
+        <p:nvSpPr>
+          <p:cNvPr id="35" name="Rectangle 34">
+            <a:extLst>
+              <a:ext uri="{FF2B5EF4-FFF2-40B4-BE49-F238E27FC236}">
+                <a16:creationId xmlns:a16="http://schemas.microsoft.com/office/drawing/2014/main" id="{308BB4BE-9620-420A-B824-464E6EB9B4AF}"/>
+              </a:ext>
+            </a:extLst>
+          </p:cNvPr>
+          <p:cNvSpPr/>
+          <p:nvPr/>
+        </p:nvSpPr>
+        <p:spPr>
+          <a:xfrm>
+            <a:off x="606209" y="2830750"/>
+            <a:ext cx="859972" cy="707571"/>
+          </a:xfrm>
+          <a:prstGeom prst="rect">
+            <a:avLst/>
+          </a:prstGeom>
+          <a:solidFill>
+            <a:schemeClr val="bg1"/>
+          </a:solidFill>
+          <a:ln w="38100">
+            <a:solidFill>
+              <a:schemeClr val="tx1"/>
+            </a:solidFill>
+          </a:ln>
+        </p:spPr>
+        <p:style>
+          <a:lnRef idx="2">
+            <a:schemeClr val="accent1">
+              <a:shade val="50000"/>
+            </a:schemeClr>
+          </a:lnRef>
+          <a:fillRef idx="1">
+            <a:schemeClr val="accent1"/>
+          </a:fillRef>
+          <a:effectRef idx="0">
+            <a:schemeClr val="accent1"/>
+          </a:effectRef>
+          <a:fontRef idx="minor">
+            <a:schemeClr val="lt1"/>
+          </a:fontRef>
+        </p:style>
+        <p:txBody>
+          <a:bodyPr rtlCol="0" anchor="ctr"/>
+          <a:lstStyle/>
+          <a:p>
+            <a:pPr algn="ctr"/>
+            <a:r>
+              <a:rPr lang="en-US" dirty="0">
+                <a:solidFill>
+                  <a:schemeClr val="tx1"/>
+                </a:solidFill>
+              </a:rPr>
+              <a:t>340</a:t>
+            </a:r>
+            <a:endParaRPr lang="en-ID" dirty="0">
+              <a:solidFill>
+                <a:schemeClr val="tx1"/>
+              </a:solidFill>
+            </a:endParaRPr>
+          </a:p>
+        </p:txBody>
+      </p:sp>
+      <p:sp>
+        <p:nvSpPr>
+          <p:cNvPr id="36" name="Rectangle 35">
+            <a:extLst>
+              <a:ext uri="{FF2B5EF4-FFF2-40B4-BE49-F238E27FC236}">
+                <a16:creationId xmlns:a16="http://schemas.microsoft.com/office/drawing/2014/main" id="{50FD95DD-8F6E-4B38-88F2-F31D0007026F}"/>
+              </a:ext>
+            </a:extLst>
+          </p:cNvPr>
+          <p:cNvSpPr/>
+          <p:nvPr/>
+        </p:nvSpPr>
+        <p:spPr>
+          <a:xfrm>
+            <a:off x="2028179" y="2813385"/>
+            <a:ext cx="859972" cy="707571"/>
+          </a:xfrm>
+          <a:prstGeom prst="rect">
+            <a:avLst/>
+          </a:prstGeom>
+          <a:solidFill>
+            <a:schemeClr val="bg1"/>
+          </a:solidFill>
+          <a:ln w="38100">
+            <a:solidFill>
+              <a:schemeClr val="tx1"/>
+            </a:solidFill>
+          </a:ln>
+        </p:spPr>
+        <p:style>
+          <a:lnRef idx="2">
+            <a:schemeClr val="accent1">
+              <a:shade val="50000"/>
+            </a:schemeClr>
+          </a:lnRef>
+          <a:fillRef idx="1">
+            <a:schemeClr val="accent1"/>
+          </a:fillRef>
+          <a:effectRef idx="0">
+            <a:schemeClr val="accent1"/>
+          </a:effectRef>
+          <a:fontRef idx="minor">
+            <a:schemeClr val="lt1"/>
+          </a:fontRef>
+        </p:style>
+        <p:txBody>
+          <a:bodyPr rtlCol="0" anchor="ctr"/>
+          <a:lstStyle/>
+          <a:p>
+            <a:pPr algn="ctr"/>
+            <a:r>
+              <a:rPr lang="en-US" dirty="0">
+                <a:solidFill>
+                  <a:schemeClr val="tx1"/>
+                </a:solidFill>
+              </a:rPr>
+              <a:t>353</a:t>
+            </a:r>
+            <a:endParaRPr lang="en-ID" dirty="0">
+              <a:solidFill>
+                <a:schemeClr val="tx1"/>
+              </a:solidFill>
+            </a:endParaRPr>
+          </a:p>
+        </p:txBody>
+      </p:sp>
+      <p:sp>
+        <p:nvSpPr>
+          <p:cNvPr id="37" name="Rectangle 36">
+            <a:extLst>
+              <a:ext uri="{FF2B5EF4-FFF2-40B4-BE49-F238E27FC236}">
+                <a16:creationId xmlns:a16="http://schemas.microsoft.com/office/drawing/2014/main" id="{0B8BB5E6-633F-450A-BE20-AA04364354AE}"/>
+              </a:ext>
+            </a:extLst>
+          </p:cNvPr>
+          <p:cNvSpPr/>
+          <p:nvPr/>
+        </p:nvSpPr>
+        <p:spPr>
+          <a:xfrm>
+            <a:off x="3472543" y="2813385"/>
+            <a:ext cx="859972" cy="707571"/>
+          </a:xfrm>
+          <a:prstGeom prst="rect">
+            <a:avLst/>
+          </a:prstGeom>
+          <a:solidFill>
+            <a:schemeClr val="bg1"/>
+          </a:solidFill>
+          <a:ln w="38100">
+            <a:solidFill>
+              <a:schemeClr val="tx1"/>
+            </a:solidFill>
+          </a:ln>
+        </p:spPr>
+        <p:style>
+          <a:lnRef idx="2">
+            <a:schemeClr val="accent1">
+              <a:shade val="50000"/>
+            </a:schemeClr>
+          </a:lnRef>
+          <a:fillRef idx="1">
+            <a:schemeClr val="accent1"/>
+          </a:fillRef>
+          <a:effectRef idx="0">
+            <a:schemeClr val="accent1"/>
+          </a:effectRef>
+          <a:fontRef idx="minor">
+            <a:schemeClr val="lt1"/>
+          </a:fontRef>
+        </p:style>
+        <p:txBody>
+          <a:bodyPr rtlCol="0" anchor="ctr"/>
+          <a:lstStyle/>
+          <a:p>
+            <a:pPr algn="ctr"/>
+            <a:r>
+              <a:rPr lang="en-US" dirty="0">
+                <a:solidFill>
+                  <a:schemeClr val="tx1"/>
+                </a:solidFill>
+              </a:rPr>
+              <a:t>355</a:t>
+            </a:r>
+            <a:endParaRPr lang="en-ID" dirty="0">
+              <a:solidFill>
+                <a:schemeClr val="tx1"/>
+              </a:solidFill>
+            </a:endParaRPr>
+          </a:p>
+        </p:txBody>
+      </p:sp>
+      <p:sp>
+        <p:nvSpPr>
+          <p:cNvPr id="38" name="Rectangle 37">
+            <a:extLst>
+              <a:ext uri="{FF2B5EF4-FFF2-40B4-BE49-F238E27FC236}">
+                <a16:creationId xmlns:a16="http://schemas.microsoft.com/office/drawing/2014/main" id="{95CFF507-FB24-4BCB-8140-43A9B85DDB85}"/>
+              </a:ext>
+            </a:extLst>
+          </p:cNvPr>
+          <p:cNvSpPr/>
+          <p:nvPr/>
+        </p:nvSpPr>
+        <p:spPr>
+          <a:xfrm>
+            <a:off x="4916907" y="2813385"/>
+            <a:ext cx="859972" cy="707571"/>
+          </a:xfrm>
+          <a:prstGeom prst="rect">
+            <a:avLst/>
+          </a:prstGeom>
+          <a:solidFill>
+            <a:schemeClr val="bg1"/>
+          </a:solidFill>
+          <a:ln w="38100">
+            <a:solidFill>
+              <a:schemeClr val="tx1"/>
+            </a:solidFill>
+          </a:ln>
+        </p:spPr>
+        <p:style>
+          <a:lnRef idx="2">
+            <a:schemeClr val="accent1">
+              <a:shade val="50000"/>
+            </a:schemeClr>
+          </a:lnRef>
+          <a:fillRef idx="1">
+            <a:schemeClr val="accent1"/>
+          </a:fillRef>
+          <a:effectRef idx="0">
+            <a:schemeClr val="accent1"/>
+          </a:effectRef>
+          <a:fontRef idx="minor">
+            <a:schemeClr val="lt1"/>
+          </a:fontRef>
+        </p:style>
+        <p:txBody>
+          <a:bodyPr rtlCol="0" anchor="ctr"/>
+          <a:lstStyle/>
+          <a:p>
+            <a:pPr algn="ctr"/>
+            <a:r>
+              <a:rPr lang="en-US" dirty="0">
+                <a:solidFill>
+                  <a:schemeClr val="tx1"/>
+                </a:solidFill>
+              </a:rPr>
+              <a:t>389</a:t>
+            </a:r>
+            <a:endParaRPr lang="en-ID" dirty="0">
+              <a:solidFill>
+                <a:schemeClr val="tx1"/>
+              </a:solidFill>
+            </a:endParaRPr>
+          </a:p>
+        </p:txBody>
+      </p:sp>
+      <p:sp>
+        <p:nvSpPr>
+          <p:cNvPr id="39" name="Rectangle 38">
+            <a:extLst>
+              <a:ext uri="{FF2B5EF4-FFF2-40B4-BE49-F238E27FC236}">
+                <a16:creationId xmlns:a16="http://schemas.microsoft.com/office/drawing/2014/main" id="{2ADA7AFF-92F9-4A33-802E-02BB9432EA78}"/>
+              </a:ext>
+            </a:extLst>
+          </p:cNvPr>
+          <p:cNvSpPr/>
+          <p:nvPr/>
+        </p:nvSpPr>
+        <p:spPr>
+          <a:xfrm>
+            <a:off x="6255819" y="2830750"/>
+            <a:ext cx="859972" cy="707571"/>
+          </a:xfrm>
+          <a:prstGeom prst="rect">
+            <a:avLst/>
+          </a:prstGeom>
+          <a:solidFill>
+            <a:schemeClr val="bg1"/>
+          </a:solidFill>
+          <a:ln w="38100">
+            <a:solidFill>
+              <a:schemeClr val="tx1"/>
+            </a:solidFill>
+          </a:ln>
+        </p:spPr>
+        <p:style>
+          <a:lnRef idx="2">
+            <a:schemeClr val="accent1">
+              <a:shade val="50000"/>
+            </a:schemeClr>
+          </a:lnRef>
+          <a:fillRef idx="1">
+            <a:schemeClr val="accent1"/>
+          </a:fillRef>
+          <a:effectRef idx="0">
+            <a:schemeClr val="accent1"/>
+          </a:effectRef>
+          <a:fontRef idx="minor">
+            <a:schemeClr val="lt1"/>
+          </a:fontRef>
+        </p:style>
+        <p:txBody>
+          <a:bodyPr rtlCol="0" anchor="ctr"/>
+          <a:lstStyle/>
+          <a:p>
+            <a:pPr algn="ctr"/>
+            <a:r>
+              <a:rPr lang="en-US" dirty="0">
+                <a:solidFill>
+                  <a:schemeClr val="tx1"/>
+                </a:solidFill>
+              </a:rPr>
+              <a:t>408</a:t>
+            </a:r>
+            <a:endParaRPr lang="en-ID" dirty="0">
+              <a:solidFill>
+                <a:schemeClr val="tx1"/>
+              </a:solidFill>
+            </a:endParaRPr>
+          </a:p>
+        </p:txBody>
+      </p:sp>
+      <p:sp>
+        <p:nvSpPr>
+          <p:cNvPr id="2" name="TextBox 1">
+            <a:extLst>
+              <a:ext uri="{FF2B5EF4-FFF2-40B4-BE49-F238E27FC236}">
+                <a16:creationId xmlns:a16="http://schemas.microsoft.com/office/drawing/2014/main" id="{E0F7E574-36F3-48BA-98F9-5C108BE939DB}"/>
+              </a:ext>
+            </a:extLst>
+          </p:cNvPr>
+          <p:cNvSpPr txBox="1"/>
+          <p:nvPr/>
+        </p:nvSpPr>
+        <p:spPr>
+          <a:xfrm>
+            <a:off x="843689" y="3582604"/>
+            <a:ext cx="385011" cy="369332"/>
+          </a:xfrm>
+          <a:prstGeom prst="rect">
+            <a:avLst/>
+          </a:prstGeom>
+          <a:noFill/>
+        </p:spPr>
+        <p:txBody>
+          <a:bodyPr wrap="square" rtlCol="0">
+            <a:spAutoFit/>
+          </a:bodyPr>
+          <a:lstStyle/>
+          <a:p>
+            <a:r>
+              <a:rPr lang="en-US" dirty="0"/>
+              <a:t>0</a:t>
+            </a:r>
+            <a:endParaRPr lang="en-ID" dirty="0"/>
+          </a:p>
+        </p:txBody>
+      </p:sp>
+      <p:sp>
+        <p:nvSpPr>
+          <p:cNvPr id="42" name="TextBox 41">
+            <a:extLst>
+              <a:ext uri="{FF2B5EF4-FFF2-40B4-BE49-F238E27FC236}">
+                <a16:creationId xmlns:a16="http://schemas.microsoft.com/office/drawing/2014/main" id="{32EBDA01-1078-4668-91F9-957ACB6AC7B9}"/>
+              </a:ext>
+            </a:extLst>
+          </p:cNvPr>
+          <p:cNvSpPr txBox="1"/>
+          <p:nvPr/>
+        </p:nvSpPr>
+        <p:spPr>
+          <a:xfrm>
+            <a:off x="2305429" y="3580456"/>
+            <a:ext cx="385011" cy="369332"/>
+          </a:xfrm>
+          <a:prstGeom prst="rect">
+            <a:avLst/>
+          </a:prstGeom>
+          <a:noFill/>
+        </p:spPr>
+        <p:txBody>
+          <a:bodyPr wrap="square" rtlCol="0">
+            <a:spAutoFit/>
+          </a:bodyPr>
+          <a:lstStyle/>
+          <a:p>
+            <a:r>
+              <a:rPr lang="en-US" dirty="0"/>
+              <a:t>1</a:t>
+            </a:r>
+            <a:endParaRPr lang="en-ID" dirty="0"/>
+          </a:p>
+        </p:txBody>
+      </p:sp>
+      <p:sp>
+        <p:nvSpPr>
+          <p:cNvPr id="43" name="TextBox 42">
+            <a:extLst>
+              <a:ext uri="{FF2B5EF4-FFF2-40B4-BE49-F238E27FC236}">
+                <a16:creationId xmlns:a16="http://schemas.microsoft.com/office/drawing/2014/main" id="{0038987E-DDD4-4AD7-9894-F00C2AEEE26B}"/>
+              </a:ext>
+            </a:extLst>
+          </p:cNvPr>
+          <p:cNvSpPr txBox="1"/>
+          <p:nvPr/>
+        </p:nvSpPr>
+        <p:spPr>
+          <a:xfrm>
+            <a:off x="3723631" y="3578569"/>
+            <a:ext cx="385011" cy="369332"/>
+          </a:xfrm>
+          <a:prstGeom prst="rect">
+            <a:avLst/>
+          </a:prstGeom>
+          <a:noFill/>
+        </p:spPr>
+        <p:txBody>
+          <a:bodyPr wrap="square" rtlCol="0">
+            <a:spAutoFit/>
+          </a:bodyPr>
+          <a:lstStyle/>
+          <a:p>
+            <a:r>
+              <a:rPr lang="en-US" dirty="0"/>
+              <a:t>2</a:t>
+            </a:r>
+            <a:endParaRPr lang="en-ID" dirty="0"/>
+          </a:p>
+        </p:txBody>
+      </p:sp>
+      <p:sp>
+        <p:nvSpPr>
+          <p:cNvPr id="44" name="TextBox 43">
+            <a:extLst>
+              <a:ext uri="{FF2B5EF4-FFF2-40B4-BE49-F238E27FC236}">
+                <a16:creationId xmlns:a16="http://schemas.microsoft.com/office/drawing/2014/main" id="{7D6D7D39-2EE9-4838-90DA-018A7DE33CD8}"/>
+              </a:ext>
+            </a:extLst>
+          </p:cNvPr>
+          <p:cNvSpPr txBox="1"/>
+          <p:nvPr/>
+        </p:nvSpPr>
+        <p:spPr>
+          <a:xfrm>
+            <a:off x="5181604" y="3542159"/>
+            <a:ext cx="385011" cy="369332"/>
+          </a:xfrm>
+          <a:prstGeom prst="rect">
+            <a:avLst/>
+          </a:prstGeom>
+          <a:noFill/>
+        </p:spPr>
+        <p:txBody>
+          <a:bodyPr wrap="square" rtlCol="0">
+            <a:spAutoFit/>
+          </a:bodyPr>
+          <a:lstStyle/>
+          <a:p>
+            <a:r>
+              <a:rPr lang="en-US" dirty="0"/>
+              <a:t>3</a:t>
+            </a:r>
+            <a:endParaRPr lang="en-ID" dirty="0"/>
+          </a:p>
+        </p:txBody>
+      </p:sp>
+      <p:sp>
+        <p:nvSpPr>
+          <p:cNvPr id="56" name="TextBox 55">
+            <a:extLst>
+              <a:ext uri="{FF2B5EF4-FFF2-40B4-BE49-F238E27FC236}">
+                <a16:creationId xmlns:a16="http://schemas.microsoft.com/office/drawing/2014/main" id="{0DEF0C15-FF53-4969-A1A8-23A0A65A15AC}"/>
+              </a:ext>
+            </a:extLst>
+          </p:cNvPr>
+          <p:cNvSpPr txBox="1"/>
+          <p:nvPr/>
+        </p:nvSpPr>
+        <p:spPr>
+          <a:xfrm>
+            <a:off x="6493299" y="3578569"/>
+            <a:ext cx="385011" cy="369332"/>
+          </a:xfrm>
+          <a:prstGeom prst="rect">
+            <a:avLst/>
+          </a:prstGeom>
+          <a:noFill/>
+        </p:spPr>
+        <p:txBody>
+          <a:bodyPr wrap="square" rtlCol="0">
+            <a:spAutoFit/>
+          </a:bodyPr>
+          <a:lstStyle/>
+          <a:p>
+            <a:r>
+              <a:rPr lang="en-US" dirty="0"/>
+              <a:t>4</a:t>
+            </a:r>
+            <a:endParaRPr lang="en-ID" dirty="0"/>
+          </a:p>
+        </p:txBody>
+      </p:sp>
+      <p:sp>
+        <p:nvSpPr>
+          <p:cNvPr id="57" name="TextBox 56">
+            <a:extLst>
+              <a:ext uri="{FF2B5EF4-FFF2-40B4-BE49-F238E27FC236}">
+                <a16:creationId xmlns:a16="http://schemas.microsoft.com/office/drawing/2014/main" id="{52DFBC5D-18D6-4637-A6D7-8DA4DDFD6D11}"/>
+              </a:ext>
+            </a:extLst>
+          </p:cNvPr>
+          <p:cNvSpPr txBox="1"/>
+          <p:nvPr/>
+        </p:nvSpPr>
+        <p:spPr>
+          <a:xfrm>
+            <a:off x="775281" y="2452653"/>
+            <a:ext cx="535057" cy="369332"/>
+          </a:xfrm>
+          <a:prstGeom prst="rect">
+            <a:avLst/>
+          </a:prstGeom>
+          <a:noFill/>
+        </p:spPr>
+        <p:txBody>
+          <a:bodyPr wrap="square" rtlCol="0">
+            <a:spAutoFit/>
+          </a:bodyPr>
+          <a:lstStyle/>
+          <a:p>
+            <a:r>
+              <a:rPr lang="en-US" dirty="0"/>
+              <a:t>low</a:t>
+            </a:r>
+            <a:endParaRPr lang="en-ID" dirty="0"/>
+          </a:p>
+        </p:txBody>
+      </p:sp>
+      <p:sp>
+        <p:nvSpPr>
+          <p:cNvPr id="58" name="TextBox 57">
+            <a:extLst>
+              <a:ext uri="{FF2B5EF4-FFF2-40B4-BE49-F238E27FC236}">
+                <a16:creationId xmlns:a16="http://schemas.microsoft.com/office/drawing/2014/main" id="{9AE4986D-D48F-4A5C-860F-667109640AB9}"/>
+              </a:ext>
+            </a:extLst>
+          </p:cNvPr>
+          <p:cNvSpPr txBox="1"/>
+          <p:nvPr/>
+        </p:nvSpPr>
+        <p:spPr>
+          <a:xfrm>
+            <a:off x="6402423" y="2452653"/>
+            <a:ext cx="859972" cy="369332"/>
+          </a:xfrm>
+          <a:prstGeom prst="rect">
+            <a:avLst/>
+          </a:prstGeom>
+          <a:noFill/>
+        </p:spPr>
+        <p:txBody>
+          <a:bodyPr wrap="square" rtlCol="0">
+            <a:spAutoFit/>
+          </a:bodyPr>
+          <a:lstStyle/>
+          <a:p>
+            <a:r>
+              <a:rPr lang="en-US" dirty="0"/>
+              <a:t>high</a:t>
+            </a:r>
+            <a:endParaRPr lang="en-ID" dirty="0"/>
+          </a:p>
+        </p:txBody>
+      </p:sp>
+    </p:spTree>
+    <p:extLst>
+      <p:ext uri="{BB962C8B-B14F-4D97-AF65-F5344CB8AC3E}">
+        <p14:creationId xmlns:p14="http://schemas.microsoft.com/office/powerpoint/2010/main" val="2097570405"/>
+      </p:ext>
+    </p:extLst>
+  </p:cSld>
+  <p:clrMapOvr>
+    <a:masterClrMapping/>
+  </p:clrMapOvr>
+</p:sld>
+</file>
+
+<file path=ppt/slides/slide3.xml><?xml version="1.0" encoding="utf-8"?>
+<p:sld xmlns:a="http://schemas.openxmlformats.org/drawingml/2006/main" xmlns:r="http://schemas.openxmlformats.org/officeDocument/2006/relationships" xmlns:p="http://schemas.openxmlformats.org/presentationml/2006/main">
+  <p:cSld>
+    <p:spTree>
+      <p:nvGrpSpPr>
+        <p:cNvPr id="1" name=""/>
+        <p:cNvGrpSpPr/>
+        <p:nvPr/>
+      </p:nvGrpSpPr>
+      <p:grpSpPr>
+        <a:xfrm>
+          <a:off x="0" y="0"/>
+          <a:ext cx="0" cy="0"/>
+          <a:chOff x="0" y="0"/>
+          <a:chExt cx="0" cy="0"/>
+        </a:xfrm>
+      </p:grpSpPr>
+      <p:sp>
+        <p:nvSpPr>
+          <p:cNvPr id="5" name="Rectangle 4">
+            <a:extLst>
+              <a:ext uri="{FF2B5EF4-FFF2-40B4-BE49-F238E27FC236}">
+                <a16:creationId xmlns:a16="http://schemas.microsoft.com/office/drawing/2014/main" id="{F00F777B-86B4-46F7-A9D7-3670725639FC}"/>
+              </a:ext>
+            </a:extLst>
+          </p:cNvPr>
+          <p:cNvSpPr/>
+          <p:nvPr/>
+        </p:nvSpPr>
+        <p:spPr>
+          <a:xfrm>
+            <a:off x="6280865" y="6313713"/>
+            <a:ext cx="847626" cy="1088573"/>
+          </a:xfrm>
+          <a:prstGeom prst="rect">
+            <a:avLst/>
+          </a:prstGeom>
+        </p:spPr>
+        <p:style>
+          <a:lnRef idx="2">
+            <a:schemeClr val="accent1">
+              <a:shade val="50000"/>
+            </a:schemeClr>
+          </a:lnRef>
+          <a:fillRef idx="1">
+            <a:schemeClr val="accent1"/>
+          </a:fillRef>
+          <a:effectRef idx="0">
+            <a:schemeClr val="accent1"/>
+          </a:effectRef>
+          <a:fontRef idx="minor">
+            <a:schemeClr val="lt1"/>
+          </a:fontRef>
+        </p:style>
+        <p:txBody>
+          <a:bodyPr rtlCol="0" anchor="ctr"/>
+          <a:lstStyle/>
+          <a:p>
+            <a:pPr algn="ctr"/>
+            <a:r>
+              <a:rPr lang="en-US" dirty="0"/>
+              <a:t>low</a:t>
+            </a:r>
+            <a:endParaRPr lang="en-ID" dirty="0"/>
+          </a:p>
+        </p:txBody>
+      </p:sp>
+      <p:sp>
+        <p:nvSpPr>
+          <p:cNvPr id="55" name="Rectangle 54">
+            <a:extLst>
+              <a:ext uri="{FF2B5EF4-FFF2-40B4-BE49-F238E27FC236}">
+                <a16:creationId xmlns:a16="http://schemas.microsoft.com/office/drawing/2014/main" id="{5FF2746E-B220-449A-8138-159E1D6DC346}"/>
+              </a:ext>
+            </a:extLst>
+          </p:cNvPr>
+          <p:cNvSpPr/>
+          <p:nvPr/>
+        </p:nvSpPr>
+        <p:spPr>
+          <a:xfrm>
+            <a:off x="9249887" y="513504"/>
+            <a:ext cx="2323204" cy="5123419"/>
+          </a:xfrm>
+          <a:prstGeom prst="rect">
+            <a:avLst/>
+          </a:prstGeom>
+        </p:spPr>
+        <p:style>
+          <a:lnRef idx="2">
+            <a:schemeClr val="accent1">
+              <a:shade val="50000"/>
+            </a:schemeClr>
+          </a:lnRef>
+          <a:fillRef idx="1">
+            <a:schemeClr val="accent1"/>
+          </a:fillRef>
+          <a:effectRef idx="0">
+            <a:schemeClr val="accent1"/>
+          </a:effectRef>
+          <a:fontRef idx="minor">
+            <a:schemeClr val="lt1"/>
+          </a:fontRef>
+        </p:style>
+        <p:txBody>
+          <a:bodyPr rtlCol="0" anchor="ctr"/>
+          <a:lstStyle/>
+          <a:p>
+            <a:r>
+              <a:rPr lang="en-US" dirty="0" err="1"/>
+              <a:t>Selama</a:t>
+            </a:r>
+            <a:r>
+              <a:rPr lang="en-US" dirty="0"/>
+              <a:t> 340 &lt; 355 dan 408 &gt; 355</a:t>
+            </a:r>
+          </a:p>
+          <a:p>
+            <a:r>
+              <a:rPr lang="en-US" dirty="0"/>
+              <a:t>Pos = (355-340)*(4-0)/(408-340) + 0 = 0.8823 ~ 0</a:t>
+            </a:r>
+          </a:p>
+          <a:p>
+            <a:r>
+              <a:rPr lang="en-US" dirty="0"/>
+              <a:t>340 &lt; 355, </a:t>
+            </a:r>
+            <a:r>
+              <a:rPr lang="en-US" dirty="0" err="1"/>
+              <a:t>maka</a:t>
+            </a:r>
+            <a:r>
+              <a:rPr lang="en-US" dirty="0"/>
+              <a:t> low = 0 + 1</a:t>
+            </a:r>
+          </a:p>
+          <a:p>
+            <a:endParaRPr lang="en-US" dirty="0"/>
+          </a:p>
+          <a:p>
+            <a:r>
+              <a:rPr lang="en-US" dirty="0" err="1"/>
+              <a:t>Selama</a:t>
+            </a:r>
+            <a:r>
+              <a:rPr lang="en-US" dirty="0"/>
+              <a:t> 353 &lt; 355 dan 408 &gt; 355</a:t>
+            </a:r>
+          </a:p>
+          <a:p>
+            <a:r>
+              <a:rPr lang="en-US" dirty="0"/>
+              <a:t>Pos = (355-353)*(4-0)/(408-353) + 1 = 1.109 ~ 1</a:t>
+            </a:r>
+          </a:p>
+          <a:p>
+            <a:endParaRPr lang="en-US" dirty="0"/>
+          </a:p>
+          <a:p>
+            <a:r>
+              <a:rPr lang="en-US" dirty="0"/>
+              <a:t>List di index 1 == 355 == key</a:t>
+            </a:r>
+          </a:p>
+          <a:p>
+            <a:r>
+              <a:rPr lang="en-US" dirty="0" err="1"/>
+              <a:t>Ditemukan</a:t>
+            </a:r>
+            <a:r>
+              <a:rPr lang="en-US" dirty="0"/>
+              <a:t>!</a:t>
+            </a:r>
+          </a:p>
+          <a:p>
+            <a:endParaRPr lang="en-US" dirty="0"/>
+          </a:p>
+        </p:txBody>
+      </p:sp>
+      <p:sp>
+        <p:nvSpPr>
+          <p:cNvPr id="35" name="Rectangle 34">
+            <a:extLst>
+              <a:ext uri="{FF2B5EF4-FFF2-40B4-BE49-F238E27FC236}">
+                <a16:creationId xmlns:a16="http://schemas.microsoft.com/office/drawing/2014/main" id="{308BB4BE-9620-420A-B824-464E6EB9B4AF}"/>
+              </a:ext>
+            </a:extLst>
+          </p:cNvPr>
+          <p:cNvSpPr/>
+          <p:nvPr/>
+        </p:nvSpPr>
+        <p:spPr>
+          <a:xfrm>
+            <a:off x="618909" y="3075214"/>
+            <a:ext cx="859972" cy="707571"/>
+          </a:xfrm>
+          <a:prstGeom prst="rect">
+            <a:avLst/>
+          </a:prstGeom>
+          <a:solidFill>
+            <a:schemeClr val="bg1"/>
+          </a:solidFill>
+          <a:ln w="38100">
+            <a:solidFill>
+              <a:schemeClr val="bg1">
+                <a:lumMod val="65000"/>
+              </a:schemeClr>
+            </a:solidFill>
+          </a:ln>
+        </p:spPr>
+        <p:style>
+          <a:lnRef idx="2">
+            <a:schemeClr val="accent1">
+              <a:shade val="50000"/>
+            </a:schemeClr>
+          </a:lnRef>
+          <a:fillRef idx="1">
+            <a:schemeClr val="accent1"/>
+          </a:fillRef>
+          <a:effectRef idx="0">
+            <a:schemeClr val="accent1"/>
+          </a:effectRef>
+          <a:fontRef idx="minor">
+            <a:schemeClr val="lt1"/>
+          </a:fontRef>
+        </p:style>
+        <p:txBody>
+          <a:bodyPr rtlCol="0" anchor="ctr"/>
+          <a:lstStyle/>
+          <a:p>
+            <a:pPr algn="ctr"/>
+            <a:r>
+              <a:rPr lang="en-US" dirty="0">
+                <a:solidFill>
+                  <a:schemeClr val="tx1"/>
+                </a:solidFill>
+              </a:rPr>
+              <a:t>340</a:t>
+            </a:r>
+            <a:endParaRPr lang="en-ID" dirty="0">
+              <a:solidFill>
+                <a:schemeClr val="tx1"/>
+              </a:solidFill>
+            </a:endParaRPr>
+          </a:p>
+        </p:txBody>
+      </p:sp>
+      <p:sp>
+        <p:nvSpPr>
+          <p:cNvPr id="36" name="Rectangle 35">
+            <a:extLst>
+              <a:ext uri="{FF2B5EF4-FFF2-40B4-BE49-F238E27FC236}">
+                <a16:creationId xmlns:a16="http://schemas.microsoft.com/office/drawing/2014/main" id="{50FD95DD-8F6E-4B38-88F2-F31D0007026F}"/>
+              </a:ext>
+            </a:extLst>
+          </p:cNvPr>
+          <p:cNvSpPr/>
+          <p:nvPr/>
+        </p:nvSpPr>
+        <p:spPr>
+          <a:xfrm>
+            <a:off x="2040879" y="3057849"/>
+            <a:ext cx="859972" cy="707571"/>
+          </a:xfrm>
+          <a:prstGeom prst="rect">
+            <a:avLst/>
+          </a:prstGeom>
+          <a:solidFill>
+            <a:schemeClr val="bg1"/>
+          </a:solidFill>
+          <a:ln w="38100">
+            <a:solidFill>
+              <a:schemeClr val="tx1"/>
+            </a:solidFill>
+          </a:ln>
+        </p:spPr>
+        <p:style>
+          <a:lnRef idx="2">
+            <a:schemeClr val="accent1">
+              <a:shade val="50000"/>
+            </a:schemeClr>
+          </a:lnRef>
+          <a:fillRef idx="1">
+            <a:schemeClr val="accent1"/>
+          </a:fillRef>
+          <a:effectRef idx="0">
+            <a:schemeClr val="accent1"/>
+          </a:effectRef>
+          <a:fontRef idx="minor">
+            <a:schemeClr val="lt1"/>
+          </a:fontRef>
+        </p:style>
+        <p:txBody>
+          <a:bodyPr rtlCol="0" anchor="ctr"/>
+          <a:lstStyle/>
+          <a:p>
+            <a:pPr algn="ctr"/>
+            <a:r>
+              <a:rPr lang="en-US" dirty="0">
+                <a:solidFill>
+                  <a:schemeClr val="tx1"/>
+                </a:solidFill>
+              </a:rPr>
+              <a:t>353</a:t>
+            </a:r>
+            <a:endParaRPr lang="en-ID" dirty="0">
+              <a:solidFill>
+                <a:schemeClr val="tx1"/>
+              </a:solidFill>
+            </a:endParaRPr>
+          </a:p>
+        </p:txBody>
+      </p:sp>
+      <p:sp>
+        <p:nvSpPr>
+          <p:cNvPr id="37" name="Rectangle 36">
+            <a:extLst>
+              <a:ext uri="{FF2B5EF4-FFF2-40B4-BE49-F238E27FC236}">
+                <a16:creationId xmlns:a16="http://schemas.microsoft.com/office/drawing/2014/main" id="{0B8BB5E6-633F-450A-BE20-AA04364354AE}"/>
+              </a:ext>
+            </a:extLst>
+          </p:cNvPr>
+          <p:cNvSpPr/>
+          <p:nvPr/>
+        </p:nvSpPr>
+        <p:spPr>
+          <a:xfrm>
+            <a:off x="3485243" y="3057849"/>
+            <a:ext cx="859972" cy="707571"/>
+          </a:xfrm>
+          <a:prstGeom prst="rect">
+            <a:avLst/>
+          </a:prstGeom>
+          <a:solidFill>
+            <a:schemeClr val="bg1"/>
+          </a:solidFill>
+          <a:ln w="38100">
+            <a:solidFill>
+              <a:srgbClr val="00B050"/>
+            </a:solidFill>
+          </a:ln>
+        </p:spPr>
+        <p:style>
+          <a:lnRef idx="2">
+            <a:schemeClr val="accent1">
+              <a:shade val="50000"/>
+            </a:schemeClr>
+          </a:lnRef>
+          <a:fillRef idx="1">
+            <a:schemeClr val="accent1"/>
+          </a:fillRef>
+          <a:effectRef idx="0">
+            <a:schemeClr val="accent1"/>
+          </a:effectRef>
+          <a:fontRef idx="minor">
+            <a:schemeClr val="lt1"/>
+          </a:fontRef>
+        </p:style>
+        <p:txBody>
+          <a:bodyPr rtlCol="0" anchor="ctr"/>
+          <a:lstStyle/>
+          <a:p>
+            <a:pPr algn="ctr"/>
+            <a:r>
+              <a:rPr lang="en-US" dirty="0">
+                <a:solidFill>
+                  <a:schemeClr val="tx1"/>
+                </a:solidFill>
+              </a:rPr>
+              <a:t>355</a:t>
+            </a:r>
+            <a:endParaRPr lang="en-ID" dirty="0">
+              <a:solidFill>
+                <a:schemeClr val="tx1"/>
+              </a:solidFill>
+            </a:endParaRPr>
+          </a:p>
+        </p:txBody>
+      </p:sp>
+      <p:sp>
+        <p:nvSpPr>
+          <p:cNvPr id="38" name="Rectangle 37">
+            <a:extLst>
+              <a:ext uri="{FF2B5EF4-FFF2-40B4-BE49-F238E27FC236}">
+                <a16:creationId xmlns:a16="http://schemas.microsoft.com/office/drawing/2014/main" id="{95CFF507-FB24-4BCB-8140-43A9B85DDB85}"/>
+              </a:ext>
+            </a:extLst>
+          </p:cNvPr>
+          <p:cNvSpPr/>
+          <p:nvPr/>
+        </p:nvSpPr>
+        <p:spPr>
+          <a:xfrm>
+            <a:off x="4929607" y="3057849"/>
+            <a:ext cx="859972" cy="707571"/>
+          </a:xfrm>
+          <a:prstGeom prst="rect">
+            <a:avLst/>
+          </a:prstGeom>
+          <a:solidFill>
+            <a:schemeClr val="bg1"/>
+          </a:solidFill>
+          <a:ln w="38100">
+            <a:solidFill>
+              <a:schemeClr val="tx1"/>
+            </a:solidFill>
+          </a:ln>
+        </p:spPr>
+        <p:style>
+          <a:lnRef idx="2">
+            <a:schemeClr val="accent1">
+              <a:shade val="50000"/>
+            </a:schemeClr>
+          </a:lnRef>
+          <a:fillRef idx="1">
+            <a:schemeClr val="accent1"/>
+          </a:fillRef>
+          <a:effectRef idx="0">
+            <a:schemeClr val="accent1"/>
+          </a:effectRef>
+          <a:fontRef idx="minor">
+            <a:schemeClr val="lt1"/>
+          </a:fontRef>
+        </p:style>
+        <p:txBody>
+          <a:bodyPr rtlCol="0" anchor="ctr"/>
+          <a:lstStyle/>
+          <a:p>
+            <a:pPr algn="ctr"/>
+            <a:r>
+              <a:rPr lang="en-US" dirty="0">
+                <a:solidFill>
+                  <a:schemeClr val="tx1"/>
+                </a:solidFill>
+              </a:rPr>
+              <a:t>389</a:t>
+            </a:r>
+            <a:endParaRPr lang="en-ID" dirty="0">
+              <a:solidFill>
+                <a:schemeClr val="tx1"/>
+              </a:solidFill>
+            </a:endParaRPr>
+          </a:p>
+        </p:txBody>
+      </p:sp>
+      <p:sp>
+        <p:nvSpPr>
+          <p:cNvPr id="39" name="Rectangle 38">
+            <a:extLst>
+              <a:ext uri="{FF2B5EF4-FFF2-40B4-BE49-F238E27FC236}">
+                <a16:creationId xmlns:a16="http://schemas.microsoft.com/office/drawing/2014/main" id="{2ADA7AFF-92F9-4A33-802E-02BB9432EA78}"/>
+              </a:ext>
+            </a:extLst>
+          </p:cNvPr>
+          <p:cNvSpPr/>
+          <p:nvPr/>
+        </p:nvSpPr>
+        <p:spPr>
+          <a:xfrm>
+            <a:off x="6268519" y="3075214"/>
+            <a:ext cx="859972" cy="707571"/>
+          </a:xfrm>
+          <a:prstGeom prst="rect">
+            <a:avLst/>
+          </a:prstGeom>
+          <a:solidFill>
+            <a:schemeClr val="bg1"/>
+          </a:solidFill>
+          <a:ln w="38100">
+            <a:solidFill>
+              <a:schemeClr val="tx1"/>
+            </a:solidFill>
+          </a:ln>
+        </p:spPr>
+        <p:style>
+          <a:lnRef idx="2">
+            <a:schemeClr val="accent1">
+              <a:shade val="50000"/>
+            </a:schemeClr>
+          </a:lnRef>
+          <a:fillRef idx="1">
+            <a:schemeClr val="accent1"/>
+          </a:fillRef>
+          <a:effectRef idx="0">
+            <a:schemeClr val="accent1"/>
+          </a:effectRef>
+          <a:fontRef idx="minor">
+            <a:schemeClr val="lt1"/>
+          </a:fontRef>
+        </p:style>
+        <p:txBody>
+          <a:bodyPr rtlCol="0" anchor="ctr"/>
+          <a:lstStyle/>
+          <a:p>
+            <a:pPr algn="ctr"/>
+            <a:r>
+              <a:rPr lang="en-US" dirty="0">
+                <a:solidFill>
+                  <a:schemeClr val="tx1"/>
+                </a:solidFill>
+              </a:rPr>
+              <a:t>408</a:t>
+            </a:r>
+            <a:endParaRPr lang="en-ID" dirty="0">
+              <a:solidFill>
+                <a:schemeClr val="tx1"/>
+              </a:solidFill>
+            </a:endParaRPr>
+          </a:p>
+        </p:txBody>
+      </p:sp>
+      <p:pic>
+        <p:nvPicPr>
+          <p:cNvPr id="15" name="Picture 14">
+            <a:extLst>
+              <a:ext uri="{FF2B5EF4-FFF2-40B4-BE49-F238E27FC236}">
+                <a16:creationId xmlns:a16="http://schemas.microsoft.com/office/drawing/2014/main" id="{80B94733-3655-4BE6-8FB6-D79F890E6060}"/>
+              </a:ext>
+            </a:extLst>
+          </p:cNvPr>
+          <p:cNvPicPr>
+            <a:picLocks noChangeAspect="1"/>
+          </p:cNvPicPr>
+          <p:nvPr/>
+        </p:nvPicPr>
+        <p:blipFill>
+          <a:blip r:embed="rId2"/>
+          <a:stretch>
+            <a:fillRect/>
+          </a:stretch>
+        </p:blipFill>
+        <p:spPr>
+          <a:xfrm>
+            <a:off x="1772719" y="566375"/>
+            <a:ext cx="3702050" cy="895350"/>
+          </a:xfrm>
+          <a:prstGeom prst="rect">
+            <a:avLst/>
+          </a:prstGeom>
+        </p:spPr>
+      </p:pic>
+      <p:sp>
+        <p:nvSpPr>
+          <p:cNvPr id="21" name="Rectangle 20">
+            <a:extLst>
+              <a:ext uri="{FF2B5EF4-FFF2-40B4-BE49-F238E27FC236}">
+                <a16:creationId xmlns:a16="http://schemas.microsoft.com/office/drawing/2014/main" id="{FD3B313E-251A-4DC3-A158-E07E074B2210}"/>
+              </a:ext>
+            </a:extLst>
+          </p:cNvPr>
+          <p:cNvSpPr/>
+          <p:nvPr/>
+        </p:nvSpPr>
+        <p:spPr>
+          <a:xfrm>
+            <a:off x="6254329" y="4082470"/>
+            <a:ext cx="847626" cy="1088573"/>
+          </a:xfrm>
+          <a:prstGeom prst="rect">
+            <a:avLst/>
+          </a:prstGeom>
+        </p:spPr>
+        <p:style>
+          <a:lnRef idx="2">
+            <a:schemeClr val="accent1">
+              <a:shade val="50000"/>
+            </a:schemeClr>
+          </a:lnRef>
+          <a:fillRef idx="1">
+            <a:schemeClr val="accent1"/>
+          </a:fillRef>
+          <a:effectRef idx="0">
+            <a:schemeClr val="accent1"/>
+          </a:effectRef>
+          <a:fontRef idx="minor">
+            <a:schemeClr val="lt1"/>
+          </a:fontRef>
+        </p:style>
+        <p:txBody>
+          <a:bodyPr rtlCol="0" anchor="ctr"/>
+          <a:lstStyle/>
+          <a:p>
+            <a:pPr algn="ctr"/>
+            <a:r>
+              <a:rPr lang="en-US" dirty="0"/>
+              <a:t>high</a:t>
+            </a:r>
+            <a:endParaRPr lang="en-ID" dirty="0"/>
+          </a:p>
+        </p:txBody>
+      </p:sp>
+      <p:sp>
+        <p:nvSpPr>
+          <p:cNvPr id="23" name="TextBox 22">
+            <a:extLst>
+              <a:ext uri="{FF2B5EF4-FFF2-40B4-BE49-F238E27FC236}">
+                <a16:creationId xmlns:a16="http://schemas.microsoft.com/office/drawing/2014/main" id="{E923424B-52BC-4F32-846D-B7C7F6F4DC1D}"/>
+              </a:ext>
+            </a:extLst>
+          </p:cNvPr>
+          <p:cNvSpPr txBox="1"/>
+          <p:nvPr/>
+        </p:nvSpPr>
+        <p:spPr>
+          <a:xfrm>
+            <a:off x="7172950" y="5452257"/>
+            <a:ext cx="385011" cy="369332"/>
+          </a:xfrm>
+          <a:prstGeom prst="rect">
+            <a:avLst/>
+          </a:prstGeom>
+          <a:noFill/>
+        </p:spPr>
+        <p:txBody>
+          <a:bodyPr wrap="square" rtlCol="0">
+            <a:spAutoFit/>
+          </a:bodyPr>
+          <a:lstStyle/>
+          <a:p>
+            <a:r>
+              <a:rPr lang="en-US" dirty="0"/>
+              <a:t>0</a:t>
+            </a:r>
+            <a:endParaRPr lang="en-ID" dirty="0"/>
+          </a:p>
+        </p:txBody>
+      </p:sp>
+    </p:spTree>
+    <p:extLst>
+      <p:ext uri="{BB962C8B-B14F-4D97-AF65-F5344CB8AC3E}">
+        <p14:creationId xmlns:p14="http://schemas.microsoft.com/office/powerpoint/2010/main" val="1383063658"/>
+      </p:ext>
+    </p:extLst>
+  </p:cSld>
+  <p:clrMapOvr>
+    <a:masterClrMapping/>
+  </p:clrMapOvr>
+</p:sld>
+</file>
+
+<file path=ppt/slides/slide4.xml><?xml version="1.0" encoding="utf-8"?>
+<p:sld xmlns:a="http://schemas.openxmlformats.org/drawingml/2006/main" xmlns:r="http://schemas.openxmlformats.org/officeDocument/2006/relationships" xmlns:p="http://schemas.openxmlformats.org/presentationml/2006/main">
+  <p:cSld>
+    <p:spTree>
+      <p:nvGrpSpPr>
+        <p:cNvPr id="1" name=""/>
+        <p:cNvGrpSpPr/>
+        <p:nvPr/>
+      </p:nvGrpSpPr>
+      <p:grpSpPr>
+        <a:xfrm>
+          <a:off x="0" y="0"/>
+          <a:ext cx="0" cy="0"/>
+          <a:chOff x="0" y="0"/>
+          <a:chExt cx="0" cy="0"/>
+        </a:xfrm>
+      </p:grpSpPr>
+      <p:sp>
+        <p:nvSpPr>
+          <p:cNvPr id="5" name="Rectangle 4">
+            <a:extLst>
+              <a:ext uri="{FF2B5EF4-FFF2-40B4-BE49-F238E27FC236}">
+                <a16:creationId xmlns:a16="http://schemas.microsoft.com/office/drawing/2014/main" id="{F00F777B-86B4-46F7-A9D7-3670725639FC}"/>
+              </a:ext>
+            </a:extLst>
+          </p:cNvPr>
+          <p:cNvSpPr/>
+          <p:nvPr/>
+        </p:nvSpPr>
+        <p:spPr>
+          <a:xfrm>
+            <a:off x="7462702" y="4772817"/>
+            <a:ext cx="2231572" cy="1088573"/>
+          </a:xfrm>
+          <a:prstGeom prst="rect">
+            <a:avLst/>
+          </a:prstGeom>
+        </p:spPr>
+        <p:style>
+          <a:lnRef idx="2">
+            <a:schemeClr val="accent1">
+              <a:shade val="50000"/>
+            </a:schemeClr>
+          </a:lnRef>
+          <a:fillRef idx="1">
+            <a:schemeClr val="accent1"/>
+          </a:fillRef>
+          <a:effectRef idx="0">
+            <a:schemeClr val="accent1"/>
+          </a:effectRef>
+          <a:fontRef idx="minor">
+            <a:schemeClr val="lt1"/>
+          </a:fontRef>
+        </p:style>
+        <p:txBody>
+          <a:bodyPr rtlCol="0" anchor="ctr"/>
+          <a:lstStyle/>
+          <a:p>
+            <a:pPr algn="ctr"/>
+            <a:r>
+              <a:rPr lang="en-US" dirty="0"/>
+              <a:t>Data </a:t>
+            </a:r>
+            <a:r>
+              <a:rPr lang="en-US" dirty="0" err="1"/>
+              <a:t>awal</a:t>
+            </a:r>
+            <a:endParaRPr lang="en-ID" dirty="0"/>
+          </a:p>
+        </p:txBody>
+      </p:sp>
+      <p:sp>
+        <p:nvSpPr>
+          <p:cNvPr id="55" name="Rectangle 54">
+            <a:extLst>
+              <a:ext uri="{FF2B5EF4-FFF2-40B4-BE49-F238E27FC236}">
+                <a16:creationId xmlns:a16="http://schemas.microsoft.com/office/drawing/2014/main" id="{5FF2746E-B220-449A-8138-159E1D6DC346}"/>
+              </a:ext>
+            </a:extLst>
+          </p:cNvPr>
+          <p:cNvSpPr/>
+          <p:nvPr/>
+        </p:nvSpPr>
+        <p:spPr>
+          <a:xfrm>
+            <a:off x="4713707" y="2879608"/>
+            <a:ext cx="5072199" cy="2929611"/>
+          </a:xfrm>
+          <a:prstGeom prst="rect">
+            <a:avLst/>
+          </a:prstGeom>
+        </p:spPr>
+        <p:style>
+          <a:lnRef idx="2">
+            <a:schemeClr val="accent1">
+              <a:shade val="50000"/>
+            </a:schemeClr>
+          </a:lnRef>
+          <a:fillRef idx="1">
+            <a:schemeClr val="accent1"/>
+          </a:fillRef>
+          <a:effectRef idx="0">
+            <a:schemeClr val="accent1"/>
+          </a:effectRef>
+          <a:fontRef idx="minor">
+            <a:schemeClr val="lt1"/>
+          </a:fontRef>
+        </p:style>
+        <p:txBody>
+          <a:bodyPr rtlCol="0" anchor="ctr"/>
+          <a:lstStyle/>
+          <a:p>
+            <a:r>
+              <a:rPr lang="en-US" dirty="0" err="1"/>
+              <a:t>Selama</a:t>
+            </a:r>
+            <a:r>
+              <a:rPr lang="en-US" dirty="0"/>
+              <a:t> 340 &lt; 355 dan 408 &gt; 355</a:t>
+            </a:r>
+          </a:p>
+          <a:p>
+            <a:r>
+              <a:rPr lang="en-US" dirty="0"/>
+              <a:t>Pos = (355-340)*(4-0)/(408-340) + 0 = 0.8823 ~ 0</a:t>
+            </a:r>
+          </a:p>
+          <a:p>
+            <a:r>
+              <a:rPr lang="en-US" dirty="0"/>
+              <a:t>340 &lt; 355, </a:t>
+            </a:r>
+            <a:r>
+              <a:rPr lang="en-US" dirty="0" err="1"/>
+              <a:t>maka</a:t>
+            </a:r>
+            <a:r>
+              <a:rPr lang="en-US" dirty="0"/>
+              <a:t> low = 0 + 1</a:t>
+            </a:r>
+          </a:p>
+          <a:p>
+            <a:endParaRPr lang="en-US" dirty="0"/>
+          </a:p>
+          <a:p>
+            <a:r>
+              <a:rPr lang="en-US" dirty="0" err="1"/>
+              <a:t>Selama</a:t>
+            </a:r>
+            <a:r>
+              <a:rPr lang="en-US" dirty="0"/>
+              <a:t> 353 &lt; 355 dan 408 &gt; 355</a:t>
+            </a:r>
+          </a:p>
+          <a:p>
+            <a:r>
+              <a:rPr lang="en-US" dirty="0"/>
+              <a:t>Pos = (355-353)*(4-0)/(408-353) + 1 = 1.109 ~ 1</a:t>
+            </a:r>
+          </a:p>
+          <a:p>
+            <a:endParaRPr lang="en-US" dirty="0"/>
+          </a:p>
+          <a:p>
+            <a:r>
+              <a:rPr lang="en-US" dirty="0"/>
+              <a:t>List di index 1 == 355 == key</a:t>
+            </a:r>
+          </a:p>
+          <a:p>
+            <a:r>
+              <a:rPr lang="en-US" dirty="0" err="1"/>
+              <a:t>Ditemukan</a:t>
+            </a:r>
+            <a:r>
+              <a:rPr lang="en-US" dirty="0"/>
+              <a:t>!</a:t>
+            </a:r>
+          </a:p>
+          <a:p>
+            <a:endParaRPr lang="en-US" dirty="0"/>
+          </a:p>
+        </p:txBody>
+      </p:sp>
+      <p:sp>
+        <p:nvSpPr>
+          <p:cNvPr id="35" name="Rectangle 34">
+            <a:extLst>
+              <a:ext uri="{FF2B5EF4-FFF2-40B4-BE49-F238E27FC236}">
+                <a16:creationId xmlns:a16="http://schemas.microsoft.com/office/drawing/2014/main" id="{308BB4BE-9620-420A-B824-464E6EB9B4AF}"/>
+              </a:ext>
+            </a:extLst>
+          </p:cNvPr>
+          <p:cNvSpPr/>
+          <p:nvPr/>
+        </p:nvSpPr>
+        <p:spPr>
+          <a:xfrm>
+            <a:off x="403009" y="582850"/>
+            <a:ext cx="859972" cy="707571"/>
+          </a:xfrm>
+          <a:prstGeom prst="rect">
+            <a:avLst/>
+          </a:prstGeom>
+          <a:solidFill>
+            <a:schemeClr val="bg1"/>
+          </a:solidFill>
+          <a:ln w="38100">
+            <a:solidFill>
+              <a:schemeClr val="tx1"/>
+            </a:solidFill>
+          </a:ln>
+        </p:spPr>
+        <p:style>
+          <a:lnRef idx="2">
+            <a:schemeClr val="accent1">
+              <a:shade val="50000"/>
+            </a:schemeClr>
+          </a:lnRef>
+          <a:fillRef idx="1">
+            <a:schemeClr val="accent1"/>
+          </a:fillRef>
+          <a:effectRef idx="0">
+            <a:schemeClr val="accent1"/>
+          </a:effectRef>
+          <a:fontRef idx="minor">
+            <a:schemeClr val="lt1"/>
+          </a:fontRef>
+        </p:style>
+        <p:txBody>
+          <a:bodyPr rtlCol="0" anchor="ctr"/>
+          <a:lstStyle/>
+          <a:p>
+            <a:pPr algn="ctr"/>
+            <a:r>
+              <a:rPr lang="en-US" dirty="0">
+                <a:solidFill>
+                  <a:schemeClr val="tx1"/>
+                </a:solidFill>
+              </a:rPr>
+              <a:t>340</a:t>
+            </a:r>
+            <a:endParaRPr lang="en-ID" dirty="0">
+              <a:solidFill>
+                <a:schemeClr val="tx1"/>
+              </a:solidFill>
+            </a:endParaRPr>
+          </a:p>
+        </p:txBody>
+      </p:sp>
+      <p:sp>
+        <p:nvSpPr>
+          <p:cNvPr id="36" name="Rectangle 35">
+            <a:extLst>
+              <a:ext uri="{FF2B5EF4-FFF2-40B4-BE49-F238E27FC236}">
+                <a16:creationId xmlns:a16="http://schemas.microsoft.com/office/drawing/2014/main" id="{50FD95DD-8F6E-4B38-88F2-F31D0007026F}"/>
+              </a:ext>
+            </a:extLst>
+          </p:cNvPr>
+          <p:cNvSpPr/>
+          <p:nvPr/>
+        </p:nvSpPr>
+        <p:spPr>
+          <a:xfrm>
+            <a:off x="1824979" y="565485"/>
+            <a:ext cx="859972" cy="707571"/>
+          </a:xfrm>
+          <a:prstGeom prst="rect">
+            <a:avLst/>
+          </a:prstGeom>
+          <a:solidFill>
+            <a:schemeClr val="bg1"/>
+          </a:solidFill>
+          <a:ln w="38100">
+            <a:solidFill>
+              <a:schemeClr val="tx1"/>
+            </a:solidFill>
+          </a:ln>
+        </p:spPr>
+        <p:style>
+          <a:lnRef idx="2">
+            <a:schemeClr val="accent1">
+              <a:shade val="50000"/>
+            </a:schemeClr>
+          </a:lnRef>
+          <a:fillRef idx="1">
+            <a:schemeClr val="accent1"/>
+          </a:fillRef>
+          <a:effectRef idx="0">
+            <a:schemeClr val="accent1"/>
+          </a:effectRef>
+          <a:fontRef idx="minor">
+            <a:schemeClr val="lt1"/>
+          </a:fontRef>
+        </p:style>
+        <p:txBody>
+          <a:bodyPr rtlCol="0" anchor="ctr"/>
+          <a:lstStyle/>
+          <a:p>
+            <a:pPr algn="ctr"/>
+            <a:r>
+              <a:rPr lang="en-US" dirty="0">
+                <a:solidFill>
+                  <a:schemeClr val="tx1"/>
+                </a:solidFill>
+              </a:rPr>
+              <a:t>353</a:t>
+            </a:r>
+            <a:endParaRPr lang="en-ID" dirty="0">
+              <a:solidFill>
+                <a:schemeClr val="tx1"/>
+              </a:solidFill>
+            </a:endParaRPr>
+          </a:p>
+        </p:txBody>
+      </p:sp>
+      <p:sp>
+        <p:nvSpPr>
+          <p:cNvPr id="37" name="Rectangle 36">
+            <a:extLst>
+              <a:ext uri="{FF2B5EF4-FFF2-40B4-BE49-F238E27FC236}">
+                <a16:creationId xmlns:a16="http://schemas.microsoft.com/office/drawing/2014/main" id="{0B8BB5E6-633F-450A-BE20-AA04364354AE}"/>
+              </a:ext>
+            </a:extLst>
+          </p:cNvPr>
+          <p:cNvSpPr/>
+          <p:nvPr/>
+        </p:nvSpPr>
+        <p:spPr>
+          <a:xfrm>
+            <a:off x="3269343" y="565485"/>
+            <a:ext cx="859972" cy="707571"/>
+          </a:xfrm>
+          <a:prstGeom prst="rect">
+            <a:avLst/>
+          </a:prstGeom>
+          <a:solidFill>
+            <a:schemeClr val="bg1"/>
+          </a:solidFill>
+          <a:ln w="38100">
+            <a:solidFill>
+              <a:schemeClr val="tx1"/>
+            </a:solidFill>
+          </a:ln>
+        </p:spPr>
+        <p:style>
+          <a:lnRef idx="2">
+            <a:schemeClr val="accent1">
+              <a:shade val="50000"/>
+            </a:schemeClr>
+          </a:lnRef>
+          <a:fillRef idx="1">
+            <a:schemeClr val="accent1"/>
+          </a:fillRef>
+          <a:effectRef idx="0">
+            <a:schemeClr val="accent1"/>
+          </a:effectRef>
+          <a:fontRef idx="minor">
+            <a:schemeClr val="lt1"/>
+          </a:fontRef>
+        </p:style>
+        <p:txBody>
+          <a:bodyPr rtlCol="0" anchor="ctr"/>
+          <a:lstStyle/>
+          <a:p>
+            <a:pPr algn="ctr"/>
+            <a:r>
+              <a:rPr lang="en-US" dirty="0">
+                <a:solidFill>
+                  <a:schemeClr val="tx1"/>
+                </a:solidFill>
+              </a:rPr>
+              <a:t>355</a:t>
+            </a:r>
+            <a:endParaRPr lang="en-ID" dirty="0">
+              <a:solidFill>
+                <a:schemeClr val="tx1"/>
+              </a:solidFill>
+            </a:endParaRPr>
+          </a:p>
+        </p:txBody>
+      </p:sp>
+      <p:sp>
+        <p:nvSpPr>
+          <p:cNvPr id="38" name="Rectangle 37">
+            <a:extLst>
+              <a:ext uri="{FF2B5EF4-FFF2-40B4-BE49-F238E27FC236}">
+                <a16:creationId xmlns:a16="http://schemas.microsoft.com/office/drawing/2014/main" id="{95CFF507-FB24-4BCB-8140-43A9B85DDB85}"/>
+              </a:ext>
+            </a:extLst>
+          </p:cNvPr>
+          <p:cNvSpPr/>
+          <p:nvPr/>
+        </p:nvSpPr>
+        <p:spPr>
+          <a:xfrm>
+            <a:off x="4713707" y="565485"/>
+            <a:ext cx="859972" cy="707571"/>
+          </a:xfrm>
+          <a:prstGeom prst="rect">
+            <a:avLst/>
+          </a:prstGeom>
+          <a:solidFill>
+            <a:schemeClr val="bg1"/>
+          </a:solidFill>
+          <a:ln w="38100">
+            <a:solidFill>
+              <a:schemeClr val="tx1"/>
+            </a:solidFill>
+          </a:ln>
+        </p:spPr>
+        <p:style>
+          <a:lnRef idx="2">
+            <a:schemeClr val="accent1">
+              <a:shade val="50000"/>
+            </a:schemeClr>
+          </a:lnRef>
+          <a:fillRef idx="1">
+            <a:schemeClr val="accent1"/>
+          </a:fillRef>
+          <a:effectRef idx="0">
+            <a:schemeClr val="accent1"/>
+          </a:effectRef>
+          <a:fontRef idx="minor">
+            <a:schemeClr val="lt1"/>
+          </a:fontRef>
+        </p:style>
+        <p:txBody>
+          <a:bodyPr rtlCol="0" anchor="ctr"/>
+          <a:lstStyle/>
+          <a:p>
+            <a:pPr algn="ctr"/>
+            <a:r>
+              <a:rPr lang="en-US" dirty="0">
+                <a:solidFill>
+                  <a:schemeClr val="tx1"/>
+                </a:solidFill>
+              </a:rPr>
+              <a:t>389</a:t>
+            </a:r>
+            <a:endParaRPr lang="en-ID" dirty="0">
+              <a:solidFill>
+                <a:schemeClr val="tx1"/>
+              </a:solidFill>
+            </a:endParaRPr>
+          </a:p>
+        </p:txBody>
+      </p:sp>
+      <p:sp>
+        <p:nvSpPr>
+          <p:cNvPr id="39" name="Rectangle 38">
+            <a:extLst>
+              <a:ext uri="{FF2B5EF4-FFF2-40B4-BE49-F238E27FC236}">
+                <a16:creationId xmlns:a16="http://schemas.microsoft.com/office/drawing/2014/main" id="{2ADA7AFF-92F9-4A33-802E-02BB9432EA78}"/>
+              </a:ext>
+            </a:extLst>
+          </p:cNvPr>
+          <p:cNvSpPr/>
+          <p:nvPr/>
+        </p:nvSpPr>
+        <p:spPr>
+          <a:xfrm>
+            <a:off x="6052619" y="582850"/>
+            <a:ext cx="859972" cy="707571"/>
+          </a:xfrm>
+          <a:prstGeom prst="rect">
+            <a:avLst/>
+          </a:prstGeom>
+          <a:solidFill>
+            <a:schemeClr val="bg1"/>
+          </a:solidFill>
+          <a:ln w="38100">
+            <a:solidFill>
+              <a:schemeClr val="tx1"/>
+            </a:solidFill>
+          </a:ln>
+        </p:spPr>
+        <p:style>
+          <a:lnRef idx="2">
+            <a:schemeClr val="accent1">
+              <a:shade val="50000"/>
+            </a:schemeClr>
+          </a:lnRef>
+          <a:fillRef idx="1">
+            <a:schemeClr val="accent1"/>
+          </a:fillRef>
+          <a:effectRef idx="0">
+            <a:schemeClr val="accent1"/>
+          </a:effectRef>
+          <a:fontRef idx="minor">
+            <a:schemeClr val="lt1"/>
+          </a:fontRef>
+        </p:style>
+        <p:txBody>
+          <a:bodyPr rtlCol="0" anchor="ctr"/>
+          <a:lstStyle/>
+          <a:p>
+            <a:pPr algn="ctr"/>
+            <a:r>
+              <a:rPr lang="en-US" dirty="0">
+                <a:solidFill>
+                  <a:schemeClr val="tx1"/>
+                </a:solidFill>
+              </a:rPr>
+              <a:t>408</a:t>
+            </a:r>
+            <a:endParaRPr lang="en-ID" dirty="0">
+              <a:solidFill>
+                <a:schemeClr val="tx1"/>
+              </a:solidFill>
+            </a:endParaRPr>
+          </a:p>
+        </p:txBody>
+      </p:sp>
+      <p:pic>
+        <p:nvPicPr>
+          <p:cNvPr id="15" name="Picture 14">
+            <a:extLst>
+              <a:ext uri="{FF2B5EF4-FFF2-40B4-BE49-F238E27FC236}">
+                <a16:creationId xmlns:a16="http://schemas.microsoft.com/office/drawing/2014/main" id="{80B94733-3655-4BE6-8FB6-D79F890E6060}"/>
+              </a:ext>
+            </a:extLst>
+          </p:cNvPr>
+          <p:cNvPicPr>
+            <a:picLocks noChangeAspect="1"/>
+          </p:cNvPicPr>
+          <p:nvPr/>
+        </p:nvPicPr>
+        <p:blipFill>
+          <a:blip r:embed="rId2"/>
+          <a:stretch>
+            <a:fillRect/>
+          </a:stretch>
+        </p:blipFill>
+        <p:spPr>
+          <a:xfrm>
+            <a:off x="6052619" y="1435100"/>
+            <a:ext cx="3702050" cy="895350"/>
+          </a:xfrm>
+          <a:prstGeom prst="rect">
+            <a:avLst/>
+          </a:prstGeom>
+        </p:spPr>
+      </p:pic>
+    </p:spTree>
+    <p:extLst>
+      <p:ext uri="{BB962C8B-B14F-4D97-AF65-F5344CB8AC3E}">
+        <p14:creationId xmlns:p14="http://schemas.microsoft.com/office/powerpoint/2010/main" val="410294632"/>
       </p:ext>
     </p:extLst>
   </p:cSld>

--- a/Sumber/Ilustrasi Interpolation.pptx
+++ b/Sumber/Ilustrasi Interpolation.pptx
@@ -3603,10 +3603,7 @@
           </a:solidFill>
           <a:ln w="28575">
             <a:solidFill>
-              <a:schemeClr val="tx1">
-                <a:lumMod val="95000"/>
-                <a:lumOff val="5000"/>
-              </a:schemeClr>
+              <a:srgbClr val="00B050"/>
             </a:solidFill>
           </a:ln>
         </p:spPr>
@@ -3952,14 +3949,14 @@
             <a:r>
               <a:rPr lang="en-US" dirty="0">
                 <a:solidFill>
-                  <a:schemeClr val="tx1"/>
+                  <a:srgbClr val="00B050"/>
                 </a:solidFill>
               </a:rPr>
               <a:t>ms5N</a:t>
             </a:r>
             <a:endParaRPr lang="en-ID" dirty="0">
               <a:solidFill>
-                <a:schemeClr val="tx1"/>
+                <a:srgbClr val="00B050"/>
               </a:solidFill>
             </a:endParaRPr>
           </a:p>
@@ -4277,14 +4274,14 @@
             <a:r>
               <a:rPr lang="en-US" dirty="0">
                 <a:solidFill>
-                  <a:schemeClr val="tx1"/>
+                  <a:srgbClr val="00B050"/>
                 </a:solidFill>
               </a:rPr>
               <a:t>[109, 115, 53, 78]</a:t>
             </a:r>
             <a:endParaRPr lang="en-ID" dirty="0">
               <a:solidFill>
-                <a:schemeClr val="tx1"/>
+                <a:srgbClr val="00B050"/>
               </a:solidFill>
             </a:endParaRPr>
           </a:p>
@@ -4659,10 +4656,7 @@
           </a:solidFill>
           <a:ln w="28575">
             <a:solidFill>
-              <a:schemeClr val="tx1">
-                <a:lumMod val="95000"/>
-                <a:lumOff val="5000"/>
-              </a:schemeClr>
+              <a:srgbClr val="00B050"/>
             </a:solidFill>
           </a:ln>
         </p:spPr>
@@ -5008,14 +5002,14 @@
             <a:r>
               <a:rPr lang="en-US" dirty="0">
                 <a:solidFill>
-                  <a:schemeClr val="tx1"/>
+                  <a:srgbClr val="00B050"/>
                 </a:solidFill>
               </a:rPr>
               <a:t>355</a:t>
             </a:r>
             <a:endParaRPr lang="en-ID" dirty="0">
               <a:solidFill>
-                <a:schemeClr val="tx1"/>
+                <a:srgbClr val="00B050"/>
               </a:solidFill>
             </a:endParaRPr>
           </a:p>
@@ -5897,7 +5891,9 @@
           </a:solidFill>
           <a:ln w="38100">
             <a:solidFill>
-              <a:schemeClr val="tx1"/>
+              <a:schemeClr val="bg2">
+                <a:lumMod val="90000"/>
+              </a:schemeClr>
             </a:solidFill>
           </a:ln>
         </p:spPr>
@@ -5925,14 +5921,18 @@
             <a:r>
               <a:rPr lang="en-US" dirty="0">
                 <a:solidFill>
-                  <a:schemeClr val="tx1"/>
+                  <a:schemeClr val="bg2">
+                    <a:lumMod val="75000"/>
+                  </a:schemeClr>
                 </a:solidFill>
               </a:rPr>
               <a:t>340</a:t>
             </a:r>
             <a:endParaRPr lang="en-ID" dirty="0">
               <a:solidFill>
-                <a:schemeClr val="tx1"/>
+                <a:schemeClr val="bg2">
+                  <a:lumMod val="75000"/>
+                </a:schemeClr>
               </a:solidFill>
             </a:endParaRPr>
           </a:p>
@@ -6231,10 +6231,22 @@
           <a:lstStyle/>
           <a:p>
             <a:r>
-              <a:rPr lang="en-US" dirty="0"/>
+              <a:rPr lang="en-US" dirty="0">
+                <a:solidFill>
+                  <a:schemeClr val="bg2">
+                    <a:lumMod val="75000"/>
+                  </a:schemeClr>
+                </a:solidFill>
+              </a:rPr>
               <a:t>0</a:t>
             </a:r>
-            <a:endParaRPr lang="en-ID" dirty="0"/>
+            <a:endParaRPr lang="en-ID" dirty="0">
+              <a:solidFill>
+                <a:schemeClr val="bg2">
+                  <a:lumMod val="75000"/>
+                </a:schemeClr>
+              </a:solidFill>
+            </a:endParaRPr>
           </a:p>
         </p:txBody>
       </p:sp>
@@ -6396,7 +6408,7 @@
         </p:nvSpPr>
         <p:spPr>
           <a:xfrm>
-            <a:off x="775281" y="2452653"/>
+            <a:off x="2179536" y="2452653"/>
             <a:ext cx="535057" cy="369332"/>
           </a:xfrm>
           <a:prstGeom prst="rect">
@@ -6647,12 +6659,42 @@
           </a:p>
         </p:txBody>
       </p:sp>
-      <p:sp>
-        <p:nvSpPr>
-          <p:cNvPr id="35" name="Rectangle 34">
-            <a:extLst>
-              <a:ext uri="{FF2B5EF4-FFF2-40B4-BE49-F238E27FC236}">
-                <a16:creationId xmlns:a16="http://schemas.microsoft.com/office/drawing/2014/main" id="{308BB4BE-9620-420A-B824-464E6EB9B4AF}"/>
+      <p:pic>
+        <p:nvPicPr>
+          <p:cNvPr id="15" name="Picture 14">
+            <a:extLst>
+              <a:ext uri="{FF2B5EF4-FFF2-40B4-BE49-F238E27FC236}">
+                <a16:creationId xmlns:a16="http://schemas.microsoft.com/office/drawing/2014/main" id="{80B94733-3655-4BE6-8FB6-D79F890E6060}"/>
+              </a:ext>
+            </a:extLst>
+          </p:cNvPr>
+          <p:cNvPicPr>
+            <a:picLocks noChangeAspect="1"/>
+          </p:cNvPicPr>
+          <p:nvPr/>
+        </p:nvPicPr>
+        <p:blipFill>
+          <a:blip r:embed="rId2"/>
+          <a:stretch>
+            <a:fillRect/>
+          </a:stretch>
+        </p:blipFill>
+        <p:spPr>
+          <a:xfrm>
+            <a:off x="1772719" y="566375"/>
+            <a:ext cx="3702050" cy="895350"/>
+          </a:xfrm>
+          <a:prstGeom prst="rect">
+            <a:avLst/>
+          </a:prstGeom>
+        </p:spPr>
+      </p:pic>
+      <p:sp>
+        <p:nvSpPr>
+          <p:cNvPr id="21" name="Rectangle 20">
+            <a:extLst>
+              <a:ext uri="{FF2B5EF4-FFF2-40B4-BE49-F238E27FC236}">
+                <a16:creationId xmlns:a16="http://schemas.microsoft.com/office/drawing/2014/main" id="{FD3B313E-251A-4DC3-A158-E07E074B2210}"/>
               </a:ext>
             </a:extLst>
           </p:cNvPr>
@@ -6661,7 +6703,93 @@
         </p:nvSpPr>
         <p:spPr>
           <a:xfrm>
-            <a:off x="618909" y="3075214"/>
+            <a:off x="9249887" y="5452257"/>
+            <a:ext cx="847626" cy="1088573"/>
+          </a:xfrm>
+          <a:prstGeom prst="rect">
+            <a:avLst/>
+          </a:prstGeom>
+        </p:spPr>
+        <p:style>
+          <a:lnRef idx="2">
+            <a:schemeClr val="accent1">
+              <a:shade val="50000"/>
+            </a:schemeClr>
+          </a:lnRef>
+          <a:fillRef idx="1">
+            <a:schemeClr val="accent1"/>
+          </a:fillRef>
+          <a:effectRef idx="0">
+            <a:schemeClr val="accent1"/>
+          </a:effectRef>
+          <a:fontRef idx="minor">
+            <a:schemeClr val="lt1"/>
+          </a:fontRef>
+        </p:style>
+        <p:txBody>
+          <a:bodyPr rtlCol="0" anchor="ctr"/>
+          <a:lstStyle/>
+          <a:p>
+            <a:pPr algn="ctr"/>
+            <a:r>
+              <a:rPr lang="en-US" dirty="0"/>
+              <a:t>high</a:t>
+            </a:r>
+            <a:endParaRPr lang="en-ID" dirty="0"/>
+          </a:p>
+        </p:txBody>
+      </p:sp>
+      <p:sp>
+        <p:nvSpPr>
+          <p:cNvPr id="23" name="TextBox 22">
+            <a:extLst>
+              <a:ext uri="{FF2B5EF4-FFF2-40B4-BE49-F238E27FC236}">
+                <a16:creationId xmlns:a16="http://schemas.microsoft.com/office/drawing/2014/main" id="{E923424B-52BC-4F32-846D-B7C7F6F4DC1D}"/>
+              </a:ext>
+            </a:extLst>
+          </p:cNvPr>
+          <p:cNvSpPr txBox="1"/>
+          <p:nvPr/>
+        </p:nvSpPr>
+        <p:spPr>
+          <a:xfrm>
+            <a:off x="7172950" y="5452257"/>
+            <a:ext cx="385011" cy="369332"/>
+          </a:xfrm>
+          <a:prstGeom prst="rect">
+            <a:avLst/>
+          </a:prstGeom>
+          <a:noFill/>
+        </p:spPr>
+        <p:txBody>
+          <a:bodyPr wrap="square" rtlCol="0">
+            <a:spAutoFit/>
+          </a:bodyPr>
+          <a:lstStyle/>
+          <a:p>
+            <a:r>
+              <a:rPr lang="en-US" dirty="0"/>
+              <a:t>0</a:t>
+            </a:r>
+            <a:endParaRPr lang="en-ID" dirty="0"/>
+          </a:p>
+        </p:txBody>
+      </p:sp>
+      <p:sp>
+        <p:nvSpPr>
+          <p:cNvPr id="18" name="Rectangle 17">
+            <a:extLst>
+              <a:ext uri="{FF2B5EF4-FFF2-40B4-BE49-F238E27FC236}">
+                <a16:creationId xmlns:a16="http://schemas.microsoft.com/office/drawing/2014/main" id="{68D62ACB-5543-41D5-B604-9EE3FC513E8A}"/>
+              </a:ext>
+            </a:extLst>
+          </p:cNvPr>
+          <p:cNvSpPr/>
+          <p:nvPr/>
+        </p:nvSpPr>
+        <p:spPr>
+          <a:xfrm>
+            <a:off x="606209" y="2830750"/>
             <a:ext cx="859972" cy="707571"/>
           </a:xfrm>
           <a:prstGeom prst="rect">
@@ -6672,8 +6800,8 @@
           </a:solidFill>
           <a:ln w="38100">
             <a:solidFill>
-              <a:schemeClr val="bg1">
-                <a:lumMod val="65000"/>
+              <a:schemeClr val="bg2">
+                <a:lumMod val="90000"/>
               </a:schemeClr>
             </a:solidFill>
           </a:ln>
@@ -6702,14 +6830,18 @@
             <a:r>
               <a:rPr lang="en-US" dirty="0">
                 <a:solidFill>
-                  <a:schemeClr val="tx1"/>
+                  <a:schemeClr val="bg2">
+                    <a:lumMod val="75000"/>
+                  </a:schemeClr>
                 </a:solidFill>
               </a:rPr>
               <a:t>340</a:t>
             </a:r>
             <a:endParaRPr lang="en-ID" dirty="0">
               <a:solidFill>
-                <a:schemeClr val="tx1"/>
+                <a:schemeClr val="bg2">
+                  <a:lumMod val="75000"/>
+                </a:schemeClr>
               </a:solidFill>
             </a:endParaRPr>
           </a:p>
@@ -6717,10 +6849,10 @@
       </p:sp>
       <p:sp>
         <p:nvSpPr>
-          <p:cNvPr id="36" name="Rectangle 35">
-            <a:extLst>
-              <a:ext uri="{FF2B5EF4-FFF2-40B4-BE49-F238E27FC236}">
-                <a16:creationId xmlns:a16="http://schemas.microsoft.com/office/drawing/2014/main" id="{50FD95DD-8F6E-4B38-88F2-F31D0007026F}"/>
+          <p:cNvPr id="19" name="Rectangle 18">
+            <a:extLst>
+              <a:ext uri="{FF2B5EF4-FFF2-40B4-BE49-F238E27FC236}">
+                <a16:creationId xmlns:a16="http://schemas.microsoft.com/office/drawing/2014/main" id="{E1C52548-0B53-46B2-935C-4BCD6E7972E9}"/>
               </a:ext>
             </a:extLst>
           </p:cNvPr>
@@ -6729,7 +6861,7 @@
         </p:nvSpPr>
         <p:spPr>
           <a:xfrm>
-            <a:off x="2040879" y="3057849"/>
+            <a:off x="2028179" y="2813385"/>
             <a:ext cx="859972" cy="707571"/>
           </a:xfrm>
           <a:prstGeom prst="rect">
@@ -6783,10 +6915,10 @@
       </p:sp>
       <p:sp>
         <p:nvSpPr>
-          <p:cNvPr id="37" name="Rectangle 36">
-            <a:extLst>
-              <a:ext uri="{FF2B5EF4-FFF2-40B4-BE49-F238E27FC236}">
-                <a16:creationId xmlns:a16="http://schemas.microsoft.com/office/drawing/2014/main" id="{0B8BB5E6-633F-450A-BE20-AA04364354AE}"/>
+          <p:cNvPr id="20" name="Rectangle 19">
+            <a:extLst>
+              <a:ext uri="{FF2B5EF4-FFF2-40B4-BE49-F238E27FC236}">
+                <a16:creationId xmlns:a16="http://schemas.microsoft.com/office/drawing/2014/main" id="{29DBBB78-C292-43FB-A961-4314220A4802}"/>
               </a:ext>
             </a:extLst>
           </p:cNvPr>
@@ -6795,7 +6927,7 @@
         </p:nvSpPr>
         <p:spPr>
           <a:xfrm>
-            <a:off x="3485243" y="3057849"/>
+            <a:off x="3472543" y="2813385"/>
             <a:ext cx="859972" cy="707571"/>
           </a:xfrm>
           <a:prstGeom prst="rect">
@@ -6834,14 +6966,14 @@
             <a:r>
               <a:rPr lang="en-US" dirty="0">
                 <a:solidFill>
-                  <a:schemeClr val="tx1"/>
+                  <a:srgbClr val="00B050"/>
                 </a:solidFill>
               </a:rPr>
               <a:t>355</a:t>
             </a:r>
             <a:endParaRPr lang="en-ID" dirty="0">
               <a:solidFill>
-                <a:schemeClr val="tx1"/>
+                <a:srgbClr val="00B050"/>
               </a:solidFill>
             </a:endParaRPr>
           </a:p>
@@ -6849,10 +6981,10 @@
       </p:sp>
       <p:sp>
         <p:nvSpPr>
-          <p:cNvPr id="38" name="Rectangle 37">
-            <a:extLst>
-              <a:ext uri="{FF2B5EF4-FFF2-40B4-BE49-F238E27FC236}">
-                <a16:creationId xmlns:a16="http://schemas.microsoft.com/office/drawing/2014/main" id="{95CFF507-FB24-4BCB-8140-43A9B85DDB85}"/>
+          <p:cNvPr id="22" name="Rectangle 21">
+            <a:extLst>
+              <a:ext uri="{FF2B5EF4-FFF2-40B4-BE49-F238E27FC236}">
+                <a16:creationId xmlns:a16="http://schemas.microsoft.com/office/drawing/2014/main" id="{A53B7B2D-D0A8-4F46-A347-C54F83E382D8}"/>
               </a:ext>
             </a:extLst>
           </p:cNvPr>
@@ -6861,7 +6993,7 @@
         </p:nvSpPr>
         <p:spPr>
           <a:xfrm>
-            <a:off x="4929607" y="3057849"/>
+            <a:off x="4916907" y="2813385"/>
             <a:ext cx="859972" cy="707571"/>
           </a:xfrm>
           <a:prstGeom prst="rect">
@@ -6915,10 +7047,10 @@
       </p:sp>
       <p:sp>
         <p:nvSpPr>
-          <p:cNvPr id="39" name="Rectangle 38">
-            <a:extLst>
-              <a:ext uri="{FF2B5EF4-FFF2-40B4-BE49-F238E27FC236}">
-                <a16:creationId xmlns:a16="http://schemas.microsoft.com/office/drawing/2014/main" id="{2ADA7AFF-92F9-4A33-802E-02BB9432EA78}"/>
+          <p:cNvPr id="24" name="Rectangle 23">
+            <a:extLst>
+              <a:ext uri="{FF2B5EF4-FFF2-40B4-BE49-F238E27FC236}">
+                <a16:creationId xmlns:a16="http://schemas.microsoft.com/office/drawing/2014/main" id="{63AE67C2-424A-44D4-8FEE-DF615FDB7EB9}"/>
               </a:ext>
             </a:extLst>
           </p:cNvPr>
@@ -6927,7 +7059,7 @@
         </p:nvSpPr>
         <p:spPr>
           <a:xfrm>
-            <a:off x="6268519" y="3075214"/>
+            <a:off x="6255819" y="2830750"/>
             <a:ext cx="859972" cy="707571"/>
           </a:xfrm>
           <a:prstGeom prst="rect">
@@ -6979,92 +7111,12 @@
           </a:p>
         </p:txBody>
       </p:sp>
-      <p:pic>
-        <p:nvPicPr>
-          <p:cNvPr id="15" name="Picture 14">
-            <a:extLst>
-              <a:ext uri="{FF2B5EF4-FFF2-40B4-BE49-F238E27FC236}">
-                <a16:creationId xmlns:a16="http://schemas.microsoft.com/office/drawing/2014/main" id="{80B94733-3655-4BE6-8FB6-D79F890E6060}"/>
-              </a:ext>
-            </a:extLst>
-          </p:cNvPr>
-          <p:cNvPicPr>
-            <a:picLocks noChangeAspect="1"/>
-          </p:cNvPicPr>
-          <p:nvPr/>
-        </p:nvPicPr>
-        <p:blipFill>
-          <a:blip r:embed="rId2"/>
-          <a:stretch>
-            <a:fillRect/>
-          </a:stretch>
-        </p:blipFill>
-        <p:spPr>
-          <a:xfrm>
-            <a:off x="1772719" y="566375"/>
-            <a:ext cx="3702050" cy="895350"/>
-          </a:xfrm>
-          <a:prstGeom prst="rect">
-            <a:avLst/>
-          </a:prstGeom>
-        </p:spPr>
-      </p:pic>
-      <p:sp>
-        <p:nvSpPr>
-          <p:cNvPr id="21" name="Rectangle 20">
-            <a:extLst>
-              <a:ext uri="{FF2B5EF4-FFF2-40B4-BE49-F238E27FC236}">
-                <a16:creationId xmlns:a16="http://schemas.microsoft.com/office/drawing/2014/main" id="{FD3B313E-251A-4DC3-A158-E07E074B2210}"/>
-              </a:ext>
-            </a:extLst>
-          </p:cNvPr>
-          <p:cNvSpPr/>
-          <p:nvPr/>
-        </p:nvSpPr>
-        <p:spPr>
-          <a:xfrm>
-            <a:off x="6254329" y="4082470"/>
-            <a:ext cx="847626" cy="1088573"/>
-          </a:xfrm>
-          <a:prstGeom prst="rect">
-            <a:avLst/>
-          </a:prstGeom>
-        </p:spPr>
-        <p:style>
-          <a:lnRef idx="2">
-            <a:schemeClr val="accent1">
-              <a:shade val="50000"/>
-            </a:schemeClr>
-          </a:lnRef>
-          <a:fillRef idx="1">
-            <a:schemeClr val="accent1"/>
-          </a:fillRef>
-          <a:effectRef idx="0">
-            <a:schemeClr val="accent1"/>
-          </a:effectRef>
-          <a:fontRef idx="minor">
-            <a:schemeClr val="lt1"/>
-          </a:fontRef>
-        </p:style>
-        <p:txBody>
-          <a:bodyPr rtlCol="0" anchor="ctr"/>
-          <a:lstStyle/>
-          <a:p>
-            <a:pPr algn="ctr"/>
-            <a:r>
-              <a:rPr lang="en-US" dirty="0"/>
-              <a:t>high</a:t>
-            </a:r>
-            <a:endParaRPr lang="en-ID" dirty="0"/>
-          </a:p>
-        </p:txBody>
-      </p:sp>
-      <p:sp>
-        <p:nvSpPr>
-          <p:cNvPr id="23" name="TextBox 22">
-            <a:extLst>
-              <a:ext uri="{FF2B5EF4-FFF2-40B4-BE49-F238E27FC236}">
-                <a16:creationId xmlns:a16="http://schemas.microsoft.com/office/drawing/2014/main" id="{E923424B-52BC-4F32-846D-B7C7F6F4DC1D}"/>
+      <p:sp>
+        <p:nvSpPr>
+          <p:cNvPr id="25" name="TextBox 24">
+            <a:extLst>
+              <a:ext uri="{FF2B5EF4-FFF2-40B4-BE49-F238E27FC236}">
+                <a16:creationId xmlns:a16="http://schemas.microsoft.com/office/drawing/2014/main" id="{6CB3A67B-9522-4E0F-957A-E7173C74D547}"/>
               </a:ext>
             </a:extLst>
           </p:cNvPr>
@@ -7073,7 +7125,7 @@
         </p:nvSpPr>
         <p:spPr>
           <a:xfrm>
-            <a:off x="7172950" y="5452257"/>
+            <a:off x="843689" y="3582604"/>
             <a:ext cx="385011" cy="369332"/>
           </a:xfrm>
           <a:prstGeom prst="rect">
@@ -7088,10 +7140,290 @@
           <a:lstStyle/>
           <a:p>
             <a:r>
+              <a:rPr lang="en-US" dirty="0">
+                <a:solidFill>
+                  <a:schemeClr val="bg2">
+                    <a:lumMod val="75000"/>
+                  </a:schemeClr>
+                </a:solidFill>
+              </a:rPr>
+              <a:t>0</a:t>
+            </a:r>
+            <a:endParaRPr lang="en-ID" dirty="0">
+              <a:solidFill>
+                <a:schemeClr val="bg2">
+                  <a:lumMod val="75000"/>
+                </a:schemeClr>
+              </a:solidFill>
+            </a:endParaRPr>
+          </a:p>
+        </p:txBody>
+      </p:sp>
+      <p:sp>
+        <p:nvSpPr>
+          <p:cNvPr id="26" name="TextBox 25">
+            <a:extLst>
+              <a:ext uri="{FF2B5EF4-FFF2-40B4-BE49-F238E27FC236}">
+                <a16:creationId xmlns:a16="http://schemas.microsoft.com/office/drawing/2014/main" id="{33761413-C69D-426B-B687-ED7499D30C5F}"/>
+              </a:ext>
+            </a:extLst>
+          </p:cNvPr>
+          <p:cNvSpPr txBox="1"/>
+          <p:nvPr/>
+        </p:nvSpPr>
+        <p:spPr>
+          <a:xfrm>
+            <a:off x="2305429" y="3580456"/>
+            <a:ext cx="385011" cy="369332"/>
+          </a:xfrm>
+          <a:prstGeom prst="rect">
+            <a:avLst/>
+          </a:prstGeom>
+          <a:noFill/>
+        </p:spPr>
+        <p:txBody>
+          <a:bodyPr wrap="square" rtlCol="0">
+            <a:spAutoFit/>
+          </a:bodyPr>
+          <a:lstStyle/>
+          <a:p>
+            <a:r>
               <a:rPr lang="en-US" dirty="0"/>
-              <a:t>0</a:t>
+              <a:t>1</a:t>
             </a:r>
             <a:endParaRPr lang="en-ID" dirty="0"/>
+          </a:p>
+        </p:txBody>
+      </p:sp>
+      <p:sp>
+        <p:nvSpPr>
+          <p:cNvPr id="27" name="TextBox 26">
+            <a:extLst>
+              <a:ext uri="{FF2B5EF4-FFF2-40B4-BE49-F238E27FC236}">
+                <a16:creationId xmlns:a16="http://schemas.microsoft.com/office/drawing/2014/main" id="{0727D09C-5EA0-4558-90C9-5BD52F61A6B9}"/>
+              </a:ext>
+            </a:extLst>
+          </p:cNvPr>
+          <p:cNvSpPr txBox="1"/>
+          <p:nvPr/>
+        </p:nvSpPr>
+        <p:spPr>
+          <a:xfrm>
+            <a:off x="3723631" y="3578569"/>
+            <a:ext cx="385011" cy="369332"/>
+          </a:xfrm>
+          <a:prstGeom prst="rect">
+            <a:avLst/>
+          </a:prstGeom>
+          <a:noFill/>
+        </p:spPr>
+        <p:txBody>
+          <a:bodyPr wrap="square" rtlCol="0">
+            <a:spAutoFit/>
+          </a:bodyPr>
+          <a:lstStyle/>
+          <a:p>
+            <a:r>
+              <a:rPr lang="en-US" dirty="0">
+                <a:solidFill>
+                  <a:srgbClr val="00B050"/>
+                </a:solidFill>
+              </a:rPr>
+              <a:t>2</a:t>
+            </a:r>
+            <a:endParaRPr lang="en-ID" dirty="0">
+              <a:solidFill>
+                <a:srgbClr val="00B050"/>
+              </a:solidFill>
+            </a:endParaRPr>
+          </a:p>
+        </p:txBody>
+      </p:sp>
+      <p:sp>
+        <p:nvSpPr>
+          <p:cNvPr id="28" name="TextBox 27">
+            <a:extLst>
+              <a:ext uri="{FF2B5EF4-FFF2-40B4-BE49-F238E27FC236}">
+                <a16:creationId xmlns:a16="http://schemas.microsoft.com/office/drawing/2014/main" id="{27D7DA77-55F3-4E81-BB48-3569658DEB91}"/>
+              </a:ext>
+            </a:extLst>
+          </p:cNvPr>
+          <p:cNvSpPr txBox="1"/>
+          <p:nvPr/>
+        </p:nvSpPr>
+        <p:spPr>
+          <a:xfrm>
+            <a:off x="5181604" y="3542159"/>
+            <a:ext cx="385011" cy="369332"/>
+          </a:xfrm>
+          <a:prstGeom prst="rect">
+            <a:avLst/>
+          </a:prstGeom>
+          <a:noFill/>
+        </p:spPr>
+        <p:txBody>
+          <a:bodyPr wrap="square" rtlCol="0">
+            <a:spAutoFit/>
+          </a:bodyPr>
+          <a:lstStyle/>
+          <a:p>
+            <a:r>
+              <a:rPr lang="en-US" dirty="0"/>
+              <a:t>3</a:t>
+            </a:r>
+            <a:endParaRPr lang="en-ID" dirty="0"/>
+          </a:p>
+        </p:txBody>
+      </p:sp>
+      <p:sp>
+        <p:nvSpPr>
+          <p:cNvPr id="29" name="TextBox 28">
+            <a:extLst>
+              <a:ext uri="{FF2B5EF4-FFF2-40B4-BE49-F238E27FC236}">
+                <a16:creationId xmlns:a16="http://schemas.microsoft.com/office/drawing/2014/main" id="{27B1C1C9-E7F8-4EB1-8350-706A7043A1DE}"/>
+              </a:ext>
+            </a:extLst>
+          </p:cNvPr>
+          <p:cNvSpPr txBox="1"/>
+          <p:nvPr/>
+        </p:nvSpPr>
+        <p:spPr>
+          <a:xfrm>
+            <a:off x="6493299" y="3578569"/>
+            <a:ext cx="385011" cy="369332"/>
+          </a:xfrm>
+          <a:prstGeom prst="rect">
+            <a:avLst/>
+          </a:prstGeom>
+          <a:noFill/>
+        </p:spPr>
+        <p:txBody>
+          <a:bodyPr wrap="square" rtlCol="0">
+            <a:spAutoFit/>
+          </a:bodyPr>
+          <a:lstStyle/>
+          <a:p>
+            <a:r>
+              <a:rPr lang="en-US" dirty="0"/>
+              <a:t>4</a:t>
+            </a:r>
+            <a:endParaRPr lang="en-ID" dirty="0"/>
+          </a:p>
+        </p:txBody>
+      </p:sp>
+      <p:sp>
+        <p:nvSpPr>
+          <p:cNvPr id="32" name="TextBox 31">
+            <a:extLst>
+              <a:ext uri="{FF2B5EF4-FFF2-40B4-BE49-F238E27FC236}">
+                <a16:creationId xmlns:a16="http://schemas.microsoft.com/office/drawing/2014/main" id="{DA78AAB6-3E23-40F7-879A-CF9041E82ECC}"/>
+              </a:ext>
+            </a:extLst>
+          </p:cNvPr>
+          <p:cNvSpPr txBox="1"/>
+          <p:nvPr/>
+        </p:nvSpPr>
+        <p:spPr>
+          <a:xfrm>
+            <a:off x="2179536" y="2452653"/>
+            <a:ext cx="535057" cy="369332"/>
+          </a:xfrm>
+          <a:prstGeom prst="rect">
+            <a:avLst/>
+          </a:prstGeom>
+          <a:noFill/>
+        </p:spPr>
+        <p:txBody>
+          <a:bodyPr wrap="square" rtlCol="0">
+            <a:spAutoFit/>
+          </a:bodyPr>
+          <a:lstStyle/>
+          <a:p>
+            <a:r>
+              <a:rPr lang="en-US" dirty="0"/>
+              <a:t>low</a:t>
+            </a:r>
+            <a:endParaRPr lang="en-ID" dirty="0"/>
+          </a:p>
+        </p:txBody>
+      </p:sp>
+      <p:sp>
+        <p:nvSpPr>
+          <p:cNvPr id="33" name="TextBox 32">
+            <a:extLst>
+              <a:ext uri="{FF2B5EF4-FFF2-40B4-BE49-F238E27FC236}">
+                <a16:creationId xmlns:a16="http://schemas.microsoft.com/office/drawing/2014/main" id="{F0E97E71-6052-4500-8141-B8C92293E141}"/>
+              </a:ext>
+            </a:extLst>
+          </p:cNvPr>
+          <p:cNvSpPr txBox="1"/>
+          <p:nvPr/>
+        </p:nvSpPr>
+        <p:spPr>
+          <a:xfrm>
+            <a:off x="6402423" y="2452653"/>
+            <a:ext cx="859972" cy="369332"/>
+          </a:xfrm>
+          <a:prstGeom prst="rect">
+            <a:avLst/>
+          </a:prstGeom>
+          <a:noFill/>
+        </p:spPr>
+        <p:txBody>
+          <a:bodyPr wrap="square" rtlCol="0">
+            <a:spAutoFit/>
+          </a:bodyPr>
+          <a:lstStyle/>
+          <a:p>
+            <a:r>
+              <a:rPr lang="en-US" dirty="0"/>
+              <a:t>high</a:t>
+            </a:r>
+            <a:endParaRPr lang="en-ID" dirty="0"/>
+          </a:p>
+        </p:txBody>
+      </p:sp>
+      <p:sp>
+        <p:nvSpPr>
+          <p:cNvPr id="34" name="TextBox 33">
+            <a:extLst>
+              <a:ext uri="{FF2B5EF4-FFF2-40B4-BE49-F238E27FC236}">
+                <a16:creationId xmlns:a16="http://schemas.microsoft.com/office/drawing/2014/main" id="{67BC5243-C3FC-4CD2-AD84-921F186A084D}"/>
+              </a:ext>
+            </a:extLst>
+          </p:cNvPr>
+          <p:cNvSpPr txBox="1"/>
+          <p:nvPr/>
+        </p:nvSpPr>
+        <p:spPr>
+          <a:xfrm>
+            <a:off x="3648607" y="2452653"/>
+            <a:ext cx="535057" cy="369332"/>
+          </a:xfrm>
+          <a:prstGeom prst="rect">
+            <a:avLst/>
+          </a:prstGeom>
+          <a:noFill/>
+        </p:spPr>
+        <p:txBody>
+          <a:bodyPr wrap="square" rtlCol="0">
+            <a:spAutoFit/>
+          </a:bodyPr>
+          <a:lstStyle/>
+          <a:p>
+            <a:r>
+              <a:rPr lang="en-US" dirty="0">
+                <a:solidFill>
+                  <a:srgbClr val="00B050"/>
+                </a:solidFill>
+              </a:rPr>
+              <a:t>key</a:t>
+            </a:r>
+            <a:endParaRPr lang="en-ID" dirty="0">
+              <a:solidFill>
+                <a:srgbClr val="00B050"/>
+              </a:solidFill>
+            </a:endParaRPr>
           </a:p>
         </p:txBody>
       </p:sp>
